--- a/Lectures/Lecture 5.pptx
+++ b/Lectures/Lecture 5.pptx
@@ -5,7 +5,7 @@
     <p:sldMasterId id="2147483648" r:id="rId1"/>
   </p:sldMasterIdLst>
   <p:notesMasterIdLst>
-    <p:notesMasterId r:id="rId39"/>
+    <p:notesMasterId r:id="rId40"/>
   </p:notesMasterIdLst>
   <p:sldIdLst>
     <p:sldId id="256" r:id="rId2"/>
@@ -39,12 +39,13 @@
     <p:sldId id="327" r:id="rId30"/>
     <p:sldId id="328" r:id="rId31"/>
     <p:sldId id="329" r:id="rId32"/>
-    <p:sldId id="330" r:id="rId33"/>
-    <p:sldId id="331" r:id="rId34"/>
-    <p:sldId id="324" r:id="rId35"/>
-    <p:sldId id="325" r:id="rId36"/>
-    <p:sldId id="326" r:id="rId37"/>
-    <p:sldId id="341" r:id="rId38"/>
+    <p:sldId id="342" r:id="rId33"/>
+    <p:sldId id="330" r:id="rId34"/>
+    <p:sldId id="331" r:id="rId35"/>
+    <p:sldId id="324" r:id="rId36"/>
+    <p:sldId id="325" r:id="rId37"/>
+    <p:sldId id="326" r:id="rId38"/>
+    <p:sldId id="341" r:id="rId39"/>
   </p:sldIdLst>
   <p:sldSz cx="12192000" cy="6858000"/>
   <p:notesSz cx="6858000" cy="9144000"/>
@@ -245,7 +246,7 @@
           <a:p>
             <a:fld id="{1CB48AD5-CDAE-4B7B-B49D-6DB81FF5A179}" type="datetimeFigureOut">
               <a:rPr lang="en-US" smtClean="0"/>
-              <a:t>9/3/2020</a:t>
+              <a:t>9/4/2020</a:t>
             </a:fld>
             <a:endParaRPr lang="en-US"/>
           </a:p>
@@ -659,7 +660,7 @@
           <a:p>
             <a:fld id="{C4959B56-7D6D-462F-B061-93C9E323EE8A}" type="datetimeFigureOut">
               <a:rPr lang="en-US" smtClean="0"/>
-              <a:t>9/3/2020</a:t>
+              <a:t>9/4/2020</a:t>
             </a:fld>
             <a:endParaRPr lang="en-US"/>
           </a:p>
@@ -857,7 +858,7 @@
           <a:p>
             <a:fld id="{C4959B56-7D6D-462F-B061-93C9E323EE8A}" type="datetimeFigureOut">
               <a:rPr lang="en-US" smtClean="0"/>
-              <a:t>9/3/2020</a:t>
+              <a:t>9/4/2020</a:t>
             </a:fld>
             <a:endParaRPr lang="en-US"/>
           </a:p>
@@ -1065,7 +1066,7 @@
           <a:p>
             <a:fld id="{C4959B56-7D6D-462F-B061-93C9E323EE8A}" type="datetimeFigureOut">
               <a:rPr lang="en-US" smtClean="0"/>
-              <a:t>9/3/2020</a:t>
+              <a:t>9/4/2020</a:t>
             </a:fld>
             <a:endParaRPr lang="en-US"/>
           </a:p>
@@ -1263,7 +1264,7 @@
           <a:p>
             <a:fld id="{C4959B56-7D6D-462F-B061-93C9E323EE8A}" type="datetimeFigureOut">
               <a:rPr lang="en-US" smtClean="0"/>
-              <a:t>9/3/2020</a:t>
+              <a:t>9/4/2020</a:t>
             </a:fld>
             <a:endParaRPr lang="en-US"/>
           </a:p>
@@ -1538,7 +1539,7 @@
           <a:p>
             <a:fld id="{C4959B56-7D6D-462F-B061-93C9E323EE8A}" type="datetimeFigureOut">
               <a:rPr lang="en-US" smtClean="0"/>
-              <a:t>9/3/2020</a:t>
+              <a:t>9/4/2020</a:t>
             </a:fld>
             <a:endParaRPr lang="en-US"/>
           </a:p>
@@ -1803,7 +1804,7 @@
           <a:p>
             <a:fld id="{C4959B56-7D6D-462F-B061-93C9E323EE8A}" type="datetimeFigureOut">
               <a:rPr lang="en-US" smtClean="0"/>
-              <a:t>9/3/2020</a:t>
+              <a:t>9/4/2020</a:t>
             </a:fld>
             <a:endParaRPr lang="en-US"/>
           </a:p>
@@ -2215,7 +2216,7 @@
           <a:p>
             <a:fld id="{C4959B56-7D6D-462F-B061-93C9E323EE8A}" type="datetimeFigureOut">
               <a:rPr lang="en-US" smtClean="0"/>
-              <a:t>9/3/2020</a:t>
+              <a:t>9/4/2020</a:t>
             </a:fld>
             <a:endParaRPr lang="en-US"/>
           </a:p>
@@ -2356,7 +2357,7 @@
           <a:p>
             <a:fld id="{C4959B56-7D6D-462F-B061-93C9E323EE8A}" type="datetimeFigureOut">
               <a:rPr lang="en-US" smtClean="0"/>
-              <a:t>9/3/2020</a:t>
+              <a:t>9/4/2020</a:t>
             </a:fld>
             <a:endParaRPr lang="en-US"/>
           </a:p>
@@ -2469,7 +2470,7 @@
           <a:p>
             <a:fld id="{C4959B56-7D6D-462F-B061-93C9E323EE8A}" type="datetimeFigureOut">
               <a:rPr lang="en-US" smtClean="0"/>
-              <a:t>9/3/2020</a:t>
+              <a:t>9/4/2020</a:t>
             </a:fld>
             <a:endParaRPr lang="en-US"/>
           </a:p>
@@ -2780,7 +2781,7 @@
           <a:p>
             <a:fld id="{C4959B56-7D6D-462F-B061-93C9E323EE8A}" type="datetimeFigureOut">
               <a:rPr lang="en-US" smtClean="0"/>
-              <a:t>9/3/2020</a:t>
+              <a:t>9/4/2020</a:t>
             </a:fld>
             <a:endParaRPr lang="en-US"/>
           </a:p>
@@ -3068,7 +3069,7 @@
           <a:p>
             <a:fld id="{C4959B56-7D6D-462F-B061-93C9E323EE8A}" type="datetimeFigureOut">
               <a:rPr lang="en-US" smtClean="0"/>
-              <a:t>9/3/2020</a:t>
+              <a:t>9/4/2020</a:t>
             </a:fld>
             <a:endParaRPr lang="en-US"/>
           </a:p>
@@ -3309,7 +3310,7 @@
           <a:p>
             <a:fld id="{C4959B56-7D6D-462F-B061-93C9E323EE8A}" type="datetimeFigureOut">
               <a:rPr lang="en-US" smtClean="0"/>
-              <a:t>9/3/2020</a:t>
+              <a:t>9/4/2020</a:t>
             </a:fld>
             <a:endParaRPr lang="en-US"/>
           </a:p>
@@ -3908,8 +3909,8 @@
           </a:p>
         </p:txBody>
       </p:sp>
-      <mc:AlternateContent xmlns:mc="http://schemas.openxmlformats.org/markup-compatibility/2006">
-        <mc:Choice xmlns:a14="http://schemas.microsoft.com/office/drawing/2010/main" Requires="a14">
+      <mc:AlternateContent xmlns:mc="http://schemas.openxmlformats.org/markup-compatibility/2006" xmlns:a14="http://schemas.microsoft.com/office/drawing/2010/main">
+        <mc:Choice Requires="a14">
           <p:sp>
             <p:nvSpPr>
               <p:cNvPr id="3" name="Content Placeholder 2">
@@ -4156,7 +4157,7 @@
             </p:txBody>
           </p:sp>
         </mc:Choice>
-        <mc:Fallback>
+        <mc:Fallback xmlns="">
           <p:sp>
             <p:nvSpPr>
               <p:cNvPr id="3" name="Content Placeholder 2">
@@ -7625,8 +7626,8 @@
           </a:p>
         </p:txBody>
       </p:sp>
-      <mc:AlternateContent xmlns:mc="http://schemas.openxmlformats.org/markup-compatibility/2006">
-        <mc:Choice xmlns:a14="http://schemas.microsoft.com/office/drawing/2010/main" Requires="a14">
+      <mc:AlternateContent xmlns:mc="http://schemas.openxmlformats.org/markup-compatibility/2006" xmlns:a14="http://schemas.microsoft.com/office/drawing/2010/main">
+        <mc:Choice Requires="a14">
           <p:sp>
             <p:nvSpPr>
               <p:cNvPr id="3" name="Content Placeholder 2">
@@ -8008,7 +8009,7 @@
             </p:txBody>
           </p:sp>
         </mc:Choice>
-        <mc:Fallback>
+        <mc:Fallback xmlns="">
           <p:sp>
             <p:nvSpPr>
               <p:cNvPr id="3" name="Content Placeholder 2">
@@ -8395,8 +8396,8 @@
           </a:p>
         </p:txBody>
       </p:sp>
-      <mc:AlternateContent xmlns:mc="http://schemas.openxmlformats.org/markup-compatibility/2006" xmlns:a14="http://schemas.microsoft.com/office/drawing/2010/main">
-        <mc:Choice Requires="a14">
+      <mc:AlternateContent xmlns:mc="http://schemas.openxmlformats.org/markup-compatibility/2006">
+        <mc:Choice xmlns:a14="http://schemas.microsoft.com/office/drawing/2010/main" Requires="a14">
           <p:sp>
             <p:nvSpPr>
               <p:cNvPr id="3" name="Content Placeholder 2">
@@ -8448,7 +8449,23 @@
                       <a:schemeClr val="accent1"/>
                     </a:solidFill>
                   </a:rPr>
-                  <a:t> of the inner while loop, the elements in </a:t>
+                  <a:t> of the </a:t>
+                </a:r>
+                <a:r>
+                  <a:rPr lang="en-US" b="1" i="1" dirty="0">
+                    <a:solidFill>
+                      <a:srgbClr val="FF0000"/>
+                    </a:solidFill>
+                  </a:rPr>
+                  <a:t>inner while loop</a:t>
+                </a:r>
+                <a:r>
+                  <a:rPr lang="en-US" dirty="0">
+                    <a:solidFill>
+                      <a:schemeClr val="accent1"/>
+                    </a:solidFill>
+                  </a:rPr>
+                  <a:t>, the elements in </a:t>
                 </a:r>
                 <a14:m>
                   <m:oMath xmlns:m="http://schemas.openxmlformats.org/officeDocument/2006/math">
@@ -8492,7 +8509,23 @@
                       <a:schemeClr val="accent1"/>
                     </a:solidFill>
                   </a:rPr>
-                  <a:t>are all moved one position to the right. </a:t>
+                  <a:t>are all moved one position to the right </a:t>
+                </a:r>
+                <a:r>
+                  <a:rPr lang="en-US" b="1" i="1" dirty="0">
+                    <a:solidFill>
+                      <a:srgbClr val="FF0000"/>
+                    </a:solidFill>
+                  </a:rPr>
+                  <a:t>in the worst case</a:t>
+                </a:r>
+                <a:r>
+                  <a:rPr lang="en-US" dirty="0">
+                    <a:solidFill>
+                      <a:schemeClr val="accent1"/>
+                    </a:solidFill>
+                  </a:rPr>
+                  <a:t>. </a:t>
                 </a:r>
               </a:p>
               <a:p>
@@ -9007,7 +9040,7 @@
             </p:txBody>
           </p:sp>
         </mc:Choice>
-        <mc:Fallback xmlns="">
+        <mc:Fallback>
           <p:sp>
             <p:nvSpPr>
               <p:cNvPr id="3" name="Content Placeholder 2">
@@ -13558,8 +13591,8 @@
           </a:p>
         </p:txBody>
       </p:sp>
-      <mc:AlternateContent xmlns:mc="http://schemas.openxmlformats.org/markup-compatibility/2006">
-        <mc:Choice xmlns:a14="http://schemas.microsoft.com/office/drawing/2010/main" Requires="a14">
+      <mc:AlternateContent xmlns:mc="http://schemas.openxmlformats.org/markup-compatibility/2006" xmlns:a14="http://schemas.microsoft.com/office/drawing/2010/main">
+        <mc:Choice Requires="a14">
           <p:sp>
             <p:nvSpPr>
               <p:cNvPr id="3" name="Content Placeholder 2">
@@ -14416,7 +14449,7 @@
             </p:txBody>
           </p:sp>
         </mc:Choice>
-        <mc:Fallback>
+        <mc:Fallback xmlns="">
           <p:sp>
             <p:nvSpPr>
               <p:cNvPr id="3" name="Content Placeholder 2">
@@ -14554,8 +14587,8 @@
           </a:p>
         </p:txBody>
       </p:sp>
-      <mc:AlternateContent xmlns:mc="http://schemas.openxmlformats.org/markup-compatibility/2006">
-        <mc:Choice xmlns:a14="http://schemas.microsoft.com/office/drawing/2010/main" Requires="a14">
+      <mc:AlternateContent xmlns:mc="http://schemas.openxmlformats.org/markup-compatibility/2006" xmlns:a14="http://schemas.microsoft.com/office/drawing/2010/main">
+        <mc:Choice Requires="a14">
           <p:sp>
             <p:nvSpPr>
               <p:cNvPr id="3" name="Content Placeholder 2">
@@ -14910,7 +14943,7 @@
             </p:txBody>
           </p:sp>
         </mc:Choice>
-        <mc:Fallback>
+        <mc:Fallback xmlns="">
           <p:sp>
             <p:nvSpPr>
               <p:cNvPr id="3" name="Content Placeholder 2">
@@ -15012,8 +15045,8 @@
           </a:p>
         </p:txBody>
       </p:sp>
-      <mc:AlternateContent xmlns:mc="http://schemas.openxmlformats.org/markup-compatibility/2006">
-        <mc:Choice xmlns:a14="http://schemas.microsoft.com/office/drawing/2010/main" Requires="a14">
+      <mc:AlternateContent xmlns:mc="http://schemas.openxmlformats.org/markup-compatibility/2006" xmlns:a14="http://schemas.microsoft.com/office/drawing/2010/main">
+        <mc:Choice Requires="a14">
           <p:sp>
             <p:nvSpPr>
               <p:cNvPr id="3" name="Content Placeholder 2">
@@ -15607,7 +15640,7 @@
             </p:txBody>
           </p:sp>
         </mc:Choice>
-        <mc:Fallback>
+        <mc:Fallback xmlns="">
           <p:sp>
             <p:nvSpPr>
               <p:cNvPr id="3" name="Content Placeholder 2">
@@ -15710,8 +15743,8 @@
           </a:p>
         </p:txBody>
       </p:sp>
-      <mc:AlternateContent xmlns:mc="http://schemas.openxmlformats.org/markup-compatibility/2006">
-        <mc:Choice xmlns:a14="http://schemas.microsoft.com/office/drawing/2010/main" Requires="a14">
+      <mc:AlternateContent xmlns:mc="http://schemas.openxmlformats.org/markup-compatibility/2006" xmlns:a14="http://schemas.microsoft.com/office/drawing/2010/main">
+        <mc:Choice Requires="a14">
           <p:sp>
             <p:nvSpPr>
               <p:cNvPr id="3" name="Content Placeholder 2">
@@ -16131,7 +16164,7 @@
             </p:txBody>
           </p:sp>
         </mc:Choice>
-        <mc:Fallback>
+        <mc:Fallback xmlns="">
           <p:sp>
             <p:nvSpPr>
               <p:cNvPr id="3" name="Content Placeholder 2">
@@ -16255,7 +16288,7 @@
             <p:spPr/>
             <p:txBody>
               <a:bodyPr>
-                <a:normAutofit fontScale="92500" lnSpcReduction="20000"/>
+                <a:normAutofit fontScale="77500" lnSpcReduction="20000"/>
               </a:bodyPr>
               <a:lstStyle/>
               <a:p>
@@ -16403,6 +16436,16 @@
                 <a:pPr marL="0" indent="0">
                   <a:buNone/>
                 </a:pPr>
+                <a:endParaRPr lang="en-US" sz="2300" dirty="0">
+                  <a:solidFill>
+                    <a:schemeClr val="accent1"/>
+                  </a:solidFill>
+                </a:endParaRPr>
+              </a:p>
+              <a:p>
+                <a:pPr marL="0" indent="0">
+                  <a:buNone/>
+                </a:pPr>
                 <a:r>
                   <a:rPr lang="en-US" sz="2300" dirty="0">
                     <a:solidFill>
@@ -16476,7 +16519,7 @@
                       <a:schemeClr val="accent1"/>
                     </a:solidFill>
                   </a:rPr>
-                  <a:t>, </a:t>
+                  <a:t>,   </a:t>
                 </a:r>
                 <a14:m>
                   <m:oMath xmlns:m="http://schemas.openxmlformats.org/officeDocument/2006/math">
@@ -16545,6 +16588,16 @@
                   </a:rPr>
                   <a:t>.</a:t>
                 </a:r>
+              </a:p>
+              <a:p>
+                <a:pPr marL="0" indent="0">
+                  <a:buNone/>
+                </a:pPr>
+                <a:endParaRPr lang="en-US" sz="2300" b="0" dirty="0">
+                  <a:solidFill>
+                    <a:schemeClr val="accent1"/>
+                  </a:solidFill>
+                </a:endParaRPr>
               </a:p>
               <a:p>
                 <a:pPr marL="0" indent="0">
@@ -16648,29 +16701,23 @@
                 <a:pPr marL="0" indent="0">
                   <a:buNone/>
                 </a:pPr>
+                <a:endParaRPr lang="en-US" sz="2300" dirty="0">
+                  <a:solidFill>
+                    <a:schemeClr val="accent1"/>
+                  </a:solidFill>
+                </a:endParaRPr>
+              </a:p>
+              <a:p>
+                <a:pPr marL="0" indent="0">
+                  <a:buNone/>
+                </a:pPr>
                 <a:r>
                   <a:rPr lang="en-US" sz="2300" dirty="0">
                     <a:solidFill>
                       <a:schemeClr val="accent1"/>
                     </a:solidFill>
                   </a:rPr>
-                  <a:t>In </a:t>
-                </a:r>
-                <a:r>
-                  <a:rPr lang="en-US" sz="2300" b="1" i="1" dirty="0">
-                    <a:solidFill>
-                      <a:srgbClr val="FF0000"/>
-                    </a:solidFill>
-                  </a:rPr>
-                  <a:t>Line 16</a:t>
-                </a:r>
-                <a:r>
-                  <a:rPr lang="en-US" sz="2300" dirty="0">
-                    <a:solidFill>
-                      <a:schemeClr val="accent1"/>
-                    </a:solidFill>
-                  </a:rPr>
-                  <a:t>, </a:t>
+                  <a:t>By inspection, </a:t>
                 </a:r>
                 <a14:m>
                   <m:oMath xmlns:m="http://schemas.openxmlformats.org/officeDocument/2006/math">
@@ -16759,6 +16806,38 @@
                       <a:schemeClr val="accent1"/>
                     </a:solidFill>
                   </a:rPr>
+                  <a:t> </a:t>
+                </a:r>
+                <a:r>
+                  <a:rPr lang="en-US" sz="2300" dirty="0">
+                    <a:solidFill>
+                      <a:schemeClr val="accent1"/>
+                    </a:solidFill>
+                  </a:rPr>
+                  <a:t>(</a:t>
+                </a:r>
+                <a:r>
+                  <a:rPr lang="en-US" sz="2300" b="1" i="1" dirty="0">
+                    <a:solidFill>
+                      <a:srgbClr val="FF0000"/>
+                    </a:solidFill>
+                  </a:rPr>
+                  <a:t>Line 16</a:t>
+                </a:r>
+                <a:r>
+                  <a:rPr lang="en-US" sz="2300" dirty="0">
+                    <a:solidFill>
+                      <a:schemeClr val="accent1"/>
+                    </a:solidFill>
+                  </a:rPr>
+                  <a:t>) </a:t>
+                </a:r>
+                <a:r>
+                  <a:rPr lang="en-US" sz="2300" b="1" i="1" dirty="0">
+                    <a:solidFill>
+                      <a:schemeClr val="accent1"/>
+                    </a:solidFill>
+                  </a:rPr>
                   <a:t>.</a:t>
                 </a:r>
               </a:p>
@@ -16766,129 +16845,165 @@
                 <a:pPr marL="0" indent="0">
                   <a:buNone/>
                 </a:pPr>
-                <a:r>
-                  <a:rPr lang="en-US" sz="2300" dirty="0">
-                    <a:solidFill>
-                      <a:schemeClr val="accent1"/>
-                    </a:solidFill>
-                  </a:rPr>
-                  <a:t>Therefore, </a:t>
-                </a:r>
-                <a14:m>
-                  <m:oMath xmlns:m="http://schemas.openxmlformats.org/officeDocument/2006/math">
-                    <m:r>
-                      <a:rPr lang="en-US" sz="2300" b="0" i="1" smtClean="0">
-                        <a:solidFill>
-                          <a:schemeClr val="tx1"/>
-                        </a:solidFill>
-                        <a:latin typeface="Cambria Math" panose="02040503050406030204" pitchFamily="18" charset="0"/>
-                      </a:rPr>
-                      <m:t>𝐴</m:t>
-                    </m:r>
-                    <m:r>
-                      <a:rPr lang="en-US" sz="2300" b="0" i="1" smtClean="0">
-                        <a:solidFill>
-                          <a:schemeClr val="tx1"/>
-                        </a:solidFill>
-                        <a:latin typeface="Cambria Math" panose="02040503050406030204" pitchFamily="18" charset="0"/>
-                      </a:rPr>
-                      <m:t>[</m:t>
-                    </m:r>
-                    <m:r>
-                      <a:rPr lang="en-US" sz="2300" b="0" i="1" smtClean="0">
-                        <a:solidFill>
-                          <a:schemeClr val="tx1"/>
-                        </a:solidFill>
-                        <a:latin typeface="Cambria Math" panose="02040503050406030204" pitchFamily="18" charset="0"/>
-                      </a:rPr>
-                      <m:t>𝑝</m:t>
-                    </m:r>
-                    <m:r>
-                      <a:rPr lang="en-US" sz="2300" b="0" i="1" smtClean="0">
-                        <a:solidFill>
-                          <a:schemeClr val="tx1"/>
-                        </a:solidFill>
-                        <a:latin typeface="Cambria Math" panose="02040503050406030204" pitchFamily="18" charset="0"/>
-                      </a:rPr>
-                      <m:t>…</m:t>
-                    </m:r>
-                    <m:r>
-                      <a:rPr lang="en-US" sz="2300" b="0" i="1" smtClean="0">
-                        <a:solidFill>
-                          <a:schemeClr val="tx1"/>
-                        </a:solidFill>
-                        <a:latin typeface="Cambria Math" panose="02040503050406030204" pitchFamily="18" charset="0"/>
-                      </a:rPr>
-                      <m:t>𝑘</m:t>
-                    </m:r>
-                    <m:r>
-                      <a:rPr lang="en-US" sz="2300" b="0" i="1" smtClean="0">
-                        <a:solidFill>
-                          <a:schemeClr val="tx1"/>
-                        </a:solidFill>
-                        <a:latin typeface="Cambria Math" panose="02040503050406030204" pitchFamily="18" charset="0"/>
-                      </a:rPr>
-                      <m:t>]</m:t>
-                    </m:r>
-                  </m:oMath>
-                </a14:m>
-                <a:r>
-                  <a:rPr lang="en-US" sz="2300" dirty="0">
-                    <a:solidFill>
-                      <a:srgbClr val="FF0000"/>
-                    </a:solidFill>
-                  </a:rPr>
-                  <a:t> </a:t>
-                </a:r>
-                <a:r>
-                  <a:rPr lang="en-US" sz="2300" dirty="0">
-                    <a:solidFill>
-                      <a:schemeClr val="accent1"/>
-                    </a:solidFill>
-                  </a:rPr>
-                  <a:t>contains the smallest </a:t>
-                </a:r>
-                <a14:m>
-                  <m:oMath xmlns:m="http://schemas.openxmlformats.org/officeDocument/2006/math">
-                    <m:r>
-                      <a:rPr lang="en-US" sz="2300" i="1">
-                        <a:latin typeface="Cambria Math" panose="02040503050406030204" pitchFamily="18" charset="0"/>
-                      </a:rPr>
-                      <m:t>𝑘</m:t>
-                    </m:r>
-                    <m:r>
-                      <a:rPr lang="en-US" sz="2300" i="1">
-                        <a:latin typeface="Cambria Math" panose="02040503050406030204" pitchFamily="18" charset="0"/>
-                      </a:rPr>
-                      <m:t>−</m:t>
-                    </m:r>
-                    <m:r>
-                      <a:rPr lang="en-US" sz="2300" i="1">
-                        <a:latin typeface="Cambria Math" panose="02040503050406030204" pitchFamily="18" charset="0"/>
-                      </a:rPr>
-                      <m:t>𝑝</m:t>
-                    </m:r>
-                    <m:r>
-                      <a:rPr lang="en-US" sz="2300" b="0" i="0" smtClean="0">
-                        <a:latin typeface="Cambria Math" panose="02040503050406030204" pitchFamily="18" charset="0"/>
-                      </a:rPr>
-                      <m:t>+1</m:t>
-                    </m:r>
-                  </m:oMath>
-                </a14:m>
-                <a:r>
-                  <a:rPr lang="en-US" sz="2300" dirty="0">
-                    <a:solidFill>
-                      <a:schemeClr val="accent1"/>
-                    </a:solidFill>
-                  </a:rPr>
-                  <a:t> elements.</a:t>
-                </a:r>
+                <a:endParaRPr lang="en-US" sz="2300" b="1" i="1" dirty="0">
+                  <a:solidFill>
+                    <a:schemeClr val="accent1"/>
+                  </a:solidFill>
+                </a:endParaRPr>
               </a:p>
               <a:p>
                 <a:pPr marL="0" indent="0">
                   <a:buNone/>
                 </a:pPr>
+                <a:r>
+                  <a:rPr lang="en-US" sz="2300" dirty="0">
+                    <a:solidFill>
+                      <a:srgbClr val="FF0000"/>
+                    </a:solidFill>
+                  </a:rPr>
+                  <a:t>(1) </a:t>
+                </a:r>
+                <a:r>
+                  <a:rPr lang="en-US" sz="2300" dirty="0">
+                    <a:solidFill>
+                      <a:schemeClr val="accent1"/>
+                    </a:solidFill>
+                  </a:rPr>
+                  <a:t>Therefore, </a:t>
+                </a:r>
+                <a14:m>
+                  <m:oMath xmlns:m="http://schemas.openxmlformats.org/officeDocument/2006/math">
+                    <m:r>
+                      <a:rPr lang="en-US" sz="2300" b="0" i="1" smtClean="0">
+                        <a:solidFill>
+                          <a:schemeClr val="tx1"/>
+                        </a:solidFill>
+                        <a:latin typeface="Cambria Math" panose="02040503050406030204" pitchFamily="18" charset="0"/>
+                      </a:rPr>
+                      <m:t>𝐴</m:t>
+                    </m:r>
+                    <m:r>
+                      <a:rPr lang="en-US" sz="2300" b="0" i="1" smtClean="0">
+                        <a:solidFill>
+                          <a:schemeClr val="tx1"/>
+                        </a:solidFill>
+                        <a:latin typeface="Cambria Math" panose="02040503050406030204" pitchFamily="18" charset="0"/>
+                      </a:rPr>
+                      <m:t>[</m:t>
+                    </m:r>
+                    <m:r>
+                      <a:rPr lang="en-US" sz="2300" b="0" i="1" smtClean="0">
+                        <a:solidFill>
+                          <a:schemeClr val="tx1"/>
+                        </a:solidFill>
+                        <a:latin typeface="Cambria Math" panose="02040503050406030204" pitchFamily="18" charset="0"/>
+                      </a:rPr>
+                      <m:t>𝑝</m:t>
+                    </m:r>
+                    <m:r>
+                      <a:rPr lang="en-US" sz="2300" b="0" i="1" smtClean="0">
+                        <a:solidFill>
+                          <a:schemeClr val="tx1"/>
+                        </a:solidFill>
+                        <a:latin typeface="Cambria Math" panose="02040503050406030204" pitchFamily="18" charset="0"/>
+                      </a:rPr>
+                      <m:t>…</m:t>
+                    </m:r>
+                    <m:r>
+                      <a:rPr lang="en-US" sz="2300" b="0" i="1" smtClean="0">
+                        <a:solidFill>
+                          <a:schemeClr val="tx1"/>
+                        </a:solidFill>
+                        <a:latin typeface="Cambria Math" panose="02040503050406030204" pitchFamily="18" charset="0"/>
+                      </a:rPr>
+                      <m:t>𝑘</m:t>
+                    </m:r>
+                    <m:r>
+                      <a:rPr lang="en-US" sz="2300" b="0" i="1" smtClean="0">
+                        <a:solidFill>
+                          <a:schemeClr val="tx1"/>
+                        </a:solidFill>
+                        <a:latin typeface="Cambria Math" panose="02040503050406030204" pitchFamily="18" charset="0"/>
+                      </a:rPr>
+                      <m:t>]</m:t>
+                    </m:r>
+                  </m:oMath>
+                </a14:m>
+                <a:r>
+                  <a:rPr lang="en-US" sz="2300" dirty="0">
+                    <a:solidFill>
+                      <a:srgbClr val="FF0000"/>
+                    </a:solidFill>
+                  </a:rPr>
+                  <a:t> now </a:t>
+                </a:r>
+                <a:r>
+                  <a:rPr lang="en-US" sz="2300" dirty="0">
+                    <a:solidFill>
+                      <a:schemeClr val="accent1"/>
+                    </a:solidFill>
+                  </a:rPr>
+                  <a:t>contains the smallest </a:t>
+                </a:r>
+                <a14:m>
+                  <m:oMath xmlns:m="http://schemas.openxmlformats.org/officeDocument/2006/math">
+                    <m:r>
+                      <a:rPr lang="en-US" sz="2300" i="1">
+                        <a:latin typeface="Cambria Math" panose="02040503050406030204" pitchFamily="18" charset="0"/>
+                      </a:rPr>
+                      <m:t>𝑘</m:t>
+                    </m:r>
+                    <m:r>
+                      <a:rPr lang="en-US" sz="2300" i="1">
+                        <a:latin typeface="Cambria Math" panose="02040503050406030204" pitchFamily="18" charset="0"/>
+                      </a:rPr>
+                      <m:t>−</m:t>
+                    </m:r>
+                    <m:r>
+                      <a:rPr lang="en-US" sz="2300" i="1">
+                        <a:latin typeface="Cambria Math" panose="02040503050406030204" pitchFamily="18" charset="0"/>
+                      </a:rPr>
+                      <m:t>𝑝</m:t>
+                    </m:r>
+                    <m:r>
+                      <a:rPr lang="en-US" sz="2300" b="0" i="0" smtClean="0">
+                        <a:latin typeface="Cambria Math" panose="02040503050406030204" pitchFamily="18" charset="0"/>
+                      </a:rPr>
+                      <m:t>+1</m:t>
+                    </m:r>
+                  </m:oMath>
+                </a14:m>
+                <a:r>
+                  <a:rPr lang="en-US" sz="2300" dirty="0">
+                    <a:solidFill>
+                      <a:schemeClr val="accent1"/>
+                    </a:solidFill>
+                  </a:rPr>
+                  <a:t> elements.</a:t>
+                </a:r>
+              </a:p>
+              <a:p>
+                <a:pPr marL="0" indent="0">
+                  <a:buNone/>
+                </a:pPr>
+                <a:endParaRPr lang="en-US" sz="2300" dirty="0">
+                  <a:solidFill>
+                    <a:schemeClr val="accent1"/>
+                  </a:solidFill>
+                </a:endParaRPr>
+              </a:p>
+              <a:p>
+                <a:pPr marL="0" indent="0">
+                  <a:buNone/>
+                </a:pPr>
+                <a:r>
+                  <a:rPr lang="en-US" sz="2300" b="0" dirty="0">
+                    <a:solidFill>
+                      <a:srgbClr val="FF0000"/>
+                    </a:solidFill>
+                  </a:rPr>
+                  <a:t>(2) </a:t>
+                </a:r>
                 <a:r>
                   <a:rPr lang="en-US" sz="2300" b="0" dirty="0">
                     <a:solidFill>
@@ -16958,7 +17073,78 @@
                       <a:schemeClr val="accent1"/>
                     </a:solidFill>
                   </a:rPr>
-                  <a:t> and </a:t>
+                  <a:t> (</a:t>
+                </a:r>
+                <a14:m>
+                  <m:oMath xmlns:m="http://schemas.openxmlformats.org/officeDocument/2006/math">
+                    <m:r>
+                      <a:rPr lang="en-US" sz="2300" i="1">
+                        <a:latin typeface="Cambria Math" panose="02040503050406030204" pitchFamily="18" charset="0"/>
+                      </a:rPr>
+                      <m:t>𝐿</m:t>
+                    </m:r>
+                    <m:d>
+                      <m:dPr>
+                        <m:begChr m:val="["/>
+                        <m:endChr m:val="]"/>
+                        <m:ctrlPr>
+                          <a:rPr lang="en-US" sz="2300" i="1">
+                            <a:latin typeface="Cambria Math" panose="02040503050406030204" pitchFamily="18" charset="0"/>
+                          </a:rPr>
+                        </m:ctrlPr>
+                      </m:dPr>
+                      <m:e>
+                        <m:r>
+                          <a:rPr lang="en-US" sz="2300" i="1">
+                            <a:latin typeface="Cambria Math" panose="02040503050406030204" pitchFamily="18" charset="0"/>
+                          </a:rPr>
+                          <m:t>𝑖</m:t>
+                        </m:r>
+                      </m:e>
+                    </m:d>
+                  </m:oMath>
+                </a14:m>
+                <a:r>
+                  <a:rPr lang="en-US" sz="2300" dirty="0">
+                    <a:solidFill>
+                      <a:schemeClr val="accent1"/>
+                    </a:solidFill>
+                  </a:rPr>
+                  <a:t> has just been copied back to </a:t>
+                </a:r>
+                <a14:m>
+                  <m:oMath xmlns:m="http://schemas.openxmlformats.org/officeDocument/2006/math">
+                    <m:r>
+                      <a:rPr lang="en-US" sz="2300" i="1">
+                        <a:latin typeface="Cambria Math" panose="02040503050406030204" pitchFamily="18" charset="0"/>
+                      </a:rPr>
+                      <m:t>𝐴</m:t>
+                    </m:r>
+                  </m:oMath>
+                </a14:m>
+                <a:r>
+                  <a:rPr lang="en-US" sz="2300" dirty="0">
+                    <a:solidFill>
+                      <a:schemeClr val="accent1"/>
+                    </a:solidFill>
+                  </a:rPr>
+                  <a:t> by </a:t>
+                </a:r>
+                <a:r>
+                  <a:rPr lang="en-US" sz="2300" b="1" i="1" dirty="0">
+                    <a:solidFill>
+                      <a:srgbClr val="FF0000"/>
+                    </a:solidFill>
+                  </a:rPr>
+                  <a:t>Line 16</a:t>
+                </a:r>
+                <a:r>
+                  <a:rPr lang="en-US" sz="2300" dirty="0">
+                    <a:solidFill>
+                      <a:schemeClr val="accent1"/>
+                    </a:solidFill>
+                  </a:rPr>
+                  <a:t> ) and </a:t>
                 </a:r>
                 <a14:m>
                   <m:oMath xmlns:m="http://schemas.openxmlformats.org/officeDocument/2006/math">
@@ -17014,237 +17200,6 @@
                     </a:solidFill>
                   </a:rPr>
                   <a:t>.</a:t>
-                </a:r>
-              </a:p>
-              <a:p>
-                <a:pPr marL="0" indent="0">
-                  <a:buNone/>
-                </a:pPr>
-                <a:r>
-                  <a:rPr lang="en-US" sz="2300" dirty="0">
-                    <a:solidFill>
-                      <a:schemeClr val="accent1"/>
-                    </a:solidFill>
-                  </a:rPr>
-                  <a:t>After </a:t>
-                </a:r>
-                <a:r>
-                  <a:rPr lang="en-US" sz="2300" b="1" i="1" dirty="0">
-                    <a:solidFill>
-                      <a:srgbClr val="FF0000"/>
-                    </a:solidFill>
-                  </a:rPr>
-                  <a:t>Line 17</a:t>
-                </a:r>
-                <a:r>
-                  <a:rPr lang="en-US" sz="2300" dirty="0">
-                    <a:solidFill>
-                      <a:schemeClr val="accent1"/>
-                    </a:solidFill>
-                  </a:rPr>
-                  <a:t>, </a:t>
-                </a:r>
-                <a14:m>
-                  <m:oMath xmlns:m="http://schemas.openxmlformats.org/officeDocument/2006/math">
-                    <m:r>
-                      <a:rPr lang="en-US" sz="2300" b="0" i="1" smtClean="0">
-                        <a:solidFill>
-                          <a:schemeClr val="tx1"/>
-                        </a:solidFill>
-                        <a:latin typeface="Cambria Math" panose="02040503050406030204" pitchFamily="18" charset="0"/>
-                      </a:rPr>
-                      <m:t>𝑖</m:t>
-                    </m:r>
-                    <m:r>
-                      <a:rPr lang="en-US" sz="2300" b="1" i="1" smtClean="0">
-                        <a:solidFill>
-                          <a:schemeClr val="tx1"/>
-                        </a:solidFill>
-                        <a:latin typeface="Cambria Math" panose="02040503050406030204" pitchFamily="18" charset="0"/>
-                      </a:rPr>
-                      <m:t> </m:t>
-                    </m:r>
-                  </m:oMath>
-                </a14:m>
-                <a:r>
-                  <a:rPr lang="en-US" sz="2300" b="1" i="1" dirty="0">
-                    <a:solidFill>
-                      <a:srgbClr val="FF0000"/>
-                    </a:solidFill>
-                  </a:rPr>
-                  <a:t> </a:t>
-                </a:r>
-                <a:r>
-                  <a:rPr lang="en-US" sz="2300" dirty="0">
-                    <a:solidFill>
-                      <a:schemeClr val="accent1"/>
-                    </a:solidFill>
-                  </a:rPr>
-                  <a:t>is incremented and </a:t>
-                </a:r>
-                <a14:m>
-                  <m:oMath xmlns:m="http://schemas.openxmlformats.org/officeDocument/2006/math">
-                    <m:r>
-                      <a:rPr lang="en-US" sz="2300" b="0" i="1" smtClean="0">
-                        <a:solidFill>
-                          <a:schemeClr val="tx1"/>
-                        </a:solidFill>
-                        <a:latin typeface="Cambria Math" panose="02040503050406030204" pitchFamily="18" charset="0"/>
-                      </a:rPr>
-                      <m:t>𝑘</m:t>
-                    </m:r>
-                  </m:oMath>
-                </a14:m>
-                <a:r>
-                  <a:rPr lang="en-US" sz="2300" dirty="0">
-                    <a:solidFill>
-                      <a:srgbClr val="FF0000"/>
-                    </a:solidFill>
-                  </a:rPr>
-                  <a:t> </a:t>
-                </a:r>
-                <a:r>
-                  <a:rPr lang="en-US" sz="2300" dirty="0">
-                    <a:solidFill>
-                      <a:schemeClr val="accent1"/>
-                    </a:solidFill>
-                  </a:rPr>
-                  <a:t>is incremented.</a:t>
-                </a:r>
-              </a:p>
-              <a:p>
-                <a:pPr marL="0" indent="0">
-                  <a:buNone/>
-                </a:pPr>
-                <a:r>
-                  <a:rPr lang="en-US" sz="2300" dirty="0">
-                    <a:solidFill>
-                      <a:schemeClr val="accent1"/>
-                    </a:solidFill>
-                  </a:rPr>
-                  <a:t>This reestablishes the loop invariant at the start of the next iteration.</a:t>
-                </a:r>
-              </a:p>
-              <a:p>
-                <a:pPr marL="0" indent="0">
-                  <a:buNone/>
-                </a:pPr>
-                <a:endParaRPr lang="en-US" sz="2300" dirty="0">
-                  <a:solidFill>
-                    <a:schemeClr val="accent1"/>
-                  </a:solidFill>
-                </a:endParaRPr>
-              </a:p>
-              <a:p>
-                <a:pPr marL="0" indent="0">
-                  <a:buNone/>
-                </a:pPr>
-                <a:r>
-                  <a:rPr lang="en-US" sz="2300" b="1" i="1" dirty="0">
-                    <a:solidFill>
-                      <a:srgbClr val="FF0000"/>
-                    </a:solidFill>
-                  </a:rPr>
-                  <a:t>***</a:t>
-                </a:r>
-                <a:r>
-                  <a:rPr lang="en-US" sz="2300" dirty="0">
-                    <a:solidFill>
-                      <a:schemeClr val="accent1"/>
-                    </a:solidFill>
-                  </a:rPr>
-                  <a:t>The maintenance property for the other case </a:t>
-                </a:r>
-                <a14:m>
-                  <m:oMath xmlns:m="http://schemas.openxmlformats.org/officeDocument/2006/math">
-                    <m:r>
-                      <a:rPr lang="en-US" sz="2300" b="0" i="1" smtClean="0">
-                        <a:solidFill>
-                          <a:schemeClr val="tx1"/>
-                        </a:solidFill>
-                        <a:latin typeface="Cambria Math" panose="02040503050406030204" pitchFamily="18" charset="0"/>
-                      </a:rPr>
-                      <m:t>𝐿</m:t>
-                    </m:r>
-                    <m:d>
-                      <m:dPr>
-                        <m:begChr m:val="["/>
-                        <m:endChr m:val="]"/>
-                        <m:ctrlPr>
-                          <a:rPr lang="en-US" sz="2300" b="0" i="1" smtClean="0">
-                            <a:solidFill>
-                              <a:schemeClr val="tx1"/>
-                            </a:solidFill>
-                            <a:latin typeface="Cambria Math" panose="02040503050406030204" pitchFamily="18" charset="0"/>
-                          </a:rPr>
-                        </m:ctrlPr>
-                      </m:dPr>
-                      <m:e>
-                        <m:r>
-                          <a:rPr lang="en-US" sz="2300" b="0" i="1" smtClean="0">
-                            <a:solidFill>
-                              <a:schemeClr val="tx1"/>
-                            </a:solidFill>
-                            <a:latin typeface="Cambria Math" panose="02040503050406030204" pitchFamily="18" charset="0"/>
-                          </a:rPr>
-                          <m:t>𝑖</m:t>
-                        </m:r>
-                      </m:e>
-                    </m:d>
-                    <m:r>
-                      <a:rPr lang="en-US" sz="2300" b="0" i="1" smtClean="0">
-                        <a:solidFill>
-                          <a:schemeClr val="tx1"/>
-                        </a:solidFill>
-                        <a:latin typeface="Cambria Math" panose="02040503050406030204" pitchFamily="18" charset="0"/>
-                      </a:rPr>
-                      <m:t>&gt;</m:t>
-                    </m:r>
-                    <m:r>
-                      <a:rPr lang="en-US" sz="2300" b="0" i="1" smtClean="0">
-                        <a:solidFill>
-                          <a:schemeClr val="tx1"/>
-                        </a:solidFill>
-                        <a:latin typeface="Cambria Math" panose="02040503050406030204" pitchFamily="18" charset="0"/>
-                      </a:rPr>
-                      <m:t>𝑅</m:t>
-                    </m:r>
-                    <m:r>
-                      <a:rPr lang="en-US" sz="2300" b="0" i="1" smtClean="0">
-                        <a:solidFill>
-                          <a:schemeClr val="tx1"/>
-                        </a:solidFill>
-                        <a:latin typeface="Cambria Math" panose="02040503050406030204" pitchFamily="18" charset="0"/>
-                      </a:rPr>
-                      <m:t>[</m:t>
-                    </m:r>
-                    <m:r>
-                      <a:rPr lang="en-US" sz="2300" b="0" i="1" smtClean="0">
-                        <a:solidFill>
-                          <a:schemeClr val="tx1"/>
-                        </a:solidFill>
-                        <a:latin typeface="Cambria Math" panose="02040503050406030204" pitchFamily="18" charset="0"/>
-                      </a:rPr>
-                      <m:t>𝑗</m:t>
-                    </m:r>
-                    <m:r>
-                      <a:rPr lang="en-US" sz="2300" b="0" i="1" smtClean="0">
-                        <a:solidFill>
-                          <a:schemeClr val="tx1"/>
-                        </a:solidFill>
-                        <a:latin typeface="Cambria Math" panose="02040503050406030204" pitchFamily="18" charset="0"/>
-                      </a:rPr>
-                      <m:t>]</m:t>
-                    </m:r>
-                  </m:oMath>
-                </a14:m>
-                <a:r>
-                  <a:rPr lang="en-US" sz="2300" dirty="0">
-                    <a:solidFill>
-                      <a:schemeClr val="accent1"/>
-                    </a:solidFill>
-                  </a:rPr>
-                  <a:t> can be shown in a similar way.</a:t>
                 </a:r>
               </a:p>
             </p:txBody>
@@ -17271,7 +17226,7 @@
               <a:blipFill>
                 <a:blip r:embed="rId2"/>
                 <a:stretch>
-                  <a:fillRect l="-1043" t="-3501" r="-754" b="-2661"/>
+                  <a:fillRect l="-754" t="-2801" r="-348"/>
                 </a:stretch>
               </a:blipFill>
             </p:spPr>
@@ -17293,7 +17248,7 @@
     </p:spTree>
     <p:extLst>
       <p:ext uri="{BB962C8B-B14F-4D97-AF65-F5344CB8AC3E}">
-        <p14:creationId xmlns:p14="http://schemas.microsoft.com/office/powerpoint/2010/main" val="843360119"/>
+        <p14:creationId xmlns:p14="http://schemas.microsoft.com/office/powerpoint/2010/main" val="4099742478"/>
       </p:ext>
     </p:extLst>
   </p:cSld>
@@ -17374,6 +17329,983 @@
             <p:spPr/>
             <p:txBody>
               <a:bodyPr>
+                <a:normAutofit fontScale="85000" lnSpcReduction="20000"/>
+              </a:bodyPr>
+              <a:lstStyle/>
+              <a:p>
+                <a:pPr marL="0" indent="0">
+                  <a:buNone/>
+                </a:pPr>
+                <a:r>
+                  <a:rPr lang="en-US" sz="2400" b="1" i="1" u="sng" dirty="0">
+                    <a:solidFill>
+                      <a:srgbClr val="FF0000"/>
+                    </a:solidFill>
+                  </a:rPr>
+                  <a:t>Maintenance</a:t>
+                </a:r>
+                <a:r>
+                  <a:rPr lang="en-US" sz="2400" b="1" i="1" dirty="0">
+                    <a:solidFill>
+                      <a:srgbClr val="FF0000"/>
+                    </a:solidFill>
+                  </a:rPr>
+                  <a:t>: (Continued)</a:t>
+                </a:r>
+              </a:p>
+              <a:p>
+                <a:pPr marL="0" indent="0">
+                  <a:buNone/>
+                </a:pPr>
+                <a:endParaRPr lang="en-US" sz="2300" dirty="0">
+                  <a:solidFill>
+                    <a:schemeClr val="accent1"/>
+                  </a:solidFill>
+                </a:endParaRPr>
+              </a:p>
+              <a:p>
+                <a:pPr marL="0" indent="0">
+                  <a:buNone/>
+                </a:pPr>
+                <a:r>
+                  <a:rPr lang="en-US" sz="2300" dirty="0">
+                    <a:solidFill>
+                      <a:schemeClr val="accent1"/>
+                    </a:solidFill>
+                  </a:rPr>
+                  <a:t>After </a:t>
+                </a:r>
+                <a:r>
+                  <a:rPr lang="en-US" sz="2300" b="1" i="1" dirty="0">
+                    <a:solidFill>
+                      <a:srgbClr val="FF0000"/>
+                    </a:solidFill>
+                  </a:rPr>
+                  <a:t>Line 17</a:t>
+                </a:r>
+                <a:r>
+                  <a:rPr lang="en-US" sz="2300" dirty="0">
+                    <a:solidFill>
+                      <a:schemeClr val="accent1"/>
+                    </a:solidFill>
+                  </a:rPr>
+                  <a:t>, </a:t>
+                </a:r>
+                <a14:m>
+                  <m:oMath xmlns:m="http://schemas.openxmlformats.org/officeDocument/2006/math">
+                    <m:r>
+                      <a:rPr lang="en-US" sz="2300" b="0" i="1" smtClean="0">
+                        <a:solidFill>
+                          <a:schemeClr val="tx1"/>
+                        </a:solidFill>
+                        <a:latin typeface="Cambria Math" panose="02040503050406030204" pitchFamily="18" charset="0"/>
+                      </a:rPr>
+                      <m:t>𝑖</m:t>
+                    </m:r>
+                    <m:r>
+                      <a:rPr lang="en-US" sz="2300" b="1" i="1" smtClean="0">
+                        <a:solidFill>
+                          <a:schemeClr val="tx1"/>
+                        </a:solidFill>
+                        <a:latin typeface="Cambria Math" panose="02040503050406030204" pitchFamily="18" charset="0"/>
+                      </a:rPr>
+                      <m:t> </m:t>
+                    </m:r>
+                  </m:oMath>
+                </a14:m>
+                <a:r>
+                  <a:rPr lang="en-US" sz="2300" b="1" i="1" dirty="0">
+                    <a:solidFill>
+                      <a:srgbClr val="FF0000"/>
+                    </a:solidFill>
+                  </a:rPr>
+                  <a:t> </a:t>
+                </a:r>
+                <a:r>
+                  <a:rPr lang="en-US" sz="2300" dirty="0">
+                    <a:solidFill>
+                      <a:schemeClr val="accent1"/>
+                    </a:solidFill>
+                  </a:rPr>
+                  <a:t>is incremented,</a:t>
+                </a:r>
+                <a:r>
+                  <a:rPr lang="en-US" sz="2300" dirty="0"/>
+                  <a:t> </a:t>
+                </a:r>
+                <a14:m>
+                  <m:oMath xmlns:m="http://schemas.openxmlformats.org/officeDocument/2006/math">
+                    <m:r>
+                      <a:rPr lang="en-US" sz="2300" b="0" i="1" smtClean="0">
+                        <a:latin typeface="Cambria Math" panose="02040503050406030204" pitchFamily="18" charset="0"/>
+                      </a:rPr>
+                      <m:t>𝑗</m:t>
+                    </m:r>
+                  </m:oMath>
+                </a14:m>
+                <a:r>
+                  <a:rPr lang="en-US" sz="2300" dirty="0">
+                    <a:solidFill>
+                      <a:schemeClr val="accent1"/>
+                    </a:solidFill>
+                  </a:rPr>
+                  <a:t> remains the same and </a:t>
+                </a:r>
+                <a14:m>
+                  <m:oMath xmlns:m="http://schemas.openxmlformats.org/officeDocument/2006/math">
+                    <m:r>
+                      <a:rPr lang="en-US" sz="2300" i="1">
+                        <a:latin typeface="Cambria Math" panose="02040503050406030204" pitchFamily="18" charset="0"/>
+                      </a:rPr>
+                      <m:t> </m:t>
+                    </m:r>
+                    <m:r>
+                      <a:rPr lang="en-US" sz="2300" b="0" i="1" smtClean="0">
+                        <a:solidFill>
+                          <a:schemeClr val="tx1"/>
+                        </a:solidFill>
+                        <a:latin typeface="Cambria Math" panose="02040503050406030204" pitchFamily="18" charset="0"/>
+                      </a:rPr>
+                      <m:t>𝑘</m:t>
+                    </m:r>
+                  </m:oMath>
+                </a14:m>
+                <a:r>
+                  <a:rPr lang="en-US" sz="2300" dirty="0">
+                    <a:solidFill>
+                      <a:srgbClr val="FF0000"/>
+                    </a:solidFill>
+                  </a:rPr>
+                  <a:t> </a:t>
+                </a:r>
+                <a:r>
+                  <a:rPr lang="en-US" sz="2300" dirty="0">
+                    <a:solidFill>
+                      <a:schemeClr val="accent1"/>
+                    </a:solidFill>
+                  </a:rPr>
+                  <a:t>is incremented:</a:t>
+                </a:r>
+              </a:p>
+              <a:p>
+                <a:pPr marL="0" indent="0">
+                  <a:buNone/>
+                </a:pPr>
+                <a:r>
+                  <a:rPr lang="en-US" sz="2300" dirty="0"/>
+                  <a:t>	</a:t>
+                </a:r>
+                <a14:m>
+                  <m:oMath xmlns:m="http://schemas.openxmlformats.org/officeDocument/2006/math">
+                    <m:sSup>
+                      <m:sSupPr>
+                        <m:ctrlPr>
+                          <a:rPr lang="en-US" sz="2300" i="1" smtClean="0">
+                            <a:latin typeface="Cambria Math" panose="02040503050406030204" pitchFamily="18" charset="0"/>
+                          </a:rPr>
+                        </m:ctrlPr>
+                      </m:sSupPr>
+                      <m:e>
+                        <m:r>
+                          <a:rPr lang="en-US" sz="2300" b="0" i="1" smtClean="0">
+                            <a:latin typeface="Cambria Math" panose="02040503050406030204" pitchFamily="18" charset="0"/>
+                          </a:rPr>
+                          <m:t>𝑖</m:t>
+                        </m:r>
+                      </m:e>
+                      <m:sup>
+                        <m:r>
+                          <a:rPr lang="en-US" sz="2300" b="0" i="1" smtClean="0">
+                            <a:latin typeface="Cambria Math" panose="02040503050406030204" pitchFamily="18" charset="0"/>
+                          </a:rPr>
+                          <m:t>′</m:t>
+                        </m:r>
+                      </m:sup>
+                    </m:sSup>
+                    <m:r>
+                      <a:rPr lang="en-US" sz="2300" i="1" smtClean="0">
+                        <a:latin typeface="Cambria Math" panose="02040503050406030204" pitchFamily="18" charset="0"/>
+                      </a:rPr>
+                      <m:t>=</m:t>
+                    </m:r>
+                    <m:r>
+                      <a:rPr lang="en-US" sz="2300" b="0" i="1" smtClean="0">
+                        <a:solidFill>
+                          <a:schemeClr val="tx1"/>
+                        </a:solidFill>
+                        <a:latin typeface="Cambria Math" panose="02040503050406030204" pitchFamily="18" charset="0"/>
+                      </a:rPr>
+                      <m:t>𝑖</m:t>
+                    </m:r>
+                    <m:r>
+                      <a:rPr lang="en-US" sz="2300" b="0" i="1" smtClean="0">
+                        <a:solidFill>
+                          <a:schemeClr val="tx1"/>
+                        </a:solidFill>
+                        <a:latin typeface="Cambria Math" panose="02040503050406030204" pitchFamily="18" charset="0"/>
+                      </a:rPr>
+                      <m:t>+1</m:t>
+                    </m:r>
+                  </m:oMath>
+                </a14:m>
+                <a:r>
+                  <a:rPr lang="en-US" sz="2300" dirty="0">
+                    <a:solidFill>
+                      <a:schemeClr val="accent1"/>
+                    </a:solidFill>
+                  </a:rPr>
+                  <a:t> , </a:t>
+                </a:r>
+                <a14:m>
+                  <m:oMath xmlns:m="http://schemas.openxmlformats.org/officeDocument/2006/math">
+                    <m:sSup>
+                      <m:sSupPr>
+                        <m:ctrlPr>
+                          <a:rPr lang="en-US" sz="2300" i="1" smtClean="0">
+                            <a:latin typeface="Cambria Math" panose="02040503050406030204" pitchFamily="18" charset="0"/>
+                          </a:rPr>
+                        </m:ctrlPr>
+                      </m:sSupPr>
+                      <m:e>
+                        <m:r>
+                          <a:rPr lang="en-US" sz="2300" b="0" i="1" smtClean="0">
+                            <a:latin typeface="Cambria Math" panose="02040503050406030204" pitchFamily="18" charset="0"/>
+                          </a:rPr>
+                          <m:t>𝑗</m:t>
+                        </m:r>
+                      </m:e>
+                      <m:sup>
+                        <m:r>
+                          <a:rPr lang="en-US" sz="2300" b="0" i="1" smtClean="0">
+                            <a:latin typeface="Cambria Math" panose="02040503050406030204" pitchFamily="18" charset="0"/>
+                          </a:rPr>
+                          <m:t>′</m:t>
+                        </m:r>
+                      </m:sup>
+                    </m:sSup>
+                    <m:r>
+                      <a:rPr lang="en-US" sz="2300" i="1">
+                        <a:latin typeface="Cambria Math" panose="02040503050406030204" pitchFamily="18" charset="0"/>
+                      </a:rPr>
+                      <m:t>=</m:t>
+                    </m:r>
+                    <m:r>
+                      <a:rPr lang="en-US" sz="2300" b="0" i="1" smtClean="0">
+                        <a:latin typeface="Cambria Math" panose="02040503050406030204" pitchFamily="18" charset="0"/>
+                      </a:rPr>
+                      <m:t>𝑗</m:t>
+                    </m:r>
+                  </m:oMath>
+                </a14:m>
+                <a:r>
+                  <a:rPr lang="en-US" sz="2300" dirty="0">
+                    <a:solidFill>
+                      <a:schemeClr val="accent1"/>
+                    </a:solidFill>
+                  </a:rPr>
+                  <a:t> and </a:t>
+                </a:r>
+                <a14:m>
+                  <m:oMath xmlns:m="http://schemas.openxmlformats.org/officeDocument/2006/math">
+                    <m:r>
+                      <a:rPr lang="en-US" sz="2300" i="1">
+                        <a:latin typeface="Cambria Math" panose="02040503050406030204" pitchFamily="18" charset="0"/>
+                      </a:rPr>
+                      <m:t>=</m:t>
+                    </m:r>
+                    <m:sSup>
+                      <m:sSupPr>
+                        <m:ctrlPr>
+                          <a:rPr lang="en-US" sz="2300" i="1" smtClean="0">
+                            <a:latin typeface="Cambria Math" panose="02040503050406030204" pitchFamily="18" charset="0"/>
+                          </a:rPr>
+                        </m:ctrlPr>
+                      </m:sSupPr>
+                      <m:e>
+                        <m:r>
+                          <a:rPr lang="en-US" sz="2300" b="0" i="1" smtClean="0">
+                            <a:latin typeface="Cambria Math" panose="02040503050406030204" pitchFamily="18" charset="0"/>
+                          </a:rPr>
+                          <m:t>𝑘</m:t>
+                        </m:r>
+                      </m:e>
+                      <m:sup>
+                        <m:r>
+                          <a:rPr lang="en-US" sz="2300" b="0" i="1" smtClean="0">
+                            <a:latin typeface="Cambria Math" panose="02040503050406030204" pitchFamily="18" charset="0"/>
+                          </a:rPr>
+                          <m:t>′</m:t>
+                        </m:r>
+                      </m:sup>
+                    </m:sSup>
+                    <m:r>
+                      <a:rPr lang="en-US" sz="2300" b="0" i="1" smtClean="0">
+                        <a:latin typeface="Cambria Math" panose="02040503050406030204" pitchFamily="18" charset="0"/>
+                      </a:rPr>
+                      <m:t>=</m:t>
+                    </m:r>
+                    <m:r>
+                      <a:rPr lang="en-US" sz="2300" b="0" i="1" smtClean="0">
+                        <a:latin typeface="Cambria Math" panose="02040503050406030204" pitchFamily="18" charset="0"/>
+                      </a:rPr>
+                      <m:t>𝑘</m:t>
+                    </m:r>
+                    <m:r>
+                      <a:rPr lang="en-US" sz="2300" i="1">
+                        <a:latin typeface="Cambria Math" panose="02040503050406030204" pitchFamily="18" charset="0"/>
+                      </a:rPr>
+                      <m:t>+1</m:t>
+                    </m:r>
+                  </m:oMath>
+                </a14:m>
+                <a:r>
+                  <a:rPr lang="en-US" sz="2300" dirty="0">
+                    <a:solidFill>
+                      <a:schemeClr val="accent1"/>
+                    </a:solidFill>
+                  </a:rPr>
+                  <a:t> </a:t>
+                </a:r>
+              </a:p>
+              <a:p>
+                <a:pPr marL="0" indent="0">
+                  <a:buNone/>
+                </a:pPr>
+                <a:endParaRPr lang="en-US" sz="2300" dirty="0">
+                  <a:solidFill>
+                    <a:schemeClr val="accent1"/>
+                  </a:solidFill>
+                </a:endParaRPr>
+              </a:p>
+              <a:p>
+                <a:pPr marL="0" indent="0">
+                  <a:buNone/>
+                </a:pPr>
+                <a:r>
+                  <a:rPr lang="en-US" sz="2300" b="0" dirty="0">
+                    <a:solidFill>
+                      <a:srgbClr val="FF0000"/>
+                    </a:solidFill>
+                  </a:rPr>
+                  <a:t>(1) </a:t>
+                </a:r>
+                <a:r>
+                  <a:rPr lang="en-US" sz="2300" b="0" dirty="0">
+                    <a:solidFill>
+                      <a:schemeClr val="accent1"/>
+                    </a:solidFill>
+                  </a:rPr>
+                  <a:t>Therefore, </a:t>
+                </a:r>
+                <a14:m>
+                  <m:oMath xmlns:m="http://schemas.openxmlformats.org/officeDocument/2006/math">
+                    <m:r>
+                      <a:rPr lang="en-US" sz="2300" b="0" i="1" smtClean="0">
+                        <a:solidFill>
+                          <a:schemeClr val="tx1"/>
+                        </a:solidFill>
+                        <a:latin typeface="Cambria Math" panose="02040503050406030204" pitchFamily="18" charset="0"/>
+                      </a:rPr>
+                      <m:t>𝐴</m:t>
+                    </m:r>
+                    <m:r>
+                      <a:rPr lang="en-US" sz="2300" b="0" i="1" smtClean="0">
+                        <a:solidFill>
+                          <a:schemeClr val="tx1"/>
+                        </a:solidFill>
+                        <a:latin typeface="Cambria Math" panose="02040503050406030204" pitchFamily="18" charset="0"/>
+                      </a:rPr>
+                      <m:t>[</m:t>
+                    </m:r>
+                    <m:r>
+                      <a:rPr lang="en-US" sz="2300" b="0" i="1" smtClean="0">
+                        <a:solidFill>
+                          <a:schemeClr val="tx1"/>
+                        </a:solidFill>
+                        <a:latin typeface="Cambria Math" panose="02040503050406030204" pitchFamily="18" charset="0"/>
+                      </a:rPr>
+                      <m:t>𝑝</m:t>
+                    </m:r>
+                    <m:r>
+                      <a:rPr lang="en-US" sz="2300" b="0" i="1" smtClean="0">
+                        <a:solidFill>
+                          <a:schemeClr val="tx1"/>
+                        </a:solidFill>
+                        <a:latin typeface="Cambria Math" panose="02040503050406030204" pitchFamily="18" charset="0"/>
+                      </a:rPr>
+                      <m:t>…</m:t>
+                    </m:r>
+                    <m:sSup>
+                      <m:sSupPr>
+                        <m:ctrlPr>
+                          <a:rPr lang="en-US" sz="2300" i="1">
+                            <a:latin typeface="Cambria Math" panose="02040503050406030204" pitchFamily="18" charset="0"/>
+                          </a:rPr>
+                        </m:ctrlPr>
+                      </m:sSupPr>
+                      <m:e>
+                        <m:r>
+                          <a:rPr lang="en-US" sz="2300" i="1">
+                            <a:latin typeface="Cambria Math" panose="02040503050406030204" pitchFamily="18" charset="0"/>
+                          </a:rPr>
+                          <m:t>𝑘</m:t>
+                        </m:r>
+                      </m:e>
+                      <m:sup>
+                        <m:r>
+                          <a:rPr lang="en-US" sz="2300" i="1">
+                            <a:latin typeface="Cambria Math" panose="02040503050406030204" pitchFamily="18" charset="0"/>
+                          </a:rPr>
+                          <m:t>′</m:t>
+                        </m:r>
+                      </m:sup>
+                    </m:sSup>
+                    <m:r>
+                      <a:rPr lang="en-US" sz="2300" b="0" i="1" smtClean="0">
+                        <a:latin typeface="Cambria Math" panose="02040503050406030204" pitchFamily="18" charset="0"/>
+                      </a:rPr>
+                      <m:t>−1</m:t>
+                    </m:r>
+                    <m:r>
+                      <a:rPr lang="en-US" sz="2300" b="0" i="1" smtClean="0">
+                        <a:solidFill>
+                          <a:schemeClr val="tx1"/>
+                        </a:solidFill>
+                        <a:latin typeface="Cambria Math" panose="02040503050406030204" pitchFamily="18" charset="0"/>
+                      </a:rPr>
+                      <m:t>]</m:t>
+                    </m:r>
+                  </m:oMath>
+                </a14:m>
+                <a:r>
+                  <a:rPr lang="en-US" sz="2300" dirty="0">
+                    <a:solidFill>
+                      <a:schemeClr val="accent1"/>
+                    </a:solidFill>
+                  </a:rPr>
+                  <a:t> contains the smallest </a:t>
+                </a:r>
+                <a14:m>
+                  <m:oMath xmlns:m="http://schemas.openxmlformats.org/officeDocument/2006/math">
+                    <m:sSup>
+                      <m:sSupPr>
+                        <m:ctrlPr>
+                          <a:rPr lang="en-US" sz="2300" i="1" smtClean="0">
+                            <a:solidFill>
+                              <a:schemeClr val="tx1"/>
+                            </a:solidFill>
+                            <a:latin typeface="Cambria Math" panose="02040503050406030204" pitchFamily="18" charset="0"/>
+                          </a:rPr>
+                        </m:ctrlPr>
+                      </m:sSupPr>
+                      <m:e>
+                        <m:r>
+                          <a:rPr lang="en-US" sz="2300" b="0" i="1" smtClean="0">
+                            <a:solidFill>
+                              <a:schemeClr val="tx1"/>
+                            </a:solidFill>
+                            <a:latin typeface="Cambria Math" panose="02040503050406030204" pitchFamily="18" charset="0"/>
+                          </a:rPr>
+                          <m:t>𝑘</m:t>
+                        </m:r>
+                      </m:e>
+                      <m:sup>
+                        <m:r>
+                          <a:rPr lang="en-US" sz="2300" b="0" i="1" smtClean="0">
+                            <a:solidFill>
+                              <a:schemeClr val="tx1"/>
+                            </a:solidFill>
+                            <a:latin typeface="Cambria Math" panose="02040503050406030204" pitchFamily="18" charset="0"/>
+                          </a:rPr>
+                          <m:t>′</m:t>
+                        </m:r>
+                      </m:sup>
+                    </m:sSup>
+                    <m:r>
+                      <a:rPr lang="en-US" sz="2300" b="0" i="1" smtClean="0">
+                        <a:solidFill>
+                          <a:schemeClr val="tx1"/>
+                        </a:solidFill>
+                        <a:latin typeface="Cambria Math" panose="02040503050406030204" pitchFamily="18" charset="0"/>
+                      </a:rPr>
+                      <m:t>−</m:t>
+                    </m:r>
+                    <m:r>
+                      <a:rPr lang="en-US" sz="2300" b="0" i="1" smtClean="0">
+                        <a:solidFill>
+                          <a:schemeClr val="tx1"/>
+                        </a:solidFill>
+                        <a:latin typeface="Cambria Math" panose="02040503050406030204" pitchFamily="18" charset="0"/>
+                      </a:rPr>
+                      <m:t>𝑝</m:t>
+                    </m:r>
+                  </m:oMath>
+                </a14:m>
+                <a:r>
+                  <a:rPr lang="en-US" sz="2300" dirty="0">
+                    <a:solidFill>
+                      <a:schemeClr val="tx1"/>
+                    </a:solidFill>
+                  </a:rPr>
+                  <a:t> </a:t>
+                </a:r>
+                <a:r>
+                  <a:rPr lang="en-US" sz="2300" dirty="0">
+                    <a:solidFill>
+                      <a:schemeClr val="accent1"/>
+                    </a:solidFill>
+                  </a:rPr>
+                  <a:t>elements.</a:t>
+                </a:r>
+              </a:p>
+              <a:p>
+                <a:pPr marL="0" indent="0">
+                  <a:buNone/>
+                </a:pPr>
+                <a:endParaRPr lang="en-US" sz="2300" dirty="0">
+                  <a:solidFill>
+                    <a:schemeClr val="accent1"/>
+                  </a:solidFill>
+                </a:endParaRPr>
+              </a:p>
+              <a:p>
+                <a:pPr marL="0" indent="0">
+                  <a:buNone/>
+                </a:pPr>
+                <a:r>
+                  <a:rPr lang="en-US" sz="2300" b="0" dirty="0">
+                    <a:solidFill>
+                      <a:srgbClr val="FF0000"/>
+                    </a:solidFill>
+                  </a:rPr>
+                  <a:t>(2) </a:t>
+                </a:r>
+                <a14:m>
+                  <m:oMath xmlns:m="http://schemas.openxmlformats.org/officeDocument/2006/math">
+                    <m:r>
+                      <a:rPr lang="en-US" sz="2300" b="0" i="1" smtClean="0">
+                        <a:solidFill>
+                          <a:schemeClr val="tx1"/>
+                        </a:solidFill>
+                        <a:latin typeface="Cambria Math" panose="02040503050406030204" pitchFamily="18" charset="0"/>
+                      </a:rPr>
+                      <m:t>𝐿</m:t>
+                    </m:r>
+                    <m:d>
+                      <m:dPr>
+                        <m:begChr m:val="["/>
+                        <m:endChr m:val="]"/>
+                        <m:ctrlPr>
+                          <a:rPr lang="en-US" sz="2300" b="0" i="1" smtClean="0">
+                            <a:solidFill>
+                              <a:schemeClr val="tx1"/>
+                            </a:solidFill>
+                            <a:latin typeface="Cambria Math" panose="02040503050406030204" pitchFamily="18" charset="0"/>
+                          </a:rPr>
+                        </m:ctrlPr>
+                      </m:dPr>
+                      <m:e>
+                        <m:sSup>
+                          <m:sSupPr>
+                            <m:ctrlPr>
+                              <a:rPr lang="en-US" sz="2300" b="0" i="1" smtClean="0">
+                                <a:solidFill>
+                                  <a:schemeClr val="tx1"/>
+                                </a:solidFill>
+                                <a:latin typeface="Cambria Math" panose="02040503050406030204" pitchFamily="18" charset="0"/>
+                              </a:rPr>
+                            </m:ctrlPr>
+                          </m:sSupPr>
+                          <m:e>
+                            <m:r>
+                              <a:rPr lang="en-US" sz="2300" b="0" i="1" smtClean="0">
+                                <a:solidFill>
+                                  <a:schemeClr val="tx1"/>
+                                </a:solidFill>
+                                <a:latin typeface="Cambria Math" panose="02040503050406030204" pitchFamily="18" charset="0"/>
+                              </a:rPr>
+                              <m:t>𝑖</m:t>
+                            </m:r>
+                          </m:e>
+                          <m:sup>
+                            <m:r>
+                              <a:rPr lang="en-US" sz="2300" b="0" i="1" smtClean="0">
+                                <a:solidFill>
+                                  <a:schemeClr val="tx1"/>
+                                </a:solidFill>
+                                <a:latin typeface="Cambria Math" panose="02040503050406030204" pitchFamily="18" charset="0"/>
+                              </a:rPr>
+                              <m:t>′</m:t>
+                            </m:r>
+                          </m:sup>
+                        </m:sSup>
+                      </m:e>
+                    </m:d>
+                  </m:oMath>
+                </a14:m>
+                <a:r>
+                  <a:rPr lang="en-US" sz="2300" dirty="0"/>
+                  <a:t> </a:t>
+                </a:r>
+                <a:r>
+                  <a:rPr lang="en-US" sz="2300" dirty="0">
+                    <a:solidFill>
+                      <a:schemeClr val="accent1"/>
+                    </a:solidFill>
+                  </a:rPr>
+                  <a:t>and</a:t>
+                </a:r>
+                <a:r>
+                  <a:rPr lang="en-US" sz="2300" dirty="0"/>
+                  <a:t> </a:t>
+                </a:r>
+                <a14:m>
+                  <m:oMath xmlns:m="http://schemas.openxmlformats.org/officeDocument/2006/math">
+                    <m:r>
+                      <a:rPr lang="en-US" sz="2300" i="1">
+                        <a:latin typeface="Cambria Math" panose="02040503050406030204" pitchFamily="18" charset="0"/>
+                      </a:rPr>
+                      <m:t>𝑅</m:t>
+                    </m:r>
+                    <m:d>
+                      <m:dPr>
+                        <m:begChr m:val="["/>
+                        <m:endChr m:val="]"/>
+                        <m:ctrlPr>
+                          <a:rPr lang="en-US" sz="2300" i="1">
+                            <a:latin typeface="Cambria Math" panose="02040503050406030204" pitchFamily="18" charset="0"/>
+                          </a:rPr>
+                        </m:ctrlPr>
+                      </m:dPr>
+                      <m:e>
+                        <m:sSup>
+                          <m:sSupPr>
+                            <m:ctrlPr>
+                              <a:rPr lang="en-US" sz="2300" i="1" smtClean="0">
+                                <a:latin typeface="Cambria Math" panose="02040503050406030204" pitchFamily="18" charset="0"/>
+                              </a:rPr>
+                            </m:ctrlPr>
+                          </m:sSupPr>
+                          <m:e>
+                            <m:r>
+                              <a:rPr lang="en-US" sz="2300" b="0" i="1" smtClean="0">
+                                <a:latin typeface="Cambria Math" panose="02040503050406030204" pitchFamily="18" charset="0"/>
+                              </a:rPr>
+                              <m:t>𝑗</m:t>
+                            </m:r>
+                          </m:e>
+                          <m:sup>
+                            <m:r>
+                              <a:rPr lang="en-US" sz="2300" b="0" i="1" smtClean="0">
+                                <a:latin typeface="Cambria Math" panose="02040503050406030204" pitchFamily="18" charset="0"/>
+                              </a:rPr>
+                              <m:t>′</m:t>
+                            </m:r>
+                          </m:sup>
+                        </m:sSup>
+                      </m:e>
+                    </m:d>
+                  </m:oMath>
+                </a14:m>
+                <a:r>
+                  <a:rPr lang="en-US" sz="2300" dirty="0">
+                    <a:solidFill>
+                      <a:schemeClr val="accent1"/>
+                    </a:solidFill>
+                  </a:rPr>
+                  <a:t> now contains the smallest elements of the two arrays that have not been copied back to </a:t>
+                </a:r>
+                <a14:m>
+                  <m:oMath xmlns:m="http://schemas.openxmlformats.org/officeDocument/2006/math">
+                    <m:r>
+                      <a:rPr lang="en-US" sz="2300" i="1">
+                        <a:latin typeface="Cambria Math" panose="02040503050406030204" pitchFamily="18" charset="0"/>
+                      </a:rPr>
+                      <m:t>𝐴</m:t>
+                    </m:r>
+                  </m:oMath>
+                </a14:m>
+                <a:r>
+                  <a:rPr lang="en-US" sz="2300" dirty="0">
+                    <a:solidFill>
+                      <a:schemeClr val="accent1"/>
+                    </a:solidFill>
+                  </a:rPr>
+                  <a:t>.</a:t>
+                </a:r>
+              </a:p>
+              <a:p>
+                <a:pPr marL="0" indent="0">
+                  <a:buNone/>
+                </a:pPr>
+                <a:endParaRPr lang="en-US" sz="2300" dirty="0">
+                  <a:solidFill>
+                    <a:schemeClr val="accent1"/>
+                  </a:solidFill>
+                </a:endParaRPr>
+              </a:p>
+              <a:p>
+                <a:pPr marL="0" indent="0">
+                  <a:buNone/>
+                </a:pPr>
+                <a:r>
+                  <a:rPr lang="en-US" sz="2300" dirty="0">
+                    <a:solidFill>
+                      <a:schemeClr val="accent1"/>
+                    </a:solidFill>
+                  </a:rPr>
+                  <a:t>This reestablishes the loop invariant at the start of the next iteration.</a:t>
+                </a:r>
+              </a:p>
+              <a:p>
+                <a:pPr marL="0" indent="0">
+                  <a:buNone/>
+                </a:pPr>
+                <a:endParaRPr lang="en-US" sz="2300" dirty="0">
+                  <a:solidFill>
+                    <a:schemeClr val="accent1"/>
+                  </a:solidFill>
+                </a:endParaRPr>
+              </a:p>
+              <a:p>
+                <a:pPr marL="0" indent="0">
+                  <a:buNone/>
+                </a:pPr>
+                <a:r>
+                  <a:rPr lang="en-US" sz="2300" b="1" i="1" dirty="0">
+                    <a:solidFill>
+                      <a:srgbClr val="FF0000"/>
+                    </a:solidFill>
+                  </a:rPr>
+                  <a:t>***</a:t>
+                </a:r>
+                <a:r>
+                  <a:rPr lang="en-US" sz="2300" dirty="0">
+                    <a:solidFill>
+                      <a:schemeClr val="accent1"/>
+                    </a:solidFill>
+                  </a:rPr>
+                  <a:t>The maintenance property for the other case </a:t>
+                </a:r>
+                <a14:m>
+                  <m:oMath xmlns:m="http://schemas.openxmlformats.org/officeDocument/2006/math">
+                    <m:r>
+                      <a:rPr lang="en-US" sz="2300" b="0" i="1" smtClean="0">
+                        <a:solidFill>
+                          <a:schemeClr val="tx1"/>
+                        </a:solidFill>
+                        <a:latin typeface="Cambria Math" panose="02040503050406030204" pitchFamily="18" charset="0"/>
+                      </a:rPr>
+                      <m:t>𝐿</m:t>
+                    </m:r>
+                    <m:d>
+                      <m:dPr>
+                        <m:begChr m:val="["/>
+                        <m:endChr m:val="]"/>
+                        <m:ctrlPr>
+                          <a:rPr lang="en-US" sz="2300" b="0" i="1" smtClean="0">
+                            <a:solidFill>
+                              <a:schemeClr val="tx1"/>
+                            </a:solidFill>
+                            <a:latin typeface="Cambria Math" panose="02040503050406030204" pitchFamily="18" charset="0"/>
+                          </a:rPr>
+                        </m:ctrlPr>
+                      </m:dPr>
+                      <m:e>
+                        <m:r>
+                          <a:rPr lang="en-US" sz="2300" b="0" i="1" smtClean="0">
+                            <a:solidFill>
+                              <a:schemeClr val="tx1"/>
+                            </a:solidFill>
+                            <a:latin typeface="Cambria Math" panose="02040503050406030204" pitchFamily="18" charset="0"/>
+                          </a:rPr>
+                          <m:t>𝑖</m:t>
+                        </m:r>
+                      </m:e>
+                    </m:d>
+                    <m:r>
+                      <a:rPr lang="en-US" sz="2300" b="0" i="1" smtClean="0">
+                        <a:solidFill>
+                          <a:schemeClr val="tx1"/>
+                        </a:solidFill>
+                        <a:latin typeface="Cambria Math" panose="02040503050406030204" pitchFamily="18" charset="0"/>
+                      </a:rPr>
+                      <m:t>&gt;</m:t>
+                    </m:r>
+                    <m:r>
+                      <a:rPr lang="en-US" sz="2300" b="0" i="1" smtClean="0">
+                        <a:solidFill>
+                          <a:schemeClr val="tx1"/>
+                        </a:solidFill>
+                        <a:latin typeface="Cambria Math" panose="02040503050406030204" pitchFamily="18" charset="0"/>
+                      </a:rPr>
+                      <m:t>𝑅</m:t>
+                    </m:r>
+                    <m:r>
+                      <a:rPr lang="en-US" sz="2300" b="0" i="1" smtClean="0">
+                        <a:solidFill>
+                          <a:schemeClr val="tx1"/>
+                        </a:solidFill>
+                        <a:latin typeface="Cambria Math" panose="02040503050406030204" pitchFamily="18" charset="0"/>
+                      </a:rPr>
+                      <m:t>[</m:t>
+                    </m:r>
+                    <m:r>
+                      <a:rPr lang="en-US" sz="2300" b="0" i="1" smtClean="0">
+                        <a:solidFill>
+                          <a:schemeClr val="tx1"/>
+                        </a:solidFill>
+                        <a:latin typeface="Cambria Math" panose="02040503050406030204" pitchFamily="18" charset="0"/>
+                      </a:rPr>
+                      <m:t>𝑗</m:t>
+                    </m:r>
+                    <m:r>
+                      <a:rPr lang="en-US" sz="2300" b="0" i="1" smtClean="0">
+                        <a:solidFill>
+                          <a:schemeClr val="tx1"/>
+                        </a:solidFill>
+                        <a:latin typeface="Cambria Math" panose="02040503050406030204" pitchFamily="18" charset="0"/>
+                      </a:rPr>
+                      <m:t>]</m:t>
+                    </m:r>
+                  </m:oMath>
+                </a14:m>
+                <a:r>
+                  <a:rPr lang="en-US" sz="2300" dirty="0">
+                    <a:solidFill>
+                      <a:schemeClr val="accent1"/>
+                    </a:solidFill>
+                  </a:rPr>
+                  <a:t> can be shown in a similar way.</a:t>
+                </a:r>
+              </a:p>
+            </p:txBody>
+          </p:sp>
+        </mc:Choice>
+        <mc:Fallback>
+          <p:sp>
+            <p:nvSpPr>
+              <p:cNvPr id="3" name="Content Placeholder 2">
+                <a:extLst>
+                  <a:ext uri="{FF2B5EF4-FFF2-40B4-BE49-F238E27FC236}">
+                    <a16:creationId xmlns:a16="http://schemas.microsoft.com/office/drawing/2014/main" id="{7FE052B4-7439-4F16-899A-E83CFEA19E57}"/>
+                  </a:ext>
+                </a:extLst>
+              </p:cNvPr>
+              <p:cNvSpPr>
+                <a:spLocks noGrp="1" noRot="1" noChangeAspect="1" noMove="1" noResize="1" noEditPoints="1" noAdjustHandles="1" noChangeArrowheads="1" noChangeShapeType="1" noTextEdit="1"/>
+              </p:cNvSpPr>
+              <p:nvPr>
+                <p:ph idx="1"/>
+              </p:nvPr>
+            </p:nvSpPr>
+            <p:spPr>
+              <a:blipFill>
+                <a:blip r:embed="rId2"/>
+                <a:stretch>
+                  <a:fillRect l="-638" t="-2521" b="-700"/>
+                </a:stretch>
+              </a:blipFill>
+            </p:spPr>
+            <p:txBody>
+              <a:bodyPr/>
+              <a:lstStyle/>
+              <a:p>
+                <a:r>
+                  <a:rPr lang="en-US">
+                    <a:noFill/>
+                  </a:rPr>
+                  <a:t> </a:t>
+                </a:r>
+              </a:p>
+            </p:txBody>
+          </p:sp>
+        </mc:Fallback>
+      </mc:AlternateContent>
+    </p:spTree>
+    <p:extLst>
+      <p:ext uri="{BB962C8B-B14F-4D97-AF65-F5344CB8AC3E}">
+        <p14:creationId xmlns:p14="http://schemas.microsoft.com/office/powerpoint/2010/main" val="843360119"/>
+      </p:ext>
+    </p:extLst>
+  </p:cSld>
+  <p:clrMapOvr>
+    <a:masterClrMapping/>
+  </p:clrMapOvr>
+</p:sld>
+</file>
+
+<file path=ppt/slides/slide34.xml><?xml version="1.0" encoding="utf-8"?>
+<p:sld xmlns:a="http://schemas.openxmlformats.org/drawingml/2006/main" xmlns:r="http://schemas.openxmlformats.org/officeDocument/2006/relationships" xmlns:p="http://schemas.openxmlformats.org/presentationml/2006/main">
+  <p:cSld>
+    <p:spTree>
+      <p:nvGrpSpPr>
+        <p:cNvPr id="1" name=""/>
+        <p:cNvGrpSpPr/>
+        <p:nvPr/>
+      </p:nvGrpSpPr>
+      <p:grpSpPr>
+        <a:xfrm>
+          <a:off x="0" y="0"/>
+          <a:ext cx="0" cy="0"/>
+          <a:chOff x="0" y="0"/>
+          <a:chExt cx="0" cy="0"/>
+        </a:xfrm>
+      </p:grpSpPr>
+      <p:sp>
+        <p:nvSpPr>
+          <p:cNvPr id="2" name="Title 1">
+            <a:extLst>
+              <a:ext uri="{FF2B5EF4-FFF2-40B4-BE49-F238E27FC236}">
+                <a16:creationId xmlns:a16="http://schemas.microsoft.com/office/drawing/2014/main" id="{E5DA7BEB-5D48-4B40-B602-3CAA44838340}"/>
+              </a:ext>
+            </a:extLst>
+          </p:cNvPr>
+          <p:cNvSpPr>
+            <a:spLocks noGrp="1"/>
+          </p:cNvSpPr>
+          <p:nvPr>
+            <p:ph type="title"/>
+          </p:nvPr>
+        </p:nvSpPr>
+        <p:spPr/>
+        <p:txBody>
+          <a:bodyPr/>
+          <a:lstStyle/>
+          <a:p>
+            <a:r>
+              <a:rPr lang="en-US" dirty="0">
+                <a:solidFill>
+                  <a:schemeClr val="accent1"/>
+                </a:solidFill>
+              </a:rPr>
+              <a:t>Merge Sort: Proof of Correctness</a:t>
+            </a:r>
+            <a:endParaRPr lang="en-US" dirty="0"/>
+          </a:p>
+        </p:txBody>
+      </p:sp>
+      <mc:AlternateContent xmlns:mc="http://schemas.openxmlformats.org/markup-compatibility/2006">
+        <mc:Choice xmlns:a14="http://schemas.microsoft.com/office/drawing/2010/main" Requires="a14">
+          <p:sp>
+            <p:nvSpPr>
+              <p:cNvPr id="3" name="Content Placeholder 2">
+                <a:extLst>
+                  <a:ext uri="{FF2B5EF4-FFF2-40B4-BE49-F238E27FC236}">
+                    <a16:creationId xmlns:a16="http://schemas.microsoft.com/office/drawing/2014/main" id="{7FE052B4-7439-4F16-899A-E83CFEA19E57}"/>
+                  </a:ext>
+                </a:extLst>
+              </p:cNvPr>
+              <p:cNvSpPr>
+                <a:spLocks noGrp="1"/>
+              </p:cNvSpPr>
+              <p:nvPr>
+                <p:ph idx="1"/>
+              </p:nvPr>
+            </p:nvSpPr>
+            <p:spPr/>
+            <p:txBody>
+              <a:bodyPr>
                 <a:normAutofit/>
               </a:bodyPr>
               <a:lstStyle/>
@@ -17458,6 +18390,16 @@
                   </a:rPr>
                   <a:t>.</a:t>
                 </a:r>
+              </a:p>
+              <a:p>
+                <a:pPr marL="0" indent="0">
+                  <a:buNone/>
+                </a:pPr>
+                <a:endParaRPr lang="en-US" dirty="0">
+                  <a:solidFill>
+                    <a:schemeClr val="accent1"/>
+                  </a:solidFill>
+                </a:endParaRPr>
               </a:p>
               <a:p>
                 <a:pPr marL="0" indent="0">
@@ -17742,7 +18684,96 @@
                       <a:schemeClr val="accent1"/>
                     </a:solidFill>
                   </a:rPr>
-                  <a:t>elements in sorted order. </a:t>
+                  <a:t>elements in sorted order.</a:t>
+                </a:r>
+              </a:p>
+              <a:p>
+                <a:pPr marL="0" indent="0">
+                  <a:buNone/>
+                </a:pPr>
+                <a:endParaRPr lang="en-US" dirty="0">
+                  <a:solidFill>
+                    <a:schemeClr val="accent1"/>
+                  </a:solidFill>
+                </a:endParaRPr>
+              </a:p>
+              <a:p>
+                <a:pPr marL="0" indent="0">
+                  <a:buNone/>
+                </a:pPr>
+                <a:r>
+                  <a:rPr lang="en-US" dirty="0">
+                    <a:solidFill>
+                      <a:schemeClr val="accent1"/>
+                    </a:solidFill>
+                  </a:rPr>
+                  <a:t>Therefore, we have just shown that </a:t>
+                </a:r>
+                <a14:m>
+                  <m:oMath xmlns:m="http://schemas.openxmlformats.org/officeDocument/2006/math">
+                    <m:r>
+                      <a:rPr lang="en-US" i="1">
+                        <a:latin typeface="Cambria Math" panose="02040503050406030204" pitchFamily="18" charset="0"/>
+                      </a:rPr>
+                      <m:t>𝑀𝐸𝑅𝐺𝐸</m:t>
+                    </m:r>
+                  </m:oMath>
+                </a14:m>
+                <a:r>
+                  <a:rPr lang="en-US" dirty="0">
+                    <a:solidFill>
+                      <a:schemeClr val="accent1"/>
+                    </a:solidFill>
+                  </a:rPr>
+                  <a:t> works correctly by producing a sorted array </a:t>
+                </a:r>
+                <a14:m>
+                  <m:oMath xmlns:m="http://schemas.openxmlformats.org/officeDocument/2006/math">
+                    <m:r>
+                      <a:rPr lang="en-US" i="1">
+                        <a:latin typeface="Cambria Math" panose="02040503050406030204" pitchFamily="18" charset="0"/>
+                      </a:rPr>
+                      <m:t>𝐴</m:t>
+                    </m:r>
+                    <m:r>
+                      <a:rPr lang="en-US" i="1">
+                        <a:latin typeface="Cambria Math" panose="02040503050406030204" pitchFamily="18" charset="0"/>
+                      </a:rPr>
+                      <m:t>[</m:t>
+                    </m:r>
+                    <m:r>
+                      <a:rPr lang="en-US" i="1">
+                        <a:latin typeface="Cambria Math" panose="02040503050406030204" pitchFamily="18" charset="0"/>
+                      </a:rPr>
+                      <m:t>𝑝</m:t>
+                    </m:r>
+                    <m:r>
+                      <a:rPr lang="en-US" i="1">
+                        <a:latin typeface="Cambria Math" panose="02040503050406030204" pitchFamily="18" charset="0"/>
+                      </a:rPr>
+                      <m:t>…</m:t>
+                    </m:r>
+                    <m:r>
+                      <a:rPr lang="en-US" i="1">
+                        <a:latin typeface="Cambria Math" panose="02040503050406030204" pitchFamily="18" charset="0"/>
+                      </a:rPr>
+                      <m:t>𝑟</m:t>
+                    </m:r>
+                    <m:r>
+                      <a:rPr lang="en-US" i="1">
+                        <a:latin typeface="Cambria Math" panose="02040503050406030204" pitchFamily="18" charset="0"/>
+                      </a:rPr>
+                      <m:t>]</m:t>
+                    </m:r>
+                  </m:oMath>
+                </a14:m>
+                <a:r>
+                  <a:rPr lang="en-US" dirty="0">
+                    <a:solidFill>
+                      <a:schemeClr val="accent1"/>
+                    </a:solidFill>
+                  </a:rPr>
+                  <a:t>  </a:t>
                 </a:r>
                 <a14:m>
                   <m:oMath xmlns:m="http://schemas.openxmlformats.org/officeDocument/2006/math">
@@ -17795,7 +18826,7 @@
               <a:blipFill>
                 <a:blip r:embed="rId2"/>
                 <a:stretch>
-                  <a:fillRect l="-1217" t="-2241"/>
+                  <a:fillRect l="-1217" t="-2241" b="-3081"/>
                 </a:stretch>
               </a:blipFill>
             </p:spPr>
@@ -17827,7 +18858,7 @@
 </p:sld>
 </file>
 
-<file path=ppt/slides/slide34.xml><?xml version="1.0" encoding="utf-8"?>
+<file path=ppt/slides/slide35.xml><?xml version="1.0" encoding="utf-8"?>
 <p:sld xmlns:a="http://schemas.openxmlformats.org/drawingml/2006/main" xmlns:r="http://schemas.openxmlformats.org/officeDocument/2006/relationships" xmlns:p="http://schemas.openxmlformats.org/presentationml/2006/main">
   <p:cSld>
     <p:spTree>
@@ -18822,7 +19853,7 @@
 </p:sld>
 </file>
 
-<file path=ppt/slides/slide35.xml><?xml version="1.0" encoding="utf-8"?>
+<file path=ppt/slides/slide36.xml><?xml version="1.0" encoding="utf-8"?>
 <p:sld xmlns:a="http://schemas.openxmlformats.org/drawingml/2006/main" xmlns:r="http://schemas.openxmlformats.org/officeDocument/2006/relationships" xmlns:p="http://schemas.openxmlformats.org/presentationml/2006/main">
   <p:cSld>
     <p:spTree>
@@ -19186,7 +20217,7 @@
 </p:sld>
 </file>
 
-<file path=ppt/slides/slide36.xml><?xml version="1.0" encoding="utf-8"?>
+<file path=ppt/slides/slide37.xml><?xml version="1.0" encoding="utf-8"?>
 <p:sld xmlns:a="http://schemas.openxmlformats.org/drawingml/2006/main" xmlns:r="http://schemas.openxmlformats.org/officeDocument/2006/relationships" xmlns:p="http://schemas.openxmlformats.org/presentationml/2006/main">
   <p:cSld>
     <p:spTree>
@@ -19235,8 +20266,8 @@
           </a:p>
         </p:txBody>
       </p:sp>
-      <mc:AlternateContent xmlns:mc="http://schemas.openxmlformats.org/markup-compatibility/2006">
-        <mc:Choice xmlns:a14="http://schemas.microsoft.com/office/drawing/2010/main" Requires="a14">
+      <mc:AlternateContent xmlns:mc="http://schemas.openxmlformats.org/markup-compatibility/2006" xmlns:a14="http://schemas.microsoft.com/office/drawing/2010/main">
+        <mc:Choice Requires="a14">
           <p:sp>
             <p:nvSpPr>
               <p:cNvPr id="3" name="Content Placeholder 2">
@@ -19383,7 +20414,7 @@
             </p:txBody>
           </p:sp>
         </mc:Choice>
-        <mc:Fallback>
+        <mc:Fallback xmlns="">
           <p:sp>
             <p:nvSpPr>
               <p:cNvPr id="3" name="Content Placeholder 2">
@@ -19436,7 +20467,7 @@
 </p:sld>
 </file>
 
-<file path=ppt/slides/slide37.xml><?xml version="1.0" encoding="utf-8"?>
+<file path=ppt/slides/slide38.xml><?xml version="1.0" encoding="utf-8"?>
 <p:sld xmlns:a="http://schemas.openxmlformats.org/drawingml/2006/main" xmlns:r="http://schemas.openxmlformats.org/officeDocument/2006/relationships" xmlns:p="http://schemas.openxmlformats.org/presentationml/2006/main">
   <p:cSld>
     <p:spTree>
@@ -19665,8 +20696,8 @@
           </a:p>
         </p:txBody>
       </p:sp>
-      <mc:AlternateContent xmlns:mc="http://schemas.openxmlformats.org/markup-compatibility/2006">
-        <mc:Choice xmlns:a14="http://schemas.microsoft.com/office/drawing/2010/main" Requires="a14">
+      <mc:AlternateContent xmlns:mc="http://schemas.openxmlformats.org/markup-compatibility/2006" xmlns:a14="http://schemas.microsoft.com/office/drawing/2010/main">
+        <mc:Choice Requires="a14">
           <p:sp>
             <p:nvSpPr>
               <p:cNvPr id="3" name="Content Placeholder 2">
@@ -20000,7 +21031,7 @@
             </p:txBody>
           </p:sp>
         </mc:Choice>
-        <mc:Fallback>
+        <mc:Fallback xmlns="">
           <p:sp>
             <p:nvSpPr>
               <p:cNvPr id="3" name="Content Placeholder 2">
@@ -20102,8 +21133,8 @@
           </a:p>
         </p:txBody>
       </p:sp>
-      <mc:AlternateContent xmlns:mc="http://schemas.openxmlformats.org/markup-compatibility/2006">
-        <mc:Choice xmlns:a14="http://schemas.microsoft.com/office/drawing/2010/main" Requires="a14">
+      <mc:AlternateContent xmlns:mc="http://schemas.openxmlformats.org/markup-compatibility/2006" xmlns:a14="http://schemas.microsoft.com/office/drawing/2010/main">
+        <mc:Choice Requires="a14">
           <p:sp>
             <p:nvSpPr>
               <p:cNvPr id="6" name="TextBox 5">
@@ -20132,6 +21163,7 @@
               </a:bodyPr>
               <a:lstStyle/>
               <a:p>
+                <a:pPr/>
                 <a14:m>
                   <m:oMathPara xmlns:m="http://schemas.openxmlformats.org/officeDocument/2006/math">
                     <m:oMathParaPr>
@@ -20152,7 +21184,7 @@
             </p:txBody>
           </p:sp>
         </mc:Choice>
-        <mc:Fallback>
+        <mc:Fallback xmlns="">
           <p:sp>
             <p:nvSpPr>
               <p:cNvPr id="6" name="TextBox 5">
@@ -20197,8 +21229,8 @@
           </p:sp>
         </mc:Fallback>
       </mc:AlternateContent>
-      <mc:AlternateContent xmlns:mc="http://schemas.openxmlformats.org/markup-compatibility/2006">
-        <mc:Choice xmlns:a14="http://schemas.microsoft.com/office/drawing/2010/main" Requires="a14">
+      <mc:AlternateContent xmlns:mc="http://schemas.openxmlformats.org/markup-compatibility/2006" xmlns:a14="http://schemas.microsoft.com/office/drawing/2010/main">
+        <mc:Choice Requires="a14">
           <p:sp>
             <p:nvSpPr>
               <p:cNvPr id="7" name="TextBox 6">
@@ -20227,6 +21259,7 @@
               </a:bodyPr>
               <a:lstStyle/>
               <a:p>
+                <a:pPr/>
                 <a14:m>
                   <m:oMathPara xmlns:m="http://schemas.openxmlformats.org/officeDocument/2006/math">
                     <m:oMathParaPr>
@@ -20247,7 +21280,7 @@
             </p:txBody>
           </p:sp>
         </mc:Choice>
-        <mc:Fallback>
+        <mc:Fallback xmlns="">
           <p:sp>
             <p:nvSpPr>
               <p:cNvPr id="7" name="TextBox 6">
@@ -20292,8 +21325,8 @@
           </p:sp>
         </mc:Fallback>
       </mc:AlternateContent>
-      <mc:AlternateContent xmlns:mc="http://schemas.openxmlformats.org/markup-compatibility/2006">
-        <mc:Choice xmlns:a14="http://schemas.microsoft.com/office/drawing/2010/main" Requires="a14">
+      <mc:AlternateContent xmlns:mc="http://schemas.openxmlformats.org/markup-compatibility/2006" xmlns:a14="http://schemas.microsoft.com/office/drawing/2010/main">
+        <mc:Choice Requires="a14">
           <p:sp>
             <p:nvSpPr>
               <p:cNvPr id="9" name="Content Placeholder 8">
@@ -20412,7 +21445,7 @@
             </p:txBody>
           </p:sp>
         </mc:Choice>
-        <mc:Fallback>
+        <mc:Fallback xmlns="">
           <p:sp>
             <p:nvSpPr>
               <p:cNvPr id="9" name="Content Placeholder 8">
@@ -21001,8 +22034,8 @@
           </a:p>
         </p:txBody>
       </p:sp>
-      <mc:AlternateContent xmlns:mc="http://schemas.openxmlformats.org/markup-compatibility/2006">
-        <mc:Choice xmlns:a14="http://schemas.microsoft.com/office/drawing/2010/main" Requires="a14">
+      <mc:AlternateContent xmlns:mc="http://schemas.openxmlformats.org/markup-compatibility/2006" xmlns:a14="http://schemas.microsoft.com/office/drawing/2010/main">
+        <mc:Choice Requires="a14">
           <p:sp>
             <p:nvSpPr>
               <p:cNvPr id="3" name="Content Placeholder 2">
@@ -21233,7 +22266,7 @@
             </p:txBody>
           </p:sp>
         </mc:Choice>
-        <mc:Fallback>
+        <mc:Fallback xmlns="">
           <p:sp>
             <p:nvSpPr>
               <p:cNvPr id="3" name="Content Placeholder 2">
@@ -21336,8 +22369,8 @@
           </a:p>
         </p:txBody>
       </p:sp>
-      <mc:AlternateContent xmlns:mc="http://schemas.openxmlformats.org/markup-compatibility/2006">
-        <mc:Choice xmlns:a14="http://schemas.microsoft.com/office/drawing/2010/main" Requires="a14">
+      <mc:AlternateContent xmlns:mc="http://schemas.openxmlformats.org/markup-compatibility/2006" xmlns:a14="http://schemas.microsoft.com/office/drawing/2010/main">
+        <mc:Choice Requires="a14">
           <p:sp>
             <p:nvSpPr>
               <p:cNvPr id="3" name="Content Placeholder 2">
@@ -21587,7 +22620,7 @@
             </p:txBody>
           </p:sp>
         </mc:Choice>
-        <mc:Fallback>
+        <mc:Fallback xmlns="">
           <p:sp>
             <p:nvSpPr>
               <p:cNvPr id="3" name="Content Placeholder 2">

--- a/Lectures/Lecture 5.pptx
+++ b/Lectures/Lecture 5.pptx
@@ -5,7 +5,7 @@
     <p:sldMasterId id="2147483648" r:id="rId1"/>
   </p:sldMasterIdLst>
   <p:notesMasterIdLst>
-    <p:notesMasterId r:id="rId40"/>
+    <p:notesMasterId r:id="rId41"/>
   </p:notesMasterIdLst>
   <p:sldIdLst>
     <p:sldId id="256" r:id="rId2"/>
@@ -37,15 +37,16 @@
     <p:sldId id="318" r:id="rId28"/>
     <p:sldId id="319" r:id="rId29"/>
     <p:sldId id="327" r:id="rId30"/>
-    <p:sldId id="328" r:id="rId31"/>
-    <p:sldId id="329" r:id="rId32"/>
-    <p:sldId id="342" r:id="rId33"/>
-    <p:sldId id="330" r:id="rId34"/>
-    <p:sldId id="331" r:id="rId35"/>
-    <p:sldId id="324" r:id="rId36"/>
-    <p:sldId id="325" r:id="rId37"/>
-    <p:sldId id="326" r:id="rId38"/>
-    <p:sldId id="341" r:id="rId39"/>
+    <p:sldId id="343" r:id="rId31"/>
+    <p:sldId id="328" r:id="rId32"/>
+    <p:sldId id="329" r:id="rId33"/>
+    <p:sldId id="342" r:id="rId34"/>
+    <p:sldId id="330" r:id="rId35"/>
+    <p:sldId id="331" r:id="rId36"/>
+    <p:sldId id="324" r:id="rId37"/>
+    <p:sldId id="325" r:id="rId38"/>
+    <p:sldId id="326" r:id="rId39"/>
+    <p:sldId id="341" r:id="rId40"/>
   </p:sldIdLst>
   <p:sldSz cx="12192000" cy="6858000"/>
   <p:notesSz cx="6858000" cy="9144000"/>
@@ -12553,8 +12554,8 @@
           </a:p>
         </p:txBody>
       </p:sp>
-      <mc:AlternateContent xmlns:mc="http://schemas.openxmlformats.org/markup-compatibility/2006" xmlns:a14="http://schemas.microsoft.com/office/drawing/2010/main">
-        <mc:Choice Requires="a14">
+      <mc:AlternateContent xmlns:mc="http://schemas.openxmlformats.org/markup-compatibility/2006">
+        <mc:Choice xmlns:a14="http://schemas.microsoft.com/office/drawing/2010/main" Requires="a14">
           <p:sp>
             <p:nvSpPr>
               <p:cNvPr id="3" name="Content Placeholder 2">
@@ -12660,16 +12661,6 @@
                 <a:pPr marL="0" indent="0">
                   <a:buNone/>
                 </a:pPr>
-                <a:endParaRPr lang="en-US" dirty="0">
-                  <a:solidFill>
-                    <a:schemeClr val="accent1"/>
-                  </a:solidFill>
-                </a:endParaRPr>
-              </a:p>
-              <a:p>
-                <a:pPr marL="0" indent="0">
-                  <a:buNone/>
-                </a:pPr>
                 <a:r>
                   <a:rPr lang="en-US" b="1" i="1" dirty="0">
                     <a:solidFill>
@@ -12720,7 +12711,7 @@
             </p:txBody>
           </p:sp>
         </mc:Choice>
-        <mc:Fallback xmlns="">
+        <mc:Fallback>
           <p:sp>
             <p:nvSpPr>
               <p:cNvPr id="3" name="Content Placeholder 2">
@@ -12788,7 +12779,7 @@
         </p:blipFill>
         <p:spPr>
           <a:xfrm>
-            <a:off x="3699916" y="4187825"/>
+            <a:off x="3699916" y="3822700"/>
             <a:ext cx="4792168" cy="2670175"/>
           </a:xfrm>
           <a:prstGeom prst="rect">
@@ -12927,6 +12918,13 @@
             <a:pPr marL="0" indent="0">
               <a:buNone/>
             </a:pPr>
+            <a:endParaRPr lang="en-US" dirty="0">
+              <a:solidFill>
+                <a:schemeClr val="accent1"/>
+              </a:solidFill>
+            </a:endParaRPr>
+          </a:p>
+          <a:p>
             <a:r>
               <a:rPr lang="en-US" dirty="0">
                 <a:solidFill>
@@ -12969,6 +12967,11 @@
               </a:rPr>
               <a:t>Divide</a:t>
             </a:r>
+          </a:p>
+          <a:p>
+            <a:pPr marL="0" indent="0">
+              <a:buNone/>
+            </a:pPr>
             <a:endParaRPr lang="en-US" dirty="0">
               <a:solidFill>
                 <a:srgbClr val="FF0000"/>
@@ -12976,9 +12979,6 @@
             </a:endParaRPr>
           </a:p>
           <a:p>
-            <a:pPr marL="0" indent="0">
-              <a:buNone/>
-            </a:pPr>
             <a:r>
               <a:rPr lang="en-US" dirty="0">
                 <a:solidFill>
@@ -13021,6 +13021,11 @@
               </a:rPr>
               <a:t>Conquer</a:t>
             </a:r>
+          </a:p>
+          <a:p>
+            <a:pPr marL="0" indent="0">
+              <a:buNone/>
+            </a:pPr>
             <a:endParaRPr lang="en-US" dirty="0">
               <a:solidFill>
                 <a:srgbClr val="FF0000"/>
@@ -13028,9 +13033,6 @@
             </a:endParaRPr>
           </a:p>
           <a:p>
-            <a:pPr marL="0" indent="0">
-              <a:buNone/>
-            </a:pPr>
             <a:r>
               <a:rPr lang="en-US" dirty="0">
                 <a:solidFill>
@@ -13081,42 +13083,6 @@
           </a:p>
         </p:txBody>
       </p:sp>
-      <p:pic>
-        <p:nvPicPr>
-          <p:cNvPr id="9" name="Picture 8">
-            <a:extLst>
-              <a:ext uri="{FF2B5EF4-FFF2-40B4-BE49-F238E27FC236}">
-                <a16:creationId xmlns:a16="http://schemas.microsoft.com/office/drawing/2014/main" id="{FFA32DCA-7895-4B65-BE7A-62983A314D07}"/>
-              </a:ext>
-            </a:extLst>
-          </p:cNvPr>
-          <p:cNvPicPr>
-            <a:picLocks noChangeAspect="1"/>
-          </p:cNvPicPr>
-          <p:nvPr/>
-        </p:nvPicPr>
-        <p:blipFill>
-          <a:blip r:embed="rId2">
-            <a:extLst>
-              <a:ext uri="{28A0092B-C50C-407E-A947-70E740481C1C}">
-                <a14:useLocalDpi xmlns:a14="http://schemas.microsoft.com/office/drawing/2010/main" val="0"/>
-              </a:ext>
-            </a:extLst>
-          </a:blip>
-          <a:stretch>
-            <a:fillRect/>
-          </a:stretch>
-        </p:blipFill>
-        <p:spPr>
-          <a:xfrm>
-            <a:off x="3592512" y="4341181"/>
-            <a:ext cx="5272916" cy="2354894"/>
-          </a:xfrm>
-          <a:prstGeom prst="rect">
-            <a:avLst/>
-          </a:prstGeom>
-        </p:spPr>
-      </p:pic>
     </p:spTree>
     <p:extLst>
       <p:ext uri="{BB962C8B-B14F-4D97-AF65-F5344CB8AC3E}">
@@ -13304,6 +13270,42 @@
           </a:p>
         </p:txBody>
       </p:sp>
+      <p:pic>
+        <p:nvPicPr>
+          <p:cNvPr id="7" name="Picture 6">
+            <a:extLst>
+              <a:ext uri="{FF2B5EF4-FFF2-40B4-BE49-F238E27FC236}">
+                <a16:creationId xmlns:a16="http://schemas.microsoft.com/office/drawing/2014/main" id="{AA5FCE38-4366-4269-A1C0-6284E1113584}"/>
+              </a:ext>
+            </a:extLst>
+          </p:cNvPr>
+          <p:cNvPicPr>
+            <a:picLocks noChangeAspect="1"/>
+          </p:cNvPicPr>
+          <p:nvPr/>
+        </p:nvPicPr>
+        <p:blipFill>
+          <a:blip r:embed="rId2">
+            <a:extLst>
+              <a:ext uri="{28A0092B-C50C-407E-A947-70E740481C1C}">
+                <a14:useLocalDpi xmlns:a14="http://schemas.microsoft.com/office/drawing/2010/main" val="0"/>
+              </a:ext>
+            </a:extLst>
+          </a:blip>
+          <a:stretch>
+            <a:fillRect/>
+          </a:stretch>
+        </p:blipFill>
+        <p:spPr>
+          <a:xfrm>
+            <a:off x="3201987" y="4376106"/>
+            <a:ext cx="5272916" cy="2354894"/>
+          </a:xfrm>
+          <a:prstGeom prst="rect">
+            <a:avLst/>
+          </a:prstGeom>
+        </p:spPr>
+      </p:pic>
     </p:spTree>
     <p:extLst>
       <p:ext uri="{BB962C8B-B14F-4D97-AF65-F5344CB8AC3E}">
@@ -13416,7 +13418,7 @@
         <p:spPr>
           <a:xfrm>
             <a:off x="523875" y="2126218"/>
-            <a:ext cx="6096000" cy="369332"/>
+            <a:ext cx="6096000" cy="400110"/>
           </a:xfrm>
           <a:prstGeom prst="rect">
             <a:avLst/>
@@ -13452,7 +13454,23 @@
                   <a:schemeClr val="accent1"/>
                 </a:solidFill>
               </a:rPr>
-              <a:t> and </a:t>
+              <a:t> </a:t>
+            </a:r>
+            <a:r>
+              <a:rPr lang="en-US" sz="2000" dirty="0">
+                <a:solidFill>
+                  <a:schemeClr val="accent1"/>
+                </a:solidFill>
+              </a:rPr>
+              <a:t>and</a:t>
+            </a:r>
+            <a:r>
+              <a:rPr lang="en-US" dirty="0">
+                <a:solidFill>
+                  <a:schemeClr val="accent1"/>
+                </a:solidFill>
+              </a:rPr>
+              <a:t> </a:t>
             </a:r>
             <a:r>
               <a:rPr lang="en-US" b="1" i="1" dirty="0">
@@ -13487,8 +13505,8 @@
         </p:nvSpPr>
         <p:spPr>
           <a:xfrm>
-            <a:off x="637579" y="4640818"/>
-            <a:ext cx="6096000" cy="369332"/>
+            <a:off x="523875" y="4459843"/>
+            <a:ext cx="6096000" cy="400110"/>
           </a:xfrm>
           <a:prstGeom prst="rect">
             <a:avLst/>
@@ -13511,7 +13529,7 @@
               <a:t>The </a:t>
             </a:r>
             <a:r>
-              <a:rPr lang="en-US" b="1" i="1" dirty="0">
+              <a:rPr lang="en-US" sz="2000" b="1" i="1" dirty="0">
                 <a:solidFill>
                   <a:srgbClr val="FF0000"/>
                 </a:solidFill>
@@ -13591,8 +13609,8 @@
           </a:p>
         </p:txBody>
       </p:sp>
-      <mc:AlternateContent xmlns:mc="http://schemas.openxmlformats.org/markup-compatibility/2006" xmlns:a14="http://schemas.microsoft.com/office/drawing/2010/main">
-        <mc:Choice Requires="a14">
+      <mc:AlternateContent xmlns:mc="http://schemas.openxmlformats.org/markup-compatibility/2006">
+        <mc:Choice xmlns:a14="http://schemas.microsoft.com/office/drawing/2010/main" Requires="a14">
           <p:sp>
             <p:nvSpPr>
               <p:cNvPr id="3" name="Content Placeholder 2">
@@ -13609,10 +13627,15 @@
                 <p:ph idx="1"/>
               </p:nvPr>
             </p:nvSpPr>
-            <p:spPr/>
+            <p:spPr>
+              <a:xfrm>
+                <a:off x="838200" y="1825625"/>
+                <a:ext cx="6410325" cy="4546600"/>
+              </a:xfrm>
+            </p:spPr>
             <p:txBody>
               <a:bodyPr>
-                <a:normAutofit fontScale="55000" lnSpcReduction="20000"/>
+                <a:normAutofit/>
               </a:bodyPr>
               <a:lstStyle/>
               <a:p>
@@ -13687,20 +13710,7 @@
                       <a:schemeClr val="accent1"/>
                     </a:solidFill>
                   </a:rPr>
-                  <a:t>algorithm </a:t>
-                </a:r>
-              </a:p>
-              <a:p>
-                <a:pPr marL="0" indent="0">
-                  <a:buNone/>
-                </a:pPr>
-                <a:r>
-                  <a:rPr lang="en-US" sz="2000" dirty="0">
-                    <a:solidFill>
-                      <a:schemeClr val="accent1"/>
-                    </a:solidFill>
-                  </a:rPr>
-                  <a:t>as it is where most of the computational power is spent.</a:t>
+                  <a:t>algorithm as it is where most of the computational power is spent.</a:t>
                 </a:r>
               </a:p>
               <a:p>
@@ -13881,18 +13891,21 @@
                   </a:rPr>
                   <a:t>are </a:t>
                 </a:r>
-              </a:p>
-              <a:p>
-                <a:pPr marL="0" indent="0">
-                  <a:buNone/>
-                </a:pPr>
+                <a:r>
+                  <a:rPr lang="en-US" sz="2000" b="1" i="1" dirty="0">
+                    <a:solidFill>
+                      <a:srgbClr val="FF0000"/>
+                    </a:solidFill>
+                  </a:rPr>
+                  <a:t>already sorted</a:t>
+                </a:r>
                 <a:r>
                   <a:rPr lang="en-US" sz="2000" dirty="0">
                     <a:solidFill>
                       <a:schemeClr val="accent1"/>
                     </a:solidFill>
                   </a:rPr>
-                  <a:t>already sorted. </a:t>
+                  <a:t>. </a:t>
                 </a:r>
               </a:p>
               <a:p>
@@ -14039,13 +14052,8 @@
                       <a:schemeClr val="accent1"/>
                     </a:solidFill>
                   </a:rPr>
-                  <a:t> and the</a:t>
-                </a:r>
-              </a:p>
-              <a:p>
-                <a:pPr marL="0" indent="0">
-                  <a:buNone/>
-                </a:pPr>
+                  <a:t> and the </a:t>
+                </a:r>
                 <a:r>
                   <a:rPr lang="en-US" sz="2000" b="1" i="1" dirty="0">
                     <a:solidFill>
@@ -14105,332 +14113,6 @@
                   <a:buNone/>
                 </a:pPr>
                 <a:endParaRPr lang="en-US" sz="2000" dirty="0">
-                  <a:solidFill>
-                    <a:schemeClr val="accent1"/>
-                  </a:solidFill>
-                </a:endParaRPr>
-              </a:p>
-              <a:p>
-                <a:pPr marL="0" indent="0">
-                  <a:buNone/>
-                </a:pPr>
-                <a:r>
-                  <a:rPr lang="en-US" sz="2000" dirty="0">
-                    <a:solidFill>
-                      <a:schemeClr val="accent1"/>
-                    </a:solidFill>
-                  </a:rPr>
-                  <a:t>New arrays </a:t>
-                </a:r>
-                <a14:m>
-                  <m:oMath xmlns:m="http://schemas.openxmlformats.org/officeDocument/2006/math">
-                    <m:r>
-                      <a:rPr lang="en-US" sz="2000" b="0" i="1" smtClean="0">
-                        <a:solidFill>
-                          <a:schemeClr val="tx1"/>
-                        </a:solidFill>
-                        <a:latin typeface="Cambria Math" panose="02040503050406030204" pitchFamily="18" charset="0"/>
-                      </a:rPr>
-                      <m:t>𝐿</m:t>
-                    </m:r>
-                  </m:oMath>
-                </a14:m>
-                <a:r>
-                  <a:rPr lang="en-US" sz="2000" dirty="0">
-                    <a:solidFill>
-                      <a:schemeClr val="accent1"/>
-                    </a:solidFill>
-                  </a:rPr>
-                  <a:t> and </a:t>
-                </a:r>
-                <a14:m>
-                  <m:oMath xmlns:m="http://schemas.openxmlformats.org/officeDocument/2006/math">
-                    <m:r>
-                      <a:rPr lang="en-US" sz="2000" b="0" i="1" smtClean="0">
-                        <a:solidFill>
-                          <a:schemeClr val="tx1"/>
-                        </a:solidFill>
-                        <a:latin typeface="Cambria Math" panose="02040503050406030204" pitchFamily="18" charset="0"/>
-                      </a:rPr>
-                      <m:t>𝑅</m:t>
-                    </m:r>
-                  </m:oMath>
-                </a14:m>
-                <a:r>
-                  <a:rPr lang="en-US" sz="2000" dirty="0">
-                    <a:solidFill>
-                      <a:schemeClr val="accent1"/>
-                    </a:solidFill>
-                  </a:rPr>
-                  <a:t> are created to hold the left-half and the right</a:t>
-                </a:r>
-              </a:p>
-              <a:p>
-                <a:pPr marL="0" indent="0">
-                  <a:buNone/>
-                </a:pPr>
-                <a:r>
-                  <a:rPr lang="en-US" sz="2000" dirty="0">
-                    <a:solidFill>
-                      <a:schemeClr val="accent1"/>
-                    </a:solidFill>
-                  </a:rPr>
-                  <a:t>-half subarrays, respectively. (</a:t>
-                </a:r>
-                <a:r>
-                  <a:rPr lang="en-US" sz="2000" b="1" i="1" dirty="0">
-                    <a:solidFill>
-                      <a:srgbClr val="FF0000"/>
-                    </a:solidFill>
-                  </a:rPr>
-                  <a:t>Lines 4 -9</a:t>
-                </a:r>
-                <a:r>
-                  <a:rPr lang="en-US" sz="2000" dirty="0">
-                    <a:solidFill>
-                      <a:schemeClr val="accent1"/>
-                    </a:solidFill>
-                  </a:rPr>
-                  <a:t>)</a:t>
-                </a:r>
-              </a:p>
-              <a:p>
-                <a:pPr marL="0" indent="0">
-                  <a:buNone/>
-                </a:pPr>
-                <a:endParaRPr lang="en-US" sz="2000" dirty="0">
-                  <a:solidFill>
-                    <a:schemeClr val="accent1"/>
-                  </a:solidFill>
-                </a:endParaRPr>
-              </a:p>
-              <a:p>
-                <a:pPr marL="0" indent="0">
-                  <a:buNone/>
-                </a:pPr>
-                <a:r>
-                  <a:rPr lang="en-US" sz="2000" dirty="0">
-                    <a:solidFill>
-                      <a:schemeClr val="accent1"/>
-                    </a:solidFill>
-                  </a:rPr>
-                  <a:t>The so called </a:t>
-                </a:r>
-                <a:r>
-                  <a:rPr lang="en-US" sz="2000" b="1" i="1" dirty="0">
-                    <a:solidFill>
-                      <a:srgbClr val="FF0000"/>
-                    </a:solidFill>
-                  </a:rPr>
-                  <a:t>two-finger</a:t>
-                </a:r>
-                <a:r>
-                  <a:rPr lang="en-US" sz="2000" dirty="0">
-                    <a:solidFill>
-                      <a:schemeClr val="accent1"/>
-                    </a:solidFill>
-                  </a:rPr>
-                  <a:t> algorithm is used to compare and merge</a:t>
-                </a:r>
-              </a:p>
-              <a:p>
-                <a:pPr marL="0" indent="0">
-                  <a:buNone/>
-                </a:pPr>
-                <a:r>
-                  <a:rPr lang="en-US" sz="2000" dirty="0">
-                    <a:solidFill>
-                      <a:schemeClr val="accent1"/>
-                    </a:solidFill>
-                  </a:rPr>
-                  <a:t>the two subarrays. (</a:t>
-                </a:r>
-                <a:r>
-                  <a:rPr lang="en-US" sz="2000" b="1" i="1" dirty="0">
-                    <a:solidFill>
-                      <a:srgbClr val="FF0000"/>
-                    </a:solidFill>
-                  </a:rPr>
-                  <a:t>Lines 14-20</a:t>
-                </a:r>
-                <a:r>
-                  <a:rPr lang="en-US" sz="2000" dirty="0">
-                    <a:solidFill>
-                      <a:schemeClr val="accent1"/>
-                    </a:solidFill>
-                  </a:rPr>
-                  <a:t>)</a:t>
-                </a:r>
-              </a:p>
-              <a:p>
-                <a:pPr lvl="1"/>
-                <a:r>
-                  <a:rPr lang="en-US" sz="1600" dirty="0">
-                    <a:solidFill>
-                      <a:schemeClr val="accent1"/>
-                    </a:solidFill>
-                  </a:rPr>
-                  <a:t>The </a:t>
-                </a:r>
-                <a:r>
-                  <a:rPr lang="en-US" sz="1600" b="1" i="1" dirty="0">
-                    <a:solidFill>
-                      <a:srgbClr val="FF0000"/>
-                    </a:solidFill>
-                  </a:rPr>
-                  <a:t>left finger </a:t>
-                </a:r>
-                <a:r>
-                  <a:rPr lang="en-US" sz="1600" dirty="0">
-                    <a:solidFill>
-                      <a:schemeClr val="accent1"/>
-                    </a:solidFill>
-                  </a:rPr>
-                  <a:t>points to the smallest element in the </a:t>
-                </a:r>
-                <a:r>
-                  <a:rPr lang="en-US" sz="1600" b="1" i="1" dirty="0">
-                    <a:solidFill>
-                      <a:srgbClr val="FF0000"/>
-                    </a:solidFill>
-                  </a:rPr>
-                  <a:t>left subarray </a:t>
-                </a:r>
-                <a14:m>
-                  <m:oMath xmlns:m="http://schemas.openxmlformats.org/officeDocument/2006/math">
-                    <m:r>
-                      <a:rPr lang="en-US" sz="1600" b="0" i="1" smtClean="0">
-                        <a:solidFill>
-                          <a:schemeClr val="tx1"/>
-                        </a:solidFill>
-                        <a:latin typeface="Cambria Math" panose="02040503050406030204" pitchFamily="18" charset="0"/>
-                      </a:rPr>
-                      <m:t>𝐿</m:t>
-                    </m:r>
-                  </m:oMath>
-                </a14:m>
-                <a:r>
-                  <a:rPr lang="en-US" sz="1600" dirty="0">
-                    <a:solidFill>
-                      <a:schemeClr val="accent1"/>
-                    </a:solidFill>
-                  </a:rPr>
-                  <a:t> that </a:t>
-                </a:r>
-              </a:p>
-              <a:p>
-                <a:pPr marL="457200" lvl="1" indent="0">
-                  <a:buNone/>
-                </a:pPr>
-                <a:r>
-                  <a:rPr lang="en-US" sz="1600" dirty="0">
-                    <a:solidFill>
-                      <a:schemeClr val="accent1"/>
-                    </a:solidFill>
-                  </a:rPr>
-                  <a:t>has not been copied back to </a:t>
-                </a:r>
-                <a14:m>
-                  <m:oMath xmlns:m="http://schemas.openxmlformats.org/officeDocument/2006/math">
-                    <m:r>
-                      <a:rPr lang="en-US" sz="1600" b="0" i="1" smtClean="0">
-                        <a:solidFill>
-                          <a:schemeClr val="tx1"/>
-                        </a:solidFill>
-                        <a:latin typeface="Cambria Math" panose="02040503050406030204" pitchFamily="18" charset="0"/>
-                      </a:rPr>
-                      <m:t>𝐴</m:t>
-                    </m:r>
-                  </m:oMath>
-                </a14:m>
-                <a:endParaRPr lang="en-US" sz="1600" dirty="0">
-                  <a:solidFill>
-                    <a:schemeClr val="accent1"/>
-                  </a:solidFill>
-                </a:endParaRPr>
-              </a:p>
-              <a:p>
-                <a:pPr lvl="1"/>
-                <a:r>
-                  <a:rPr lang="en-US" sz="1600" dirty="0">
-                    <a:solidFill>
-                      <a:schemeClr val="accent1"/>
-                    </a:solidFill>
-                  </a:rPr>
-                  <a:t>The </a:t>
-                </a:r>
-                <a:r>
-                  <a:rPr lang="en-US" sz="1600" b="1" i="1" dirty="0">
-                    <a:solidFill>
-                      <a:srgbClr val="FF0000"/>
-                    </a:solidFill>
-                  </a:rPr>
-                  <a:t>right finger </a:t>
-                </a:r>
-                <a:r>
-                  <a:rPr lang="en-US" sz="1600" dirty="0">
-                    <a:solidFill>
-                      <a:schemeClr val="accent1"/>
-                    </a:solidFill>
-                  </a:rPr>
-                  <a:t>points to the smallest element in the </a:t>
-                </a:r>
-                <a:r>
-                  <a:rPr lang="en-US" sz="1600" b="1" i="1" dirty="0">
-                    <a:solidFill>
-                      <a:srgbClr val="FF0000"/>
-                    </a:solidFill>
-                  </a:rPr>
-                  <a:t>right subarray </a:t>
-                </a:r>
-                <a14:m>
-                  <m:oMath xmlns:m="http://schemas.openxmlformats.org/officeDocument/2006/math">
-                    <m:r>
-                      <a:rPr lang="en-US" sz="1600" b="0" i="1" smtClean="0">
-                        <a:solidFill>
-                          <a:schemeClr val="tx1"/>
-                        </a:solidFill>
-                        <a:latin typeface="Cambria Math" panose="02040503050406030204" pitchFamily="18" charset="0"/>
-                      </a:rPr>
-                      <m:t>𝑅</m:t>
-                    </m:r>
-                  </m:oMath>
-                </a14:m>
-                <a:r>
-                  <a:rPr lang="en-US" sz="1600" dirty="0">
-                    <a:solidFill>
-                      <a:schemeClr val="accent1"/>
-                    </a:solidFill>
-                  </a:rPr>
-                  <a:t> that </a:t>
-                </a:r>
-              </a:p>
-              <a:p>
-                <a:pPr marL="457200" lvl="1" indent="0">
-                  <a:buNone/>
-                </a:pPr>
-                <a:r>
-                  <a:rPr lang="en-US" sz="1600" dirty="0">
-                    <a:solidFill>
-                      <a:schemeClr val="accent1"/>
-                    </a:solidFill>
-                  </a:rPr>
-                  <a:t>has not been copied back to </a:t>
-                </a:r>
-                <a14:m>
-                  <m:oMath xmlns:m="http://schemas.openxmlformats.org/officeDocument/2006/math">
-                    <m:r>
-                      <a:rPr lang="en-US" sz="1600" b="0" i="1" smtClean="0">
-                        <a:solidFill>
-                          <a:schemeClr val="tx1"/>
-                        </a:solidFill>
-                        <a:latin typeface="Cambria Math" panose="02040503050406030204" pitchFamily="18" charset="0"/>
-                      </a:rPr>
-                      <m:t>𝐴</m:t>
-                    </m:r>
-                  </m:oMath>
-                </a14:m>
-                <a:endParaRPr lang="en-US" sz="1600" dirty="0">
                   <a:solidFill>
                     <a:schemeClr val="accent1"/>
                   </a:solidFill>
@@ -14449,7 +14131,7 @@
             </p:txBody>
           </p:sp>
         </mc:Choice>
-        <mc:Fallback xmlns="">
+        <mc:Fallback>
           <p:sp>
             <p:nvSpPr>
               <p:cNvPr id="3" name="Content Placeholder 2">
@@ -14467,10 +14149,14 @@
               </p:nvPr>
             </p:nvSpPr>
             <p:spPr>
+              <a:xfrm>
+                <a:off x="838200" y="1825625"/>
+                <a:ext cx="6410325" cy="4546600"/>
+              </a:xfrm>
               <a:blipFill>
                 <a:blip r:embed="rId2"/>
                 <a:stretch>
-                  <a:fillRect t="-1120"/>
+                  <a:fillRect l="-1047" t="-1340" r="-761"/>
                 </a:stretch>
               </a:blipFill>
             </p:spPr>
@@ -15018,6 +14704,484 @@
           <p:cNvPr id="2" name="Title 1">
             <a:extLst>
               <a:ext uri="{FF2B5EF4-FFF2-40B4-BE49-F238E27FC236}">
+                <a16:creationId xmlns:a16="http://schemas.microsoft.com/office/drawing/2014/main" id="{6F83B5D4-397F-4AE9-A075-966E142BE341}"/>
+              </a:ext>
+            </a:extLst>
+          </p:cNvPr>
+          <p:cNvSpPr>
+            <a:spLocks noGrp="1"/>
+          </p:cNvSpPr>
+          <p:nvPr>
+            <p:ph type="title"/>
+          </p:nvPr>
+        </p:nvSpPr>
+        <p:spPr/>
+        <p:txBody>
+          <a:bodyPr/>
+          <a:lstStyle/>
+          <a:p>
+            <a:r>
+              <a:rPr lang="en-US" dirty="0">
+                <a:solidFill>
+                  <a:schemeClr val="accent1"/>
+                </a:solidFill>
+              </a:rPr>
+              <a:t>Merge Sort: Merge </a:t>
+            </a:r>
+          </a:p>
+        </p:txBody>
+      </p:sp>
+      <mc:AlternateContent xmlns:mc="http://schemas.openxmlformats.org/markup-compatibility/2006">
+        <mc:Choice xmlns:a14="http://schemas.microsoft.com/office/drawing/2010/main" Requires="a14">
+          <p:sp>
+            <p:nvSpPr>
+              <p:cNvPr id="3" name="Content Placeholder 2">
+                <a:extLst>
+                  <a:ext uri="{FF2B5EF4-FFF2-40B4-BE49-F238E27FC236}">
+                    <a16:creationId xmlns:a16="http://schemas.microsoft.com/office/drawing/2014/main" id="{E850A90B-20B5-4B21-85BF-95E36FC41990}"/>
+                  </a:ext>
+                </a:extLst>
+              </p:cNvPr>
+              <p:cNvSpPr>
+                <a:spLocks noGrp="1"/>
+              </p:cNvSpPr>
+              <p:nvPr>
+                <p:ph idx="1"/>
+              </p:nvPr>
+            </p:nvSpPr>
+            <p:spPr>
+              <a:xfrm>
+                <a:off x="838201" y="1825625"/>
+                <a:ext cx="6610350" cy="4667250"/>
+              </a:xfrm>
+            </p:spPr>
+            <p:txBody>
+              <a:bodyPr>
+                <a:normAutofit/>
+              </a:bodyPr>
+              <a:lstStyle/>
+              <a:p>
+                <a:pPr marL="0" indent="0">
+                  <a:buNone/>
+                </a:pPr>
+                <a:r>
+                  <a:rPr lang="en-US" sz="2000" b="1" i="1" dirty="0">
+                    <a:solidFill>
+                      <a:srgbClr val="FF0000"/>
+                    </a:solidFill>
+                  </a:rPr>
+                  <a:t>Auxiliary arrays </a:t>
+                </a:r>
+                <a14:m>
+                  <m:oMath xmlns:m="http://schemas.openxmlformats.org/officeDocument/2006/math">
+                    <m:r>
+                      <a:rPr lang="en-US" sz="2000" b="0" i="1" smtClean="0">
+                        <a:solidFill>
+                          <a:schemeClr val="tx1"/>
+                        </a:solidFill>
+                        <a:latin typeface="Cambria Math" panose="02040503050406030204" pitchFamily="18" charset="0"/>
+                      </a:rPr>
+                      <m:t>𝐿</m:t>
+                    </m:r>
+                  </m:oMath>
+                </a14:m>
+                <a:r>
+                  <a:rPr lang="en-US" sz="2000" dirty="0">
+                    <a:solidFill>
+                      <a:schemeClr val="accent1"/>
+                    </a:solidFill>
+                  </a:rPr>
+                  <a:t> and </a:t>
+                </a:r>
+                <a14:m>
+                  <m:oMath xmlns:m="http://schemas.openxmlformats.org/officeDocument/2006/math">
+                    <m:r>
+                      <a:rPr lang="en-US" sz="2000" b="0" i="1" smtClean="0">
+                        <a:solidFill>
+                          <a:schemeClr val="tx1"/>
+                        </a:solidFill>
+                        <a:latin typeface="Cambria Math" panose="02040503050406030204" pitchFamily="18" charset="0"/>
+                      </a:rPr>
+                      <m:t>𝑅</m:t>
+                    </m:r>
+                  </m:oMath>
+                </a14:m>
+                <a:r>
+                  <a:rPr lang="en-US" sz="2000" dirty="0">
+                    <a:solidFill>
+                      <a:schemeClr val="accent1"/>
+                    </a:solidFill>
+                  </a:rPr>
+                  <a:t> are created to hold the left-half and the right-half subarrays, respectively. (</a:t>
+                </a:r>
+                <a:r>
+                  <a:rPr lang="en-US" sz="2000" b="1" i="1" dirty="0">
+                    <a:solidFill>
+                      <a:srgbClr val="FF0000"/>
+                    </a:solidFill>
+                  </a:rPr>
+                  <a:t>Lines 4 -9</a:t>
+                </a:r>
+                <a:r>
+                  <a:rPr lang="en-US" sz="2000" dirty="0">
+                    <a:solidFill>
+                      <a:schemeClr val="accent1"/>
+                    </a:solidFill>
+                  </a:rPr>
+                  <a:t>)</a:t>
+                </a:r>
+              </a:p>
+              <a:p>
+                <a:pPr marL="0" indent="0">
+                  <a:buNone/>
+                </a:pPr>
+                <a:endParaRPr lang="en-US" sz="2000" dirty="0">
+                  <a:solidFill>
+                    <a:schemeClr val="accent1"/>
+                  </a:solidFill>
+                </a:endParaRPr>
+              </a:p>
+              <a:p>
+                <a:pPr marL="0" indent="0">
+                  <a:buNone/>
+                </a:pPr>
+                <a:r>
+                  <a:rPr lang="en-US" sz="2000" dirty="0">
+                    <a:solidFill>
+                      <a:schemeClr val="accent1"/>
+                    </a:solidFill>
+                  </a:rPr>
+                  <a:t>The so called </a:t>
+                </a:r>
+                <a:r>
+                  <a:rPr lang="en-US" sz="2000" b="1" i="1" dirty="0">
+                    <a:solidFill>
+                      <a:srgbClr val="FF0000"/>
+                    </a:solidFill>
+                  </a:rPr>
+                  <a:t>two-finger</a:t>
+                </a:r>
+                <a:r>
+                  <a:rPr lang="en-US" sz="2000" dirty="0">
+                    <a:solidFill>
+                      <a:schemeClr val="accent1"/>
+                    </a:solidFill>
+                  </a:rPr>
+                  <a:t> algorithm is used to compare and merge the two subarrays. (</a:t>
+                </a:r>
+                <a:r>
+                  <a:rPr lang="en-US" sz="2000" b="1" i="1" dirty="0">
+                    <a:solidFill>
+                      <a:srgbClr val="FF0000"/>
+                    </a:solidFill>
+                  </a:rPr>
+                  <a:t>Lines 14-20</a:t>
+                </a:r>
+                <a:r>
+                  <a:rPr lang="en-US" sz="2000" dirty="0">
+                    <a:solidFill>
+                      <a:schemeClr val="accent1"/>
+                    </a:solidFill>
+                  </a:rPr>
+                  <a:t>)</a:t>
+                </a:r>
+              </a:p>
+              <a:p>
+                <a:pPr marL="0" indent="0">
+                  <a:buNone/>
+                </a:pPr>
+                <a:endParaRPr lang="en-US" sz="2000" dirty="0">
+                  <a:solidFill>
+                    <a:schemeClr val="accent1"/>
+                  </a:solidFill>
+                </a:endParaRPr>
+              </a:p>
+              <a:p>
+                <a:pPr lvl="1"/>
+                <a:r>
+                  <a:rPr lang="en-US" sz="2000" dirty="0">
+                    <a:solidFill>
+                      <a:schemeClr val="accent1"/>
+                    </a:solidFill>
+                  </a:rPr>
+                  <a:t>The </a:t>
+                </a:r>
+                <a:r>
+                  <a:rPr lang="en-US" sz="2000" b="1" i="1" dirty="0">
+                    <a:solidFill>
+                      <a:srgbClr val="FF0000"/>
+                    </a:solidFill>
+                  </a:rPr>
+                  <a:t>left finger </a:t>
+                </a:r>
+                <a:r>
+                  <a:rPr lang="en-US" sz="2000" dirty="0">
+                    <a:solidFill>
+                      <a:schemeClr val="accent1"/>
+                    </a:solidFill>
+                  </a:rPr>
+                  <a:t>points to the smallest element in the </a:t>
+                </a:r>
+                <a:r>
+                  <a:rPr lang="en-US" sz="2000" b="1" i="1" dirty="0">
+                    <a:solidFill>
+                      <a:srgbClr val="FF0000"/>
+                    </a:solidFill>
+                  </a:rPr>
+                  <a:t>left subarray </a:t>
+                </a:r>
+                <a14:m>
+                  <m:oMath xmlns:m="http://schemas.openxmlformats.org/officeDocument/2006/math">
+                    <m:r>
+                      <a:rPr lang="en-US" sz="2000" b="0" i="1" smtClean="0">
+                        <a:solidFill>
+                          <a:schemeClr val="tx1"/>
+                        </a:solidFill>
+                        <a:latin typeface="Cambria Math" panose="02040503050406030204" pitchFamily="18" charset="0"/>
+                      </a:rPr>
+                      <m:t>𝐿</m:t>
+                    </m:r>
+                  </m:oMath>
+                </a14:m>
+                <a:r>
+                  <a:rPr lang="en-US" sz="2000" dirty="0">
+                    <a:solidFill>
+                      <a:schemeClr val="accent1"/>
+                    </a:solidFill>
+                  </a:rPr>
+                  <a:t> that has not been copied back to </a:t>
+                </a:r>
+                <a14:m>
+                  <m:oMath xmlns:m="http://schemas.openxmlformats.org/officeDocument/2006/math">
+                    <m:r>
+                      <a:rPr lang="en-US" sz="2000" b="0" i="1" smtClean="0">
+                        <a:solidFill>
+                          <a:schemeClr val="tx1"/>
+                        </a:solidFill>
+                        <a:latin typeface="Cambria Math" panose="02040503050406030204" pitchFamily="18" charset="0"/>
+                      </a:rPr>
+                      <m:t>𝐴</m:t>
+                    </m:r>
+                  </m:oMath>
+                </a14:m>
+                <a:endParaRPr lang="en-US" sz="2000" dirty="0">
+                  <a:solidFill>
+                    <a:schemeClr val="accent1"/>
+                  </a:solidFill>
+                </a:endParaRPr>
+              </a:p>
+              <a:p>
+                <a:pPr marL="457200" lvl="1" indent="0">
+                  <a:buNone/>
+                </a:pPr>
+                <a:endParaRPr lang="en-US" sz="2000" dirty="0">
+                  <a:solidFill>
+                    <a:schemeClr val="accent1"/>
+                  </a:solidFill>
+                </a:endParaRPr>
+              </a:p>
+              <a:p>
+                <a:pPr lvl="1"/>
+                <a:r>
+                  <a:rPr lang="en-US" sz="2000" dirty="0">
+                    <a:solidFill>
+                      <a:schemeClr val="accent1"/>
+                    </a:solidFill>
+                  </a:rPr>
+                  <a:t>The </a:t>
+                </a:r>
+                <a:r>
+                  <a:rPr lang="en-US" sz="2000" b="1" i="1" dirty="0">
+                    <a:solidFill>
+                      <a:srgbClr val="FF0000"/>
+                    </a:solidFill>
+                  </a:rPr>
+                  <a:t>right finger </a:t>
+                </a:r>
+                <a:r>
+                  <a:rPr lang="en-US" sz="2000" dirty="0">
+                    <a:solidFill>
+                      <a:schemeClr val="accent1"/>
+                    </a:solidFill>
+                  </a:rPr>
+                  <a:t>points to the smallest element in the </a:t>
+                </a:r>
+                <a:r>
+                  <a:rPr lang="en-US" sz="2000" b="1" i="1" dirty="0">
+                    <a:solidFill>
+                      <a:srgbClr val="FF0000"/>
+                    </a:solidFill>
+                  </a:rPr>
+                  <a:t>right subarray </a:t>
+                </a:r>
+                <a14:m>
+                  <m:oMath xmlns:m="http://schemas.openxmlformats.org/officeDocument/2006/math">
+                    <m:r>
+                      <a:rPr lang="en-US" sz="2000" b="0" i="1" smtClean="0">
+                        <a:solidFill>
+                          <a:schemeClr val="tx1"/>
+                        </a:solidFill>
+                        <a:latin typeface="Cambria Math" panose="02040503050406030204" pitchFamily="18" charset="0"/>
+                      </a:rPr>
+                      <m:t>𝑅</m:t>
+                    </m:r>
+                  </m:oMath>
+                </a14:m>
+                <a:r>
+                  <a:rPr lang="en-US" sz="2000" dirty="0">
+                    <a:solidFill>
+                      <a:schemeClr val="accent1"/>
+                    </a:solidFill>
+                  </a:rPr>
+                  <a:t> that has not been copied back to </a:t>
+                </a:r>
+                <a14:m>
+                  <m:oMath xmlns:m="http://schemas.openxmlformats.org/officeDocument/2006/math">
+                    <m:r>
+                      <a:rPr lang="en-US" sz="2000" b="0" i="1" smtClean="0">
+                        <a:solidFill>
+                          <a:schemeClr val="tx1"/>
+                        </a:solidFill>
+                        <a:latin typeface="Cambria Math" panose="02040503050406030204" pitchFamily="18" charset="0"/>
+                      </a:rPr>
+                      <m:t>𝐴</m:t>
+                    </m:r>
+                  </m:oMath>
+                </a14:m>
+                <a:endParaRPr lang="en-US" sz="2000" dirty="0">
+                  <a:solidFill>
+                    <a:schemeClr val="accent1"/>
+                  </a:solidFill>
+                </a:endParaRPr>
+              </a:p>
+              <a:p>
+                <a:pPr marL="457200" lvl="1" indent="0">
+                  <a:buNone/>
+                </a:pPr>
+                <a:endParaRPr lang="en-US" sz="1600" dirty="0">
+                  <a:solidFill>
+                    <a:schemeClr val="accent1"/>
+                  </a:solidFill>
+                </a:endParaRPr>
+              </a:p>
+            </p:txBody>
+          </p:sp>
+        </mc:Choice>
+        <mc:Fallback>
+          <p:sp>
+            <p:nvSpPr>
+              <p:cNvPr id="3" name="Content Placeholder 2">
+                <a:extLst>
+                  <a:ext uri="{FF2B5EF4-FFF2-40B4-BE49-F238E27FC236}">
+                    <a16:creationId xmlns:a16="http://schemas.microsoft.com/office/drawing/2014/main" id="{E850A90B-20B5-4B21-85BF-95E36FC41990}"/>
+                  </a:ext>
+                </a:extLst>
+              </p:cNvPr>
+              <p:cNvSpPr>
+                <a:spLocks noGrp="1" noRot="1" noChangeAspect="1" noMove="1" noResize="1" noEditPoints="1" noAdjustHandles="1" noChangeArrowheads="1" noChangeShapeType="1" noTextEdit="1"/>
+              </p:cNvSpPr>
+              <p:nvPr>
+                <p:ph idx="1"/>
+              </p:nvPr>
+            </p:nvSpPr>
+            <p:spPr>
+              <a:xfrm>
+                <a:off x="838201" y="1825625"/>
+                <a:ext cx="6610350" cy="4667250"/>
+              </a:xfrm>
+              <a:blipFill>
+                <a:blip r:embed="rId2"/>
+                <a:stretch>
+                  <a:fillRect l="-1015" t="-1305"/>
+                </a:stretch>
+              </a:blipFill>
+            </p:spPr>
+            <p:txBody>
+              <a:bodyPr/>
+              <a:lstStyle/>
+              <a:p>
+                <a:r>
+                  <a:rPr lang="en-US">
+                    <a:noFill/>
+                  </a:rPr>
+                  <a:t> </a:t>
+                </a:r>
+              </a:p>
+            </p:txBody>
+          </p:sp>
+        </mc:Fallback>
+      </mc:AlternateContent>
+      <p:pic>
+        <p:nvPicPr>
+          <p:cNvPr id="5" name="Picture 4">
+            <a:extLst>
+              <a:ext uri="{FF2B5EF4-FFF2-40B4-BE49-F238E27FC236}">
+                <a16:creationId xmlns:a16="http://schemas.microsoft.com/office/drawing/2014/main" id="{B6C39C51-4731-4814-BF0C-6A6B5E354271}"/>
+              </a:ext>
+            </a:extLst>
+          </p:cNvPr>
+          <p:cNvPicPr>
+            <a:picLocks noChangeAspect="1"/>
+          </p:cNvPicPr>
+          <p:nvPr/>
+        </p:nvPicPr>
+        <p:blipFill>
+          <a:blip r:embed="rId3">
+            <a:extLst>
+              <a:ext uri="{28A0092B-C50C-407E-A947-70E740481C1C}">
+                <a14:useLocalDpi xmlns:a14="http://schemas.microsoft.com/office/drawing/2010/main" val="0"/>
+              </a:ext>
+            </a:extLst>
+          </a:blip>
+          <a:stretch>
+            <a:fillRect/>
+          </a:stretch>
+        </p:blipFill>
+        <p:spPr>
+          <a:xfrm>
+            <a:off x="7886700" y="586654"/>
+            <a:ext cx="3771900" cy="6125644"/>
+          </a:xfrm>
+          <a:prstGeom prst="rect">
+            <a:avLst/>
+          </a:prstGeom>
+        </p:spPr>
+      </p:pic>
+    </p:spTree>
+    <p:extLst>
+      <p:ext uri="{BB962C8B-B14F-4D97-AF65-F5344CB8AC3E}">
+        <p14:creationId xmlns:p14="http://schemas.microsoft.com/office/powerpoint/2010/main" val="3193562405"/>
+      </p:ext>
+    </p:extLst>
+  </p:cSld>
+  <p:clrMapOvr>
+    <a:masterClrMapping/>
+  </p:clrMapOvr>
+</p:sld>
+</file>
+
+<file path=ppt/slides/slide31.xml><?xml version="1.0" encoding="utf-8"?>
+<p:sld xmlns:a="http://schemas.openxmlformats.org/drawingml/2006/main" xmlns:r="http://schemas.openxmlformats.org/officeDocument/2006/relationships" xmlns:p="http://schemas.openxmlformats.org/presentationml/2006/main">
+  <p:cSld>
+    <p:spTree>
+      <p:nvGrpSpPr>
+        <p:cNvPr id="1" name=""/>
+        <p:cNvGrpSpPr/>
+        <p:nvPr/>
+      </p:nvGrpSpPr>
+      <p:grpSpPr>
+        <a:xfrm>
+          <a:off x="0" y="0"/>
+          <a:ext cx="0" cy="0"/>
+          <a:chOff x="0" y="0"/>
+          <a:chExt cx="0" cy="0"/>
+        </a:xfrm>
+      </p:grpSpPr>
+      <p:sp>
+        <p:nvSpPr>
+          <p:cNvPr id="2" name="Title 1">
+            <a:extLst>
+              <a:ext uri="{FF2B5EF4-FFF2-40B4-BE49-F238E27FC236}">
                 <a16:creationId xmlns:a16="http://schemas.microsoft.com/office/drawing/2014/main" id="{735F1D2F-6388-4578-9FEC-CE613EA47898}"/>
               </a:ext>
             </a:extLst>
@@ -15693,7 +15857,7 @@
 </p:sld>
 </file>
 
-<file path=ppt/slides/slide31.xml><?xml version="1.0" encoding="utf-8"?>
+<file path=ppt/slides/slide32.xml><?xml version="1.0" encoding="utf-8"?>
 <p:sld xmlns:a="http://schemas.openxmlformats.org/drawingml/2006/main" xmlns:r="http://schemas.openxmlformats.org/officeDocument/2006/relationships" xmlns:p="http://schemas.openxmlformats.org/presentationml/2006/main">
   <p:cSld>
     <p:spTree>
@@ -16208,1047 +16372,6 @@
     <p:extLst>
       <p:ext uri="{BB962C8B-B14F-4D97-AF65-F5344CB8AC3E}">
         <p14:creationId xmlns:p14="http://schemas.microsoft.com/office/powerpoint/2010/main" val="2042575691"/>
-      </p:ext>
-    </p:extLst>
-  </p:cSld>
-  <p:clrMapOvr>
-    <a:masterClrMapping/>
-  </p:clrMapOvr>
-</p:sld>
-</file>
-
-<file path=ppt/slides/slide32.xml><?xml version="1.0" encoding="utf-8"?>
-<p:sld xmlns:a="http://schemas.openxmlformats.org/drawingml/2006/main" xmlns:r="http://schemas.openxmlformats.org/officeDocument/2006/relationships" xmlns:p="http://schemas.openxmlformats.org/presentationml/2006/main">
-  <p:cSld>
-    <p:spTree>
-      <p:nvGrpSpPr>
-        <p:cNvPr id="1" name=""/>
-        <p:cNvGrpSpPr/>
-        <p:nvPr/>
-      </p:nvGrpSpPr>
-      <p:grpSpPr>
-        <a:xfrm>
-          <a:off x="0" y="0"/>
-          <a:ext cx="0" cy="0"/>
-          <a:chOff x="0" y="0"/>
-          <a:chExt cx="0" cy="0"/>
-        </a:xfrm>
-      </p:grpSpPr>
-      <p:sp>
-        <p:nvSpPr>
-          <p:cNvPr id="2" name="Title 1">
-            <a:extLst>
-              <a:ext uri="{FF2B5EF4-FFF2-40B4-BE49-F238E27FC236}">
-                <a16:creationId xmlns:a16="http://schemas.microsoft.com/office/drawing/2014/main" id="{E5DA7BEB-5D48-4B40-B602-3CAA44838340}"/>
-              </a:ext>
-            </a:extLst>
-          </p:cNvPr>
-          <p:cNvSpPr>
-            <a:spLocks noGrp="1"/>
-          </p:cNvSpPr>
-          <p:nvPr>
-            <p:ph type="title"/>
-          </p:nvPr>
-        </p:nvSpPr>
-        <p:spPr/>
-        <p:txBody>
-          <a:bodyPr/>
-          <a:lstStyle/>
-          <a:p>
-            <a:r>
-              <a:rPr lang="en-US" dirty="0">
-                <a:solidFill>
-                  <a:schemeClr val="accent1"/>
-                </a:solidFill>
-              </a:rPr>
-              <a:t>Merge Sort: Proof of Correctness</a:t>
-            </a:r>
-            <a:endParaRPr lang="en-US" dirty="0"/>
-          </a:p>
-        </p:txBody>
-      </p:sp>
-      <mc:AlternateContent xmlns:mc="http://schemas.openxmlformats.org/markup-compatibility/2006">
-        <mc:Choice xmlns:a14="http://schemas.microsoft.com/office/drawing/2010/main" Requires="a14">
-          <p:sp>
-            <p:nvSpPr>
-              <p:cNvPr id="3" name="Content Placeholder 2">
-                <a:extLst>
-                  <a:ext uri="{FF2B5EF4-FFF2-40B4-BE49-F238E27FC236}">
-                    <a16:creationId xmlns:a16="http://schemas.microsoft.com/office/drawing/2014/main" id="{7FE052B4-7439-4F16-899A-E83CFEA19E57}"/>
-                  </a:ext>
-                </a:extLst>
-              </p:cNvPr>
-              <p:cNvSpPr>
-                <a:spLocks noGrp="1"/>
-              </p:cNvSpPr>
-              <p:nvPr>
-                <p:ph idx="1"/>
-              </p:nvPr>
-            </p:nvSpPr>
-            <p:spPr/>
-            <p:txBody>
-              <a:bodyPr>
-                <a:normAutofit fontScale="77500" lnSpcReduction="20000"/>
-              </a:bodyPr>
-              <a:lstStyle/>
-              <a:p>
-                <a:pPr marL="0" indent="0">
-                  <a:buNone/>
-                </a:pPr>
-                <a:r>
-                  <a:rPr lang="en-US" b="1" i="1" u="sng" dirty="0">
-                    <a:solidFill>
-                      <a:srgbClr val="FF0000"/>
-                    </a:solidFill>
-                  </a:rPr>
-                  <a:t>Maintenance</a:t>
-                </a:r>
-                <a:r>
-                  <a:rPr lang="en-US" b="1" i="1" dirty="0">
-                    <a:solidFill>
-                      <a:srgbClr val="FF0000"/>
-                    </a:solidFill>
-                  </a:rPr>
-                  <a:t>:</a:t>
-                </a:r>
-              </a:p>
-              <a:p>
-                <a:pPr marL="0" indent="0">
-                  <a:buNone/>
-                </a:pPr>
-                <a:r>
-                  <a:rPr lang="en-US" sz="2300" dirty="0">
-                    <a:solidFill>
-                      <a:schemeClr val="accent1"/>
-                    </a:solidFill>
-                  </a:rPr>
-                  <a:t>Consider</a:t>
-                </a:r>
-                <a:r>
-                  <a:rPr lang="en-US" sz="2300" b="1" i="1" dirty="0">
-                    <a:solidFill>
-                      <a:schemeClr val="accent1"/>
-                    </a:solidFill>
-                  </a:rPr>
-                  <a:t> </a:t>
-                </a:r>
-                <a:r>
-                  <a:rPr lang="en-US" sz="2300" dirty="0">
-                    <a:solidFill>
-                      <a:schemeClr val="accent1"/>
-                    </a:solidFill>
-                  </a:rPr>
-                  <a:t>the case </a:t>
-                </a:r>
-                <a14:m>
-                  <m:oMath xmlns:m="http://schemas.openxmlformats.org/officeDocument/2006/math">
-                    <m:r>
-                      <a:rPr lang="en-US" sz="2300" b="0" i="1" smtClean="0">
-                        <a:solidFill>
-                          <a:schemeClr val="tx1"/>
-                        </a:solidFill>
-                        <a:latin typeface="Cambria Math" panose="02040503050406030204" pitchFamily="18" charset="0"/>
-                      </a:rPr>
-                      <m:t>𝐿</m:t>
-                    </m:r>
-                    <m:d>
-                      <m:dPr>
-                        <m:begChr m:val="["/>
-                        <m:endChr m:val="]"/>
-                        <m:ctrlPr>
-                          <a:rPr lang="en-US" sz="2300" b="0" i="1" smtClean="0">
-                            <a:solidFill>
-                              <a:schemeClr val="tx1"/>
-                            </a:solidFill>
-                            <a:latin typeface="Cambria Math" panose="02040503050406030204" pitchFamily="18" charset="0"/>
-                          </a:rPr>
-                        </m:ctrlPr>
-                      </m:dPr>
-                      <m:e>
-                        <m:r>
-                          <a:rPr lang="en-US" sz="2300" b="0" i="1" smtClean="0">
-                            <a:solidFill>
-                              <a:schemeClr val="tx1"/>
-                            </a:solidFill>
-                            <a:latin typeface="Cambria Math" panose="02040503050406030204" pitchFamily="18" charset="0"/>
-                          </a:rPr>
-                          <m:t>𝑖</m:t>
-                        </m:r>
-                      </m:e>
-                    </m:d>
-                    <m:r>
-                      <a:rPr lang="en-US" sz="2300" b="0" i="1" smtClean="0">
-                        <a:solidFill>
-                          <a:schemeClr val="tx1"/>
-                        </a:solidFill>
-                        <a:latin typeface="Cambria Math" panose="02040503050406030204" pitchFamily="18" charset="0"/>
-                      </a:rPr>
-                      <m:t>≤</m:t>
-                    </m:r>
-                    <m:r>
-                      <a:rPr lang="en-US" sz="2300" b="0" i="1" smtClean="0">
-                        <a:solidFill>
-                          <a:schemeClr val="tx1"/>
-                        </a:solidFill>
-                        <a:latin typeface="Cambria Math" panose="02040503050406030204" pitchFamily="18" charset="0"/>
-                      </a:rPr>
-                      <m:t>𝑅</m:t>
-                    </m:r>
-                    <m:r>
-                      <a:rPr lang="en-US" sz="2300" b="0" i="1" smtClean="0">
-                        <a:solidFill>
-                          <a:schemeClr val="tx1"/>
-                        </a:solidFill>
-                        <a:latin typeface="Cambria Math" panose="02040503050406030204" pitchFamily="18" charset="0"/>
-                      </a:rPr>
-                      <m:t>[</m:t>
-                    </m:r>
-                    <m:r>
-                      <a:rPr lang="en-US" sz="2300" b="0" i="1" smtClean="0">
-                        <a:solidFill>
-                          <a:schemeClr val="tx1"/>
-                        </a:solidFill>
-                        <a:latin typeface="Cambria Math" panose="02040503050406030204" pitchFamily="18" charset="0"/>
-                      </a:rPr>
-                      <m:t>𝑗</m:t>
-                    </m:r>
-                    <m:r>
-                      <a:rPr lang="en-US" sz="2300" b="0" i="1" smtClean="0">
-                        <a:solidFill>
-                          <a:schemeClr val="tx1"/>
-                        </a:solidFill>
-                        <a:latin typeface="Cambria Math" panose="02040503050406030204" pitchFamily="18" charset="0"/>
-                      </a:rPr>
-                      <m:t>]</m:t>
-                    </m:r>
-                  </m:oMath>
-                </a14:m>
-                <a:r>
-                  <a:rPr lang="en-US" sz="2300" dirty="0">
-                    <a:solidFill>
-                      <a:schemeClr val="accent1"/>
-                    </a:solidFill>
-                  </a:rPr>
-                  <a:t>.</a:t>
-                </a:r>
-              </a:p>
-              <a:p>
-                <a:pPr marL="0" indent="0">
-                  <a:buNone/>
-                </a:pPr>
-                <a:endParaRPr lang="en-US" sz="2300" dirty="0">
-                  <a:solidFill>
-                    <a:schemeClr val="accent1"/>
-                  </a:solidFill>
-                </a:endParaRPr>
-              </a:p>
-              <a:p>
-                <a:pPr marL="0" indent="0">
-                  <a:buNone/>
-                </a:pPr>
-                <a:r>
-                  <a:rPr lang="en-US" sz="2300" dirty="0">
-                    <a:solidFill>
-                      <a:schemeClr val="accent1"/>
-                    </a:solidFill>
-                  </a:rPr>
-                  <a:t>By the loop invariant and the fact that </a:t>
-                </a:r>
-                <a14:m>
-                  <m:oMath xmlns:m="http://schemas.openxmlformats.org/officeDocument/2006/math">
-                    <m:r>
-                      <a:rPr lang="en-US" sz="2300" i="1">
-                        <a:latin typeface="Cambria Math" panose="02040503050406030204" pitchFamily="18" charset="0"/>
-                      </a:rPr>
-                      <m:t>𝐿</m:t>
-                    </m:r>
-                    <m:d>
-                      <m:dPr>
-                        <m:begChr m:val="["/>
-                        <m:endChr m:val="]"/>
-                        <m:ctrlPr>
-                          <a:rPr lang="en-US" sz="2300" i="1">
-                            <a:latin typeface="Cambria Math" panose="02040503050406030204" pitchFamily="18" charset="0"/>
-                          </a:rPr>
-                        </m:ctrlPr>
-                      </m:dPr>
-                      <m:e>
-                        <m:r>
-                          <a:rPr lang="en-US" sz="2300" i="1">
-                            <a:latin typeface="Cambria Math" panose="02040503050406030204" pitchFamily="18" charset="0"/>
-                          </a:rPr>
-                          <m:t>𝑖</m:t>
-                        </m:r>
-                      </m:e>
-                    </m:d>
-                    <m:r>
-                      <a:rPr lang="en-US" sz="2300" i="1">
-                        <a:latin typeface="Cambria Math" panose="02040503050406030204" pitchFamily="18" charset="0"/>
-                      </a:rPr>
-                      <m:t>≤</m:t>
-                    </m:r>
-                    <m:r>
-                      <a:rPr lang="en-US" sz="2300" i="1">
-                        <a:latin typeface="Cambria Math" panose="02040503050406030204" pitchFamily="18" charset="0"/>
-                      </a:rPr>
-                      <m:t>𝑅</m:t>
-                    </m:r>
-                    <m:r>
-                      <a:rPr lang="en-US" sz="2300" i="1">
-                        <a:latin typeface="Cambria Math" panose="02040503050406030204" pitchFamily="18" charset="0"/>
-                      </a:rPr>
-                      <m:t>[</m:t>
-                    </m:r>
-                    <m:r>
-                      <a:rPr lang="en-US" sz="2300" i="1">
-                        <a:latin typeface="Cambria Math" panose="02040503050406030204" pitchFamily="18" charset="0"/>
-                      </a:rPr>
-                      <m:t>𝑗</m:t>
-                    </m:r>
-                    <m:r>
-                      <a:rPr lang="en-US" sz="2300" i="1">
-                        <a:latin typeface="Cambria Math" panose="02040503050406030204" pitchFamily="18" charset="0"/>
-                      </a:rPr>
-                      <m:t>]</m:t>
-                    </m:r>
-                  </m:oMath>
-                </a14:m>
-                <a:r>
-                  <a:rPr lang="en-US" sz="2300" dirty="0">
-                    <a:solidFill>
-                      <a:schemeClr val="accent1"/>
-                    </a:solidFill>
-                  </a:rPr>
-                  <a:t>,   </a:t>
-                </a:r>
-                <a14:m>
-                  <m:oMath xmlns:m="http://schemas.openxmlformats.org/officeDocument/2006/math">
-                    <m:r>
-                      <a:rPr lang="en-US" sz="2300" b="0" i="1" smtClean="0">
-                        <a:solidFill>
-                          <a:schemeClr val="tx1"/>
-                        </a:solidFill>
-                        <a:latin typeface="Cambria Math" panose="02040503050406030204" pitchFamily="18" charset="0"/>
-                      </a:rPr>
-                      <m:t>𝐿</m:t>
-                    </m:r>
-                    <m:d>
-                      <m:dPr>
-                        <m:begChr m:val="["/>
-                        <m:endChr m:val="]"/>
-                        <m:ctrlPr>
-                          <a:rPr lang="en-US" sz="2300" b="0" i="1" smtClean="0">
-                            <a:solidFill>
-                              <a:schemeClr val="tx1"/>
-                            </a:solidFill>
-                            <a:latin typeface="Cambria Math" panose="02040503050406030204" pitchFamily="18" charset="0"/>
-                          </a:rPr>
-                        </m:ctrlPr>
-                      </m:dPr>
-                      <m:e>
-                        <m:r>
-                          <a:rPr lang="en-US" sz="2300" b="0" i="1" smtClean="0">
-                            <a:solidFill>
-                              <a:schemeClr val="tx1"/>
-                            </a:solidFill>
-                            <a:latin typeface="Cambria Math" panose="02040503050406030204" pitchFamily="18" charset="0"/>
-                          </a:rPr>
-                          <m:t>𝑖</m:t>
-                        </m:r>
-                      </m:e>
-                    </m:d>
-                  </m:oMath>
-                </a14:m>
-                <a:r>
-                  <a:rPr lang="en-US" sz="2300" dirty="0">
-                    <a:solidFill>
-                      <a:schemeClr val="accent1"/>
-                    </a:solidFill>
-                  </a:rPr>
-                  <a:t> is the smallest element not copied back to </a:t>
-                </a:r>
-                <a14:m>
-                  <m:oMath xmlns:m="http://schemas.openxmlformats.org/officeDocument/2006/math">
-                    <m:r>
-                      <a:rPr lang="en-US" sz="2300" b="0" i="1" smtClean="0">
-                        <a:solidFill>
-                          <a:schemeClr val="tx1"/>
-                        </a:solidFill>
-                        <a:latin typeface="Cambria Math" panose="02040503050406030204" pitchFamily="18" charset="0"/>
-                      </a:rPr>
-                      <m:t>𝐴</m:t>
-                    </m:r>
-                  </m:oMath>
-                </a14:m>
-                <a:r>
-                  <a:rPr lang="en-US" sz="2300" b="0" dirty="0">
-                    <a:solidFill>
-                      <a:schemeClr val="accent1"/>
-                    </a:solidFill>
-                  </a:rPr>
-                  <a:t>.</a:t>
-                </a:r>
-              </a:p>
-              <a:p>
-                <a:pPr marL="0" indent="0">
-                  <a:buNone/>
-                </a:pPr>
-                <a:endParaRPr lang="en-US" sz="2300" b="0" dirty="0">
-                  <a:solidFill>
-                    <a:schemeClr val="accent1"/>
-                  </a:solidFill>
-                </a:endParaRPr>
-              </a:p>
-              <a:p>
-                <a:pPr marL="0" indent="0">
-                  <a:buNone/>
-                </a:pPr>
-                <a:r>
-                  <a:rPr lang="en-US" sz="2300" dirty="0">
-                    <a:solidFill>
-                      <a:schemeClr val="accent1"/>
-                    </a:solidFill>
-                  </a:rPr>
-                  <a:t>By the loop invariant, </a:t>
-                </a:r>
-                <a14:m>
-                  <m:oMath xmlns:m="http://schemas.openxmlformats.org/officeDocument/2006/math">
-                    <m:r>
-                      <a:rPr lang="en-US" sz="2300" i="1" smtClean="0">
-                        <a:latin typeface="Cambria Math" panose="02040503050406030204" pitchFamily="18" charset="0"/>
-                      </a:rPr>
-                      <m:t>𝐴</m:t>
-                    </m:r>
-                    <m:d>
-                      <m:dPr>
-                        <m:begChr m:val="["/>
-                        <m:endChr m:val="]"/>
-                        <m:ctrlPr>
-                          <a:rPr lang="en-US" sz="2300" i="1">
-                            <a:latin typeface="Cambria Math" panose="02040503050406030204" pitchFamily="18" charset="0"/>
-                          </a:rPr>
-                        </m:ctrlPr>
-                      </m:dPr>
-                      <m:e>
-                        <m:r>
-                          <a:rPr lang="en-US" sz="2300" i="1">
-                            <a:latin typeface="Cambria Math" panose="02040503050406030204" pitchFamily="18" charset="0"/>
-                          </a:rPr>
-                          <m:t>𝑝</m:t>
-                        </m:r>
-                        <m:r>
-                          <a:rPr lang="en-US" sz="2300" i="1">
-                            <a:latin typeface="Cambria Math" panose="02040503050406030204" pitchFamily="18" charset="0"/>
-                          </a:rPr>
-                          <m:t>…</m:t>
-                        </m:r>
-                        <m:r>
-                          <a:rPr lang="en-US" sz="2300" b="0" i="1" smtClean="0">
-                            <a:latin typeface="Cambria Math" panose="02040503050406030204" pitchFamily="18" charset="0"/>
-                          </a:rPr>
-                          <m:t>𝑘</m:t>
-                        </m:r>
-                        <m:r>
-                          <a:rPr lang="en-US" sz="2300" i="1">
-                            <a:latin typeface="Cambria Math" panose="02040503050406030204" pitchFamily="18" charset="0"/>
-                          </a:rPr>
-                          <m:t>−1</m:t>
-                        </m:r>
-                      </m:e>
-                    </m:d>
-                  </m:oMath>
-                </a14:m>
-                <a:r>
-                  <a:rPr lang="en-US" sz="2300" dirty="0">
-                    <a:solidFill>
-                      <a:schemeClr val="accent1"/>
-                    </a:solidFill>
-                  </a:rPr>
-                  <a:t> contains the smallest </a:t>
-                </a:r>
-                <a14:m>
-                  <m:oMath xmlns:m="http://schemas.openxmlformats.org/officeDocument/2006/math">
-                    <m:r>
-                      <a:rPr lang="en-US" sz="2300" i="1">
-                        <a:latin typeface="Cambria Math" panose="02040503050406030204" pitchFamily="18" charset="0"/>
-                      </a:rPr>
-                      <m:t>𝑘</m:t>
-                    </m:r>
-                    <m:r>
-                      <a:rPr lang="en-US" sz="2300" i="1">
-                        <a:latin typeface="Cambria Math" panose="02040503050406030204" pitchFamily="18" charset="0"/>
-                      </a:rPr>
-                      <m:t>−</m:t>
-                    </m:r>
-                    <m:r>
-                      <a:rPr lang="en-US" sz="2300" i="1">
-                        <a:latin typeface="Cambria Math" panose="02040503050406030204" pitchFamily="18" charset="0"/>
-                      </a:rPr>
-                      <m:t>𝑝</m:t>
-                    </m:r>
-                  </m:oMath>
-                </a14:m>
-                <a:r>
-                  <a:rPr lang="en-US" sz="2300" dirty="0">
-                    <a:solidFill>
-                      <a:schemeClr val="accent1"/>
-                    </a:solidFill>
-                  </a:rPr>
-                  <a:t> elements.</a:t>
-                </a:r>
-              </a:p>
-              <a:p>
-                <a:pPr marL="0" indent="0">
-                  <a:buNone/>
-                </a:pPr>
-                <a:endParaRPr lang="en-US" sz="2300" dirty="0">
-                  <a:solidFill>
-                    <a:schemeClr val="accent1"/>
-                  </a:solidFill>
-                </a:endParaRPr>
-              </a:p>
-              <a:p>
-                <a:pPr marL="0" indent="0">
-                  <a:buNone/>
-                </a:pPr>
-                <a:r>
-                  <a:rPr lang="en-US" sz="2300" dirty="0">
-                    <a:solidFill>
-                      <a:schemeClr val="accent1"/>
-                    </a:solidFill>
-                  </a:rPr>
-                  <a:t>By inspection, </a:t>
-                </a:r>
-                <a14:m>
-                  <m:oMath xmlns:m="http://schemas.openxmlformats.org/officeDocument/2006/math">
-                    <m:r>
-                      <a:rPr lang="en-US" sz="2300" b="0" i="1" smtClean="0">
-                        <a:solidFill>
-                          <a:schemeClr val="tx1"/>
-                        </a:solidFill>
-                        <a:latin typeface="Cambria Math" panose="02040503050406030204" pitchFamily="18" charset="0"/>
-                      </a:rPr>
-                      <m:t>𝐴</m:t>
-                    </m:r>
-                    <m:d>
-                      <m:dPr>
-                        <m:begChr m:val="["/>
-                        <m:endChr m:val="]"/>
-                        <m:ctrlPr>
-                          <a:rPr lang="en-US" sz="2300" b="0" i="1" smtClean="0">
-                            <a:solidFill>
-                              <a:schemeClr val="tx1"/>
-                            </a:solidFill>
-                            <a:latin typeface="Cambria Math" panose="02040503050406030204" pitchFamily="18" charset="0"/>
-                          </a:rPr>
-                        </m:ctrlPr>
-                      </m:dPr>
-                      <m:e>
-                        <m:r>
-                          <a:rPr lang="en-US" sz="2300" b="0" i="1" smtClean="0">
-                            <a:solidFill>
-                              <a:schemeClr val="tx1"/>
-                            </a:solidFill>
-                            <a:latin typeface="Cambria Math" panose="02040503050406030204" pitchFamily="18" charset="0"/>
-                          </a:rPr>
-                          <m:t>𝑘</m:t>
-                        </m:r>
-                      </m:e>
-                    </m:d>
-                    <m:r>
-                      <a:rPr lang="en-US" sz="2300" b="0" i="1" smtClean="0">
-                        <a:solidFill>
-                          <a:schemeClr val="tx1"/>
-                        </a:solidFill>
-                        <a:latin typeface="Cambria Math" panose="02040503050406030204" pitchFamily="18" charset="0"/>
-                      </a:rPr>
-                      <m:t>= </m:t>
-                    </m:r>
-                    <m:r>
-                      <a:rPr lang="en-US" sz="2300" b="0" i="1" smtClean="0">
-                        <a:solidFill>
-                          <a:schemeClr val="tx1"/>
-                        </a:solidFill>
-                        <a:latin typeface="Cambria Math" panose="02040503050406030204" pitchFamily="18" charset="0"/>
-                      </a:rPr>
-                      <m:t>𝐿</m:t>
-                    </m:r>
-                    <m:d>
-                      <m:dPr>
-                        <m:begChr m:val="["/>
-                        <m:endChr m:val="]"/>
-                        <m:ctrlPr>
-                          <a:rPr lang="en-US" sz="2300" b="0" i="1" smtClean="0">
-                            <a:solidFill>
-                              <a:schemeClr val="tx1"/>
-                            </a:solidFill>
-                            <a:latin typeface="Cambria Math" panose="02040503050406030204" pitchFamily="18" charset="0"/>
-                          </a:rPr>
-                        </m:ctrlPr>
-                      </m:dPr>
-                      <m:e>
-                        <m:r>
-                          <a:rPr lang="en-US" sz="2300" b="0" i="1" smtClean="0">
-                            <a:solidFill>
-                              <a:schemeClr val="tx1"/>
-                            </a:solidFill>
-                            <a:latin typeface="Cambria Math" panose="02040503050406030204" pitchFamily="18" charset="0"/>
-                          </a:rPr>
-                          <m:t>𝑖</m:t>
-                        </m:r>
-                      </m:e>
-                    </m:d>
-                  </m:oMath>
-                </a14:m>
-                <a:r>
-                  <a:rPr lang="en-US" sz="2300" b="1" i="1" dirty="0">
-                    <a:solidFill>
-                      <a:schemeClr val="accent1"/>
-                    </a:solidFill>
-                  </a:rPr>
-                  <a:t> </a:t>
-                </a:r>
-                <a:r>
-                  <a:rPr lang="en-US" sz="2300" dirty="0">
-                    <a:solidFill>
-                      <a:schemeClr val="accent1"/>
-                    </a:solidFill>
-                  </a:rPr>
-                  <a:t>(</a:t>
-                </a:r>
-                <a:r>
-                  <a:rPr lang="en-US" sz="2300" b="1" i="1" dirty="0">
-                    <a:solidFill>
-                      <a:srgbClr val="FF0000"/>
-                    </a:solidFill>
-                  </a:rPr>
-                  <a:t>Line 16</a:t>
-                </a:r>
-                <a:r>
-                  <a:rPr lang="en-US" sz="2300" dirty="0">
-                    <a:solidFill>
-                      <a:schemeClr val="accent1"/>
-                    </a:solidFill>
-                  </a:rPr>
-                  <a:t>) </a:t>
-                </a:r>
-                <a:r>
-                  <a:rPr lang="en-US" sz="2300" b="1" i="1" dirty="0">
-                    <a:solidFill>
-                      <a:schemeClr val="accent1"/>
-                    </a:solidFill>
-                  </a:rPr>
-                  <a:t>.</a:t>
-                </a:r>
-              </a:p>
-              <a:p>
-                <a:pPr marL="0" indent="0">
-                  <a:buNone/>
-                </a:pPr>
-                <a:endParaRPr lang="en-US" sz="2300" b="1" i="1" dirty="0">
-                  <a:solidFill>
-                    <a:schemeClr val="accent1"/>
-                  </a:solidFill>
-                </a:endParaRPr>
-              </a:p>
-              <a:p>
-                <a:pPr marL="0" indent="0">
-                  <a:buNone/>
-                </a:pPr>
-                <a:r>
-                  <a:rPr lang="en-US" sz="2300" dirty="0">
-                    <a:solidFill>
-                      <a:srgbClr val="FF0000"/>
-                    </a:solidFill>
-                  </a:rPr>
-                  <a:t>(1) </a:t>
-                </a:r>
-                <a:r>
-                  <a:rPr lang="en-US" sz="2300" dirty="0">
-                    <a:solidFill>
-                      <a:schemeClr val="accent1"/>
-                    </a:solidFill>
-                  </a:rPr>
-                  <a:t>Therefore, </a:t>
-                </a:r>
-                <a14:m>
-                  <m:oMath xmlns:m="http://schemas.openxmlformats.org/officeDocument/2006/math">
-                    <m:r>
-                      <a:rPr lang="en-US" sz="2300" b="0" i="1" smtClean="0">
-                        <a:solidFill>
-                          <a:schemeClr val="tx1"/>
-                        </a:solidFill>
-                        <a:latin typeface="Cambria Math" panose="02040503050406030204" pitchFamily="18" charset="0"/>
-                      </a:rPr>
-                      <m:t>𝐴</m:t>
-                    </m:r>
-                    <m:r>
-                      <a:rPr lang="en-US" sz="2300" b="0" i="1" smtClean="0">
-                        <a:solidFill>
-                          <a:schemeClr val="tx1"/>
-                        </a:solidFill>
-                        <a:latin typeface="Cambria Math" panose="02040503050406030204" pitchFamily="18" charset="0"/>
-                      </a:rPr>
-                      <m:t>[</m:t>
-                    </m:r>
-                    <m:r>
-                      <a:rPr lang="en-US" sz="2300" b="0" i="1" smtClean="0">
-                        <a:solidFill>
-                          <a:schemeClr val="tx1"/>
-                        </a:solidFill>
-                        <a:latin typeface="Cambria Math" panose="02040503050406030204" pitchFamily="18" charset="0"/>
-                      </a:rPr>
-                      <m:t>𝑝</m:t>
-                    </m:r>
-                    <m:r>
-                      <a:rPr lang="en-US" sz="2300" b="0" i="1" smtClean="0">
-                        <a:solidFill>
-                          <a:schemeClr val="tx1"/>
-                        </a:solidFill>
-                        <a:latin typeface="Cambria Math" panose="02040503050406030204" pitchFamily="18" charset="0"/>
-                      </a:rPr>
-                      <m:t>…</m:t>
-                    </m:r>
-                    <m:r>
-                      <a:rPr lang="en-US" sz="2300" b="0" i="1" smtClean="0">
-                        <a:solidFill>
-                          <a:schemeClr val="tx1"/>
-                        </a:solidFill>
-                        <a:latin typeface="Cambria Math" panose="02040503050406030204" pitchFamily="18" charset="0"/>
-                      </a:rPr>
-                      <m:t>𝑘</m:t>
-                    </m:r>
-                    <m:r>
-                      <a:rPr lang="en-US" sz="2300" b="0" i="1" smtClean="0">
-                        <a:solidFill>
-                          <a:schemeClr val="tx1"/>
-                        </a:solidFill>
-                        <a:latin typeface="Cambria Math" panose="02040503050406030204" pitchFamily="18" charset="0"/>
-                      </a:rPr>
-                      <m:t>]</m:t>
-                    </m:r>
-                  </m:oMath>
-                </a14:m>
-                <a:r>
-                  <a:rPr lang="en-US" sz="2300" dirty="0">
-                    <a:solidFill>
-                      <a:srgbClr val="FF0000"/>
-                    </a:solidFill>
-                  </a:rPr>
-                  <a:t> now </a:t>
-                </a:r>
-                <a:r>
-                  <a:rPr lang="en-US" sz="2300" dirty="0">
-                    <a:solidFill>
-                      <a:schemeClr val="accent1"/>
-                    </a:solidFill>
-                  </a:rPr>
-                  <a:t>contains the smallest </a:t>
-                </a:r>
-                <a14:m>
-                  <m:oMath xmlns:m="http://schemas.openxmlformats.org/officeDocument/2006/math">
-                    <m:r>
-                      <a:rPr lang="en-US" sz="2300" i="1">
-                        <a:latin typeface="Cambria Math" panose="02040503050406030204" pitchFamily="18" charset="0"/>
-                      </a:rPr>
-                      <m:t>𝑘</m:t>
-                    </m:r>
-                    <m:r>
-                      <a:rPr lang="en-US" sz="2300" i="1">
-                        <a:latin typeface="Cambria Math" panose="02040503050406030204" pitchFamily="18" charset="0"/>
-                      </a:rPr>
-                      <m:t>−</m:t>
-                    </m:r>
-                    <m:r>
-                      <a:rPr lang="en-US" sz="2300" i="1">
-                        <a:latin typeface="Cambria Math" panose="02040503050406030204" pitchFamily="18" charset="0"/>
-                      </a:rPr>
-                      <m:t>𝑝</m:t>
-                    </m:r>
-                    <m:r>
-                      <a:rPr lang="en-US" sz="2300" b="0" i="0" smtClean="0">
-                        <a:latin typeface="Cambria Math" panose="02040503050406030204" pitchFamily="18" charset="0"/>
-                      </a:rPr>
-                      <m:t>+1</m:t>
-                    </m:r>
-                  </m:oMath>
-                </a14:m>
-                <a:r>
-                  <a:rPr lang="en-US" sz="2300" dirty="0">
-                    <a:solidFill>
-                      <a:schemeClr val="accent1"/>
-                    </a:solidFill>
-                  </a:rPr>
-                  <a:t> elements.</a:t>
-                </a:r>
-              </a:p>
-              <a:p>
-                <a:pPr marL="0" indent="0">
-                  <a:buNone/>
-                </a:pPr>
-                <a:endParaRPr lang="en-US" sz="2300" dirty="0">
-                  <a:solidFill>
-                    <a:schemeClr val="accent1"/>
-                  </a:solidFill>
-                </a:endParaRPr>
-              </a:p>
-              <a:p>
-                <a:pPr marL="0" indent="0">
-                  <a:buNone/>
-                </a:pPr>
-                <a:r>
-                  <a:rPr lang="en-US" sz="2300" b="0" dirty="0">
-                    <a:solidFill>
-                      <a:srgbClr val="FF0000"/>
-                    </a:solidFill>
-                  </a:rPr>
-                  <a:t>(2) </a:t>
-                </a:r>
-                <a:r>
-                  <a:rPr lang="en-US" sz="2300" b="0" dirty="0">
-                    <a:solidFill>
-                      <a:schemeClr val="accent1"/>
-                    </a:solidFill>
-                  </a:rPr>
-                  <a:t>Moreover,</a:t>
-                </a:r>
-                <a:r>
-                  <a:rPr lang="en-US" sz="2300" b="0" dirty="0">
-                    <a:solidFill>
-                      <a:schemeClr val="tx1"/>
-                    </a:solidFill>
-                  </a:rPr>
-                  <a:t> </a:t>
-                </a:r>
-                <a14:m>
-                  <m:oMath xmlns:m="http://schemas.openxmlformats.org/officeDocument/2006/math">
-                    <m:r>
-                      <a:rPr lang="en-US" sz="2300" b="0" i="1" smtClean="0">
-                        <a:solidFill>
-                          <a:schemeClr val="tx1"/>
-                        </a:solidFill>
-                        <a:latin typeface="Cambria Math" panose="02040503050406030204" pitchFamily="18" charset="0"/>
-                      </a:rPr>
-                      <m:t>𝐿</m:t>
-                    </m:r>
-                    <m:d>
-                      <m:dPr>
-                        <m:begChr m:val="["/>
-                        <m:endChr m:val="]"/>
-                        <m:ctrlPr>
-                          <a:rPr lang="en-US" sz="2300" b="0" i="1" smtClean="0">
-                            <a:solidFill>
-                              <a:schemeClr val="tx1"/>
-                            </a:solidFill>
-                            <a:latin typeface="Cambria Math" panose="02040503050406030204" pitchFamily="18" charset="0"/>
-                          </a:rPr>
-                        </m:ctrlPr>
-                      </m:dPr>
-                      <m:e>
-                        <m:r>
-                          <a:rPr lang="en-US" sz="2300" b="0" i="1" smtClean="0">
-                            <a:solidFill>
-                              <a:schemeClr val="tx1"/>
-                            </a:solidFill>
-                            <a:latin typeface="Cambria Math" panose="02040503050406030204" pitchFamily="18" charset="0"/>
-                          </a:rPr>
-                          <m:t>𝑖</m:t>
-                        </m:r>
-                        <m:r>
-                          <a:rPr lang="en-US" sz="2300" b="0" i="1" smtClean="0">
-                            <a:solidFill>
-                              <a:schemeClr val="tx1"/>
-                            </a:solidFill>
-                            <a:latin typeface="Cambria Math" panose="02040503050406030204" pitchFamily="18" charset="0"/>
-                          </a:rPr>
-                          <m:t>+1</m:t>
-                        </m:r>
-                      </m:e>
-                    </m:d>
-                  </m:oMath>
-                </a14:m>
-                <a:r>
-                  <a:rPr lang="en-US" sz="2300" dirty="0">
-                    <a:solidFill>
-                      <a:schemeClr val="accent1"/>
-                    </a:solidFill>
-                  </a:rPr>
-                  <a:t> (</a:t>
-                </a:r>
-                <a14:m>
-                  <m:oMath xmlns:m="http://schemas.openxmlformats.org/officeDocument/2006/math">
-                    <m:r>
-                      <a:rPr lang="en-US" sz="2300" i="1">
-                        <a:latin typeface="Cambria Math" panose="02040503050406030204" pitchFamily="18" charset="0"/>
-                      </a:rPr>
-                      <m:t>𝐿</m:t>
-                    </m:r>
-                    <m:d>
-                      <m:dPr>
-                        <m:begChr m:val="["/>
-                        <m:endChr m:val="]"/>
-                        <m:ctrlPr>
-                          <a:rPr lang="en-US" sz="2300" i="1">
-                            <a:latin typeface="Cambria Math" panose="02040503050406030204" pitchFamily="18" charset="0"/>
-                          </a:rPr>
-                        </m:ctrlPr>
-                      </m:dPr>
-                      <m:e>
-                        <m:r>
-                          <a:rPr lang="en-US" sz="2300" i="1">
-                            <a:latin typeface="Cambria Math" panose="02040503050406030204" pitchFamily="18" charset="0"/>
-                          </a:rPr>
-                          <m:t>𝑖</m:t>
-                        </m:r>
-                      </m:e>
-                    </m:d>
-                  </m:oMath>
-                </a14:m>
-                <a:r>
-                  <a:rPr lang="en-US" sz="2300" dirty="0">
-                    <a:solidFill>
-                      <a:schemeClr val="accent1"/>
-                    </a:solidFill>
-                  </a:rPr>
-                  <a:t> has just been copied back to </a:t>
-                </a:r>
-                <a14:m>
-                  <m:oMath xmlns:m="http://schemas.openxmlformats.org/officeDocument/2006/math">
-                    <m:r>
-                      <a:rPr lang="en-US" sz="2300" i="1">
-                        <a:latin typeface="Cambria Math" panose="02040503050406030204" pitchFamily="18" charset="0"/>
-                      </a:rPr>
-                      <m:t>𝐴</m:t>
-                    </m:r>
-                  </m:oMath>
-                </a14:m>
-                <a:r>
-                  <a:rPr lang="en-US" sz="2300" dirty="0">
-                    <a:solidFill>
-                      <a:schemeClr val="accent1"/>
-                    </a:solidFill>
-                  </a:rPr>
-                  <a:t> by </a:t>
-                </a:r>
-                <a:r>
-                  <a:rPr lang="en-US" sz="2300" b="1" i="1" dirty="0">
-                    <a:solidFill>
-                      <a:srgbClr val="FF0000"/>
-                    </a:solidFill>
-                  </a:rPr>
-                  <a:t>Line 16</a:t>
-                </a:r>
-                <a:r>
-                  <a:rPr lang="en-US" sz="2300" dirty="0">
-                    <a:solidFill>
-                      <a:schemeClr val="accent1"/>
-                    </a:solidFill>
-                  </a:rPr>
-                  <a:t> ) and </a:t>
-                </a:r>
-                <a14:m>
-                  <m:oMath xmlns:m="http://schemas.openxmlformats.org/officeDocument/2006/math">
-                    <m:r>
-                      <a:rPr lang="en-US" sz="2300" b="0" i="1" smtClean="0">
-                        <a:latin typeface="Cambria Math" panose="02040503050406030204" pitchFamily="18" charset="0"/>
-                      </a:rPr>
-                      <m:t>𝑅</m:t>
-                    </m:r>
-                    <m:d>
-                      <m:dPr>
-                        <m:begChr m:val="["/>
-                        <m:endChr m:val="]"/>
-                        <m:ctrlPr>
-                          <a:rPr lang="en-US" sz="2300" i="1">
-                            <a:latin typeface="Cambria Math" panose="02040503050406030204" pitchFamily="18" charset="0"/>
-                          </a:rPr>
-                        </m:ctrlPr>
-                      </m:dPr>
-                      <m:e>
-                        <m:r>
-                          <a:rPr lang="en-US" sz="2300" b="0" i="1" smtClean="0">
-                            <a:latin typeface="Cambria Math" panose="02040503050406030204" pitchFamily="18" charset="0"/>
-                          </a:rPr>
-                          <m:t>𝑗</m:t>
-                        </m:r>
-                      </m:e>
-                    </m:d>
-                  </m:oMath>
-                </a14:m>
-                <a:r>
-                  <a:rPr lang="en-US" sz="2300" dirty="0">
-                    <a:solidFill>
-                      <a:schemeClr val="accent1"/>
-                    </a:solidFill>
-                  </a:rPr>
-                  <a:t> contain the smallest elements of the two subarrays that have not been copied back to </a:t>
-                </a:r>
-                <a14:m>
-                  <m:oMath xmlns:m="http://schemas.openxmlformats.org/officeDocument/2006/math">
-                    <m:r>
-                      <a:rPr lang="en-US" sz="2300" i="1">
-                        <a:latin typeface="Cambria Math" panose="02040503050406030204" pitchFamily="18" charset="0"/>
-                      </a:rPr>
-                      <m:t>𝐴</m:t>
-                    </m:r>
-                  </m:oMath>
-                </a14:m>
-                <a:r>
-                  <a:rPr lang="en-US" sz="2300" dirty="0">
-                    <a:solidFill>
-                      <a:schemeClr val="accent1"/>
-                    </a:solidFill>
-                  </a:rPr>
-                  <a:t>.</a:t>
-                </a:r>
-              </a:p>
-            </p:txBody>
-          </p:sp>
-        </mc:Choice>
-        <mc:Fallback>
-          <p:sp>
-            <p:nvSpPr>
-              <p:cNvPr id="3" name="Content Placeholder 2">
-                <a:extLst>
-                  <a:ext uri="{FF2B5EF4-FFF2-40B4-BE49-F238E27FC236}">
-                    <a16:creationId xmlns:a16="http://schemas.microsoft.com/office/drawing/2014/main" id="{7FE052B4-7439-4F16-899A-E83CFEA19E57}"/>
-                  </a:ext>
-                </a:extLst>
-              </p:cNvPr>
-              <p:cNvSpPr>
-                <a:spLocks noGrp="1" noRot="1" noChangeAspect="1" noMove="1" noResize="1" noEditPoints="1" noAdjustHandles="1" noChangeArrowheads="1" noChangeShapeType="1" noTextEdit="1"/>
-              </p:cNvSpPr>
-              <p:nvPr>
-                <p:ph idx="1"/>
-              </p:nvPr>
-            </p:nvSpPr>
-            <p:spPr>
-              <a:blipFill>
-                <a:blip r:embed="rId2"/>
-                <a:stretch>
-                  <a:fillRect l="-754" t="-2801" r="-348"/>
-                </a:stretch>
-              </a:blipFill>
-            </p:spPr>
-            <p:txBody>
-              <a:bodyPr/>
-              <a:lstStyle/>
-              <a:p>
-                <a:r>
-                  <a:rPr lang="en-US">
-                    <a:noFill/>
-                  </a:rPr>
-                  <a:t> </a:t>
-                </a:r>
-              </a:p>
-            </p:txBody>
-          </p:sp>
-        </mc:Fallback>
-      </mc:AlternateContent>
-    </p:spTree>
-    <p:extLst>
-      <p:ext uri="{BB962C8B-B14F-4D97-AF65-F5344CB8AC3E}">
-        <p14:creationId xmlns:p14="http://schemas.microsoft.com/office/powerpoint/2010/main" val="4099742478"/>
       </p:ext>
     </p:extLst>
   </p:cSld>
@@ -17329,7 +16452,7 @@
             <p:spPr/>
             <p:txBody>
               <a:bodyPr>
-                <a:normAutofit fontScale="85000" lnSpcReduction="20000"/>
+                <a:normAutofit fontScale="77500" lnSpcReduction="20000"/>
               </a:bodyPr>
               <a:lstStyle/>
               <a:p>
@@ -17337,7 +16460,7 @@
                   <a:buNone/>
                 </a:pPr>
                 <a:r>
-                  <a:rPr lang="en-US" sz="2400" b="1" i="1" u="sng" dirty="0">
+                  <a:rPr lang="en-US" b="1" i="1" u="sng" dirty="0">
                     <a:solidFill>
                       <a:srgbClr val="FF0000"/>
                     </a:solidFill>
@@ -17345,43 +16468,33 @@
                   <a:t>Maintenance</a:t>
                 </a:r>
                 <a:r>
-                  <a:rPr lang="en-US" sz="2400" b="1" i="1" dirty="0">
+                  <a:rPr lang="en-US" b="1" i="1" dirty="0">
                     <a:solidFill>
                       <a:srgbClr val="FF0000"/>
                     </a:solidFill>
                   </a:rPr>
-                  <a:t>: (Continued)</a:t>
+                  <a:t>:</a:t>
                 </a:r>
               </a:p>
               <a:p>
                 <a:pPr marL="0" indent="0">
                   <a:buNone/>
                 </a:pPr>
-                <a:endParaRPr lang="en-US" sz="2300" dirty="0">
-                  <a:solidFill>
-                    <a:schemeClr val="accent1"/>
-                  </a:solidFill>
-                </a:endParaRPr>
-              </a:p>
-              <a:p>
-                <a:pPr marL="0" indent="0">
-                  <a:buNone/>
-                </a:pPr>
                 <a:r>
                   <a:rPr lang="en-US" sz="2300" dirty="0">
                     <a:solidFill>
                       <a:schemeClr val="accent1"/>
                     </a:solidFill>
                   </a:rPr>
-                  <a:t>After </a:t>
+                  <a:t>Consider</a:t>
                 </a:r>
                 <a:r>
                   <a:rPr lang="en-US" sz="2300" b="1" i="1" dirty="0">
                     <a:solidFill>
-                      <a:srgbClr val="FF0000"/>
-                    </a:solidFill>
-                  </a:rPr>
-                  <a:t>Line 17</a:t>
+                      <a:schemeClr val="accent1"/>
+                    </a:solidFill>
+                  </a:rPr>
+                  <a:t> </a:t>
                 </a:r>
                 <a:r>
                   <a:rPr lang="en-US" sz="2300" dirty="0">
@@ -17389,703 +16502,7 @@
                       <a:schemeClr val="accent1"/>
                     </a:solidFill>
                   </a:rPr>
-                  <a:t>, </a:t>
-                </a:r>
-                <a14:m>
-                  <m:oMath xmlns:m="http://schemas.openxmlformats.org/officeDocument/2006/math">
-                    <m:r>
-                      <a:rPr lang="en-US" sz="2300" b="0" i="1" smtClean="0">
-                        <a:solidFill>
-                          <a:schemeClr val="tx1"/>
-                        </a:solidFill>
-                        <a:latin typeface="Cambria Math" panose="02040503050406030204" pitchFamily="18" charset="0"/>
-                      </a:rPr>
-                      <m:t>𝑖</m:t>
-                    </m:r>
-                    <m:r>
-                      <a:rPr lang="en-US" sz="2300" b="1" i="1" smtClean="0">
-                        <a:solidFill>
-                          <a:schemeClr val="tx1"/>
-                        </a:solidFill>
-                        <a:latin typeface="Cambria Math" panose="02040503050406030204" pitchFamily="18" charset="0"/>
-                      </a:rPr>
-                      <m:t> </m:t>
-                    </m:r>
-                  </m:oMath>
-                </a14:m>
-                <a:r>
-                  <a:rPr lang="en-US" sz="2300" b="1" i="1" dirty="0">
-                    <a:solidFill>
-                      <a:srgbClr val="FF0000"/>
-                    </a:solidFill>
-                  </a:rPr>
-                  <a:t> </a:t>
-                </a:r>
-                <a:r>
-                  <a:rPr lang="en-US" sz="2300" dirty="0">
-                    <a:solidFill>
-                      <a:schemeClr val="accent1"/>
-                    </a:solidFill>
-                  </a:rPr>
-                  <a:t>is incremented,</a:t>
-                </a:r>
-                <a:r>
-                  <a:rPr lang="en-US" sz="2300" dirty="0"/>
-                  <a:t> </a:t>
-                </a:r>
-                <a14:m>
-                  <m:oMath xmlns:m="http://schemas.openxmlformats.org/officeDocument/2006/math">
-                    <m:r>
-                      <a:rPr lang="en-US" sz="2300" b="0" i="1" smtClean="0">
-                        <a:latin typeface="Cambria Math" panose="02040503050406030204" pitchFamily="18" charset="0"/>
-                      </a:rPr>
-                      <m:t>𝑗</m:t>
-                    </m:r>
-                  </m:oMath>
-                </a14:m>
-                <a:r>
-                  <a:rPr lang="en-US" sz="2300" dirty="0">
-                    <a:solidFill>
-                      <a:schemeClr val="accent1"/>
-                    </a:solidFill>
-                  </a:rPr>
-                  <a:t> remains the same and </a:t>
-                </a:r>
-                <a14:m>
-                  <m:oMath xmlns:m="http://schemas.openxmlformats.org/officeDocument/2006/math">
-                    <m:r>
-                      <a:rPr lang="en-US" sz="2300" i="1">
-                        <a:latin typeface="Cambria Math" panose="02040503050406030204" pitchFamily="18" charset="0"/>
-                      </a:rPr>
-                      <m:t> </m:t>
-                    </m:r>
-                    <m:r>
-                      <a:rPr lang="en-US" sz="2300" b="0" i="1" smtClean="0">
-                        <a:solidFill>
-                          <a:schemeClr val="tx1"/>
-                        </a:solidFill>
-                        <a:latin typeface="Cambria Math" panose="02040503050406030204" pitchFamily="18" charset="0"/>
-                      </a:rPr>
-                      <m:t>𝑘</m:t>
-                    </m:r>
-                  </m:oMath>
-                </a14:m>
-                <a:r>
-                  <a:rPr lang="en-US" sz="2300" dirty="0">
-                    <a:solidFill>
-                      <a:srgbClr val="FF0000"/>
-                    </a:solidFill>
-                  </a:rPr>
-                  <a:t> </a:t>
-                </a:r>
-                <a:r>
-                  <a:rPr lang="en-US" sz="2300" dirty="0">
-                    <a:solidFill>
-                      <a:schemeClr val="accent1"/>
-                    </a:solidFill>
-                  </a:rPr>
-                  <a:t>is incremented:</a:t>
-                </a:r>
-              </a:p>
-              <a:p>
-                <a:pPr marL="0" indent="0">
-                  <a:buNone/>
-                </a:pPr>
-                <a:r>
-                  <a:rPr lang="en-US" sz="2300" dirty="0"/>
-                  <a:t>	</a:t>
-                </a:r>
-                <a14:m>
-                  <m:oMath xmlns:m="http://schemas.openxmlformats.org/officeDocument/2006/math">
-                    <m:sSup>
-                      <m:sSupPr>
-                        <m:ctrlPr>
-                          <a:rPr lang="en-US" sz="2300" i="1" smtClean="0">
-                            <a:latin typeface="Cambria Math" panose="02040503050406030204" pitchFamily="18" charset="0"/>
-                          </a:rPr>
-                        </m:ctrlPr>
-                      </m:sSupPr>
-                      <m:e>
-                        <m:r>
-                          <a:rPr lang="en-US" sz="2300" b="0" i="1" smtClean="0">
-                            <a:latin typeface="Cambria Math" panose="02040503050406030204" pitchFamily="18" charset="0"/>
-                          </a:rPr>
-                          <m:t>𝑖</m:t>
-                        </m:r>
-                      </m:e>
-                      <m:sup>
-                        <m:r>
-                          <a:rPr lang="en-US" sz="2300" b="0" i="1" smtClean="0">
-                            <a:latin typeface="Cambria Math" panose="02040503050406030204" pitchFamily="18" charset="0"/>
-                          </a:rPr>
-                          <m:t>′</m:t>
-                        </m:r>
-                      </m:sup>
-                    </m:sSup>
-                    <m:r>
-                      <a:rPr lang="en-US" sz="2300" i="1" smtClean="0">
-                        <a:latin typeface="Cambria Math" panose="02040503050406030204" pitchFamily="18" charset="0"/>
-                      </a:rPr>
-                      <m:t>=</m:t>
-                    </m:r>
-                    <m:r>
-                      <a:rPr lang="en-US" sz="2300" b="0" i="1" smtClean="0">
-                        <a:solidFill>
-                          <a:schemeClr val="tx1"/>
-                        </a:solidFill>
-                        <a:latin typeface="Cambria Math" panose="02040503050406030204" pitchFamily="18" charset="0"/>
-                      </a:rPr>
-                      <m:t>𝑖</m:t>
-                    </m:r>
-                    <m:r>
-                      <a:rPr lang="en-US" sz="2300" b="0" i="1" smtClean="0">
-                        <a:solidFill>
-                          <a:schemeClr val="tx1"/>
-                        </a:solidFill>
-                        <a:latin typeface="Cambria Math" panose="02040503050406030204" pitchFamily="18" charset="0"/>
-                      </a:rPr>
-                      <m:t>+1</m:t>
-                    </m:r>
-                  </m:oMath>
-                </a14:m>
-                <a:r>
-                  <a:rPr lang="en-US" sz="2300" dirty="0">
-                    <a:solidFill>
-                      <a:schemeClr val="accent1"/>
-                    </a:solidFill>
-                  </a:rPr>
-                  <a:t> , </a:t>
-                </a:r>
-                <a14:m>
-                  <m:oMath xmlns:m="http://schemas.openxmlformats.org/officeDocument/2006/math">
-                    <m:sSup>
-                      <m:sSupPr>
-                        <m:ctrlPr>
-                          <a:rPr lang="en-US" sz="2300" i="1" smtClean="0">
-                            <a:latin typeface="Cambria Math" panose="02040503050406030204" pitchFamily="18" charset="0"/>
-                          </a:rPr>
-                        </m:ctrlPr>
-                      </m:sSupPr>
-                      <m:e>
-                        <m:r>
-                          <a:rPr lang="en-US" sz="2300" b="0" i="1" smtClean="0">
-                            <a:latin typeface="Cambria Math" panose="02040503050406030204" pitchFamily="18" charset="0"/>
-                          </a:rPr>
-                          <m:t>𝑗</m:t>
-                        </m:r>
-                      </m:e>
-                      <m:sup>
-                        <m:r>
-                          <a:rPr lang="en-US" sz="2300" b="0" i="1" smtClean="0">
-                            <a:latin typeface="Cambria Math" panose="02040503050406030204" pitchFamily="18" charset="0"/>
-                          </a:rPr>
-                          <m:t>′</m:t>
-                        </m:r>
-                      </m:sup>
-                    </m:sSup>
-                    <m:r>
-                      <a:rPr lang="en-US" sz="2300" i="1">
-                        <a:latin typeface="Cambria Math" panose="02040503050406030204" pitchFamily="18" charset="0"/>
-                      </a:rPr>
-                      <m:t>=</m:t>
-                    </m:r>
-                    <m:r>
-                      <a:rPr lang="en-US" sz="2300" b="0" i="1" smtClean="0">
-                        <a:latin typeface="Cambria Math" panose="02040503050406030204" pitchFamily="18" charset="0"/>
-                      </a:rPr>
-                      <m:t>𝑗</m:t>
-                    </m:r>
-                  </m:oMath>
-                </a14:m>
-                <a:r>
-                  <a:rPr lang="en-US" sz="2300" dirty="0">
-                    <a:solidFill>
-                      <a:schemeClr val="accent1"/>
-                    </a:solidFill>
-                  </a:rPr>
-                  <a:t> and </a:t>
-                </a:r>
-                <a14:m>
-                  <m:oMath xmlns:m="http://schemas.openxmlformats.org/officeDocument/2006/math">
-                    <m:r>
-                      <a:rPr lang="en-US" sz="2300" i="1">
-                        <a:latin typeface="Cambria Math" panose="02040503050406030204" pitchFamily="18" charset="0"/>
-                      </a:rPr>
-                      <m:t>=</m:t>
-                    </m:r>
-                    <m:sSup>
-                      <m:sSupPr>
-                        <m:ctrlPr>
-                          <a:rPr lang="en-US" sz="2300" i="1" smtClean="0">
-                            <a:latin typeface="Cambria Math" panose="02040503050406030204" pitchFamily="18" charset="0"/>
-                          </a:rPr>
-                        </m:ctrlPr>
-                      </m:sSupPr>
-                      <m:e>
-                        <m:r>
-                          <a:rPr lang="en-US" sz="2300" b="0" i="1" smtClean="0">
-                            <a:latin typeface="Cambria Math" panose="02040503050406030204" pitchFamily="18" charset="0"/>
-                          </a:rPr>
-                          <m:t>𝑘</m:t>
-                        </m:r>
-                      </m:e>
-                      <m:sup>
-                        <m:r>
-                          <a:rPr lang="en-US" sz="2300" b="0" i="1" smtClean="0">
-                            <a:latin typeface="Cambria Math" panose="02040503050406030204" pitchFamily="18" charset="0"/>
-                          </a:rPr>
-                          <m:t>′</m:t>
-                        </m:r>
-                      </m:sup>
-                    </m:sSup>
-                    <m:r>
-                      <a:rPr lang="en-US" sz="2300" b="0" i="1" smtClean="0">
-                        <a:latin typeface="Cambria Math" panose="02040503050406030204" pitchFamily="18" charset="0"/>
-                      </a:rPr>
-                      <m:t>=</m:t>
-                    </m:r>
-                    <m:r>
-                      <a:rPr lang="en-US" sz="2300" b="0" i="1" smtClean="0">
-                        <a:latin typeface="Cambria Math" panose="02040503050406030204" pitchFamily="18" charset="0"/>
-                      </a:rPr>
-                      <m:t>𝑘</m:t>
-                    </m:r>
-                    <m:r>
-                      <a:rPr lang="en-US" sz="2300" i="1">
-                        <a:latin typeface="Cambria Math" panose="02040503050406030204" pitchFamily="18" charset="0"/>
-                      </a:rPr>
-                      <m:t>+1</m:t>
-                    </m:r>
-                  </m:oMath>
-                </a14:m>
-                <a:r>
-                  <a:rPr lang="en-US" sz="2300" dirty="0">
-                    <a:solidFill>
-                      <a:schemeClr val="accent1"/>
-                    </a:solidFill>
-                  </a:rPr>
-                  <a:t> </a:t>
-                </a:r>
-              </a:p>
-              <a:p>
-                <a:pPr marL="0" indent="0">
-                  <a:buNone/>
-                </a:pPr>
-                <a:endParaRPr lang="en-US" sz="2300" dirty="0">
-                  <a:solidFill>
-                    <a:schemeClr val="accent1"/>
-                  </a:solidFill>
-                </a:endParaRPr>
-              </a:p>
-              <a:p>
-                <a:pPr marL="0" indent="0">
-                  <a:buNone/>
-                </a:pPr>
-                <a:r>
-                  <a:rPr lang="en-US" sz="2300" b="0" dirty="0">
-                    <a:solidFill>
-                      <a:srgbClr val="FF0000"/>
-                    </a:solidFill>
-                  </a:rPr>
-                  <a:t>(1) </a:t>
-                </a:r>
-                <a:r>
-                  <a:rPr lang="en-US" sz="2300" b="0" dirty="0">
-                    <a:solidFill>
-                      <a:schemeClr val="accent1"/>
-                    </a:solidFill>
-                  </a:rPr>
-                  <a:t>Therefore, </a:t>
-                </a:r>
-                <a14:m>
-                  <m:oMath xmlns:m="http://schemas.openxmlformats.org/officeDocument/2006/math">
-                    <m:r>
-                      <a:rPr lang="en-US" sz="2300" b="0" i="1" smtClean="0">
-                        <a:solidFill>
-                          <a:schemeClr val="tx1"/>
-                        </a:solidFill>
-                        <a:latin typeface="Cambria Math" panose="02040503050406030204" pitchFamily="18" charset="0"/>
-                      </a:rPr>
-                      <m:t>𝐴</m:t>
-                    </m:r>
-                    <m:r>
-                      <a:rPr lang="en-US" sz="2300" b="0" i="1" smtClean="0">
-                        <a:solidFill>
-                          <a:schemeClr val="tx1"/>
-                        </a:solidFill>
-                        <a:latin typeface="Cambria Math" panose="02040503050406030204" pitchFamily="18" charset="0"/>
-                      </a:rPr>
-                      <m:t>[</m:t>
-                    </m:r>
-                    <m:r>
-                      <a:rPr lang="en-US" sz="2300" b="0" i="1" smtClean="0">
-                        <a:solidFill>
-                          <a:schemeClr val="tx1"/>
-                        </a:solidFill>
-                        <a:latin typeface="Cambria Math" panose="02040503050406030204" pitchFamily="18" charset="0"/>
-                      </a:rPr>
-                      <m:t>𝑝</m:t>
-                    </m:r>
-                    <m:r>
-                      <a:rPr lang="en-US" sz="2300" b="0" i="1" smtClean="0">
-                        <a:solidFill>
-                          <a:schemeClr val="tx1"/>
-                        </a:solidFill>
-                        <a:latin typeface="Cambria Math" panose="02040503050406030204" pitchFamily="18" charset="0"/>
-                      </a:rPr>
-                      <m:t>…</m:t>
-                    </m:r>
-                    <m:sSup>
-                      <m:sSupPr>
-                        <m:ctrlPr>
-                          <a:rPr lang="en-US" sz="2300" i="1">
-                            <a:latin typeface="Cambria Math" panose="02040503050406030204" pitchFamily="18" charset="0"/>
-                          </a:rPr>
-                        </m:ctrlPr>
-                      </m:sSupPr>
-                      <m:e>
-                        <m:r>
-                          <a:rPr lang="en-US" sz="2300" i="1">
-                            <a:latin typeface="Cambria Math" panose="02040503050406030204" pitchFamily="18" charset="0"/>
-                          </a:rPr>
-                          <m:t>𝑘</m:t>
-                        </m:r>
-                      </m:e>
-                      <m:sup>
-                        <m:r>
-                          <a:rPr lang="en-US" sz="2300" i="1">
-                            <a:latin typeface="Cambria Math" panose="02040503050406030204" pitchFamily="18" charset="0"/>
-                          </a:rPr>
-                          <m:t>′</m:t>
-                        </m:r>
-                      </m:sup>
-                    </m:sSup>
-                    <m:r>
-                      <a:rPr lang="en-US" sz="2300" b="0" i="1" smtClean="0">
-                        <a:latin typeface="Cambria Math" panose="02040503050406030204" pitchFamily="18" charset="0"/>
-                      </a:rPr>
-                      <m:t>−1</m:t>
-                    </m:r>
-                    <m:r>
-                      <a:rPr lang="en-US" sz="2300" b="0" i="1" smtClean="0">
-                        <a:solidFill>
-                          <a:schemeClr val="tx1"/>
-                        </a:solidFill>
-                        <a:latin typeface="Cambria Math" panose="02040503050406030204" pitchFamily="18" charset="0"/>
-                      </a:rPr>
-                      <m:t>]</m:t>
-                    </m:r>
-                  </m:oMath>
-                </a14:m>
-                <a:r>
-                  <a:rPr lang="en-US" sz="2300" dirty="0">
-                    <a:solidFill>
-                      <a:schemeClr val="accent1"/>
-                    </a:solidFill>
-                  </a:rPr>
-                  <a:t> contains the smallest </a:t>
-                </a:r>
-                <a14:m>
-                  <m:oMath xmlns:m="http://schemas.openxmlformats.org/officeDocument/2006/math">
-                    <m:sSup>
-                      <m:sSupPr>
-                        <m:ctrlPr>
-                          <a:rPr lang="en-US" sz="2300" i="1" smtClean="0">
-                            <a:solidFill>
-                              <a:schemeClr val="tx1"/>
-                            </a:solidFill>
-                            <a:latin typeface="Cambria Math" panose="02040503050406030204" pitchFamily="18" charset="0"/>
-                          </a:rPr>
-                        </m:ctrlPr>
-                      </m:sSupPr>
-                      <m:e>
-                        <m:r>
-                          <a:rPr lang="en-US" sz="2300" b="0" i="1" smtClean="0">
-                            <a:solidFill>
-                              <a:schemeClr val="tx1"/>
-                            </a:solidFill>
-                            <a:latin typeface="Cambria Math" panose="02040503050406030204" pitchFamily="18" charset="0"/>
-                          </a:rPr>
-                          <m:t>𝑘</m:t>
-                        </m:r>
-                      </m:e>
-                      <m:sup>
-                        <m:r>
-                          <a:rPr lang="en-US" sz="2300" b="0" i="1" smtClean="0">
-                            <a:solidFill>
-                              <a:schemeClr val="tx1"/>
-                            </a:solidFill>
-                            <a:latin typeface="Cambria Math" panose="02040503050406030204" pitchFamily="18" charset="0"/>
-                          </a:rPr>
-                          <m:t>′</m:t>
-                        </m:r>
-                      </m:sup>
-                    </m:sSup>
-                    <m:r>
-                      <a:rPr lang="en-US" sz="2300" b="0" i="1" smtClean="0">
-                        <a:solidFill>
-                          <a:schemeClr val="tx1"/>
-                        </a:solidFill>
-                        <a:latin typeface="Cambria Math" panose="02040503050406030204" pitchFamily="18" charset="0"/>
-                      </a:rPr>
-                      <m:t>−</m:t>
-                    </m:r>
-                    <m:r>
-                      <a:rPr lang="en-US" sz="2300" b="0" i="1" smtClean="0">
-                        <a:solidFill>
-                          <a:schemeClr val="tx1"/>
-                        </a:solidFill>
-                        <a:latin typeface="Cambria Math" panose="02040503050406030204" pitchFamily="18" charset="0"/>
-                      </a:rPr>
-                      <m:t>𝑝</m:t>
-                    </m:r>
-                  </m:oMath>
-                </a14:m>
-                <a:r>
-                  <a:rPr lang="en-US" sz="2300" dirty="0">
-                    <a:solidFill>
-                      <a:schemeClr val="tx1"/>
-                    </a:solidFill>
-                  </a:rPr>
-                  <a:t> </a:t>
-                </a:r>
-                <a:r>
-                  <a:rPr lang="en-US" sz="2300" dirty="0">
-                    <a:solidFill>
-                      <a:schemeClr val="accent1"/>
-                    </a:solidFill>
-                  </a:rPr>
-                  <a:t>elements.</a:t>
-                </a:r>
-              </a:p>
-              <a:p>
-                <a:pPr marL="0" indent="0">
-                  <a:buNone/>
-                </a:pPr>
-                <a:endParaRPr lang="en-US" sz="2300" dirty="0">
-                  <a:solidFill>
-                    <a:schemeClr val="accent1"/>
-                  </a:solidFill>
-                </a:endParaRPr>
-              </a:p>
-              <a:p>
-                <a:pPr marL="0" indent="0">
-                  <a:buNone/>
-                </a:pPr>
-                <a:r>
-                  <a:rPr lang="en-US" sz="2300" b="0" dirty="0">
-                    <a:solidFill>
-                      <a:srgbClr val="FF0000"/>
-                    </a:solidFill>
-                  </a:rPr>
-                  <a:t>(2) </a:t>
-                </a:r>
-                <a14:m>
-                  <m:oMath xmlns:m="http://schemas.openxmlformats.org/officeDocument/2006/math">
-                    <m:r>
-                      <a:rPr lang="en-US" sz="2300" b="0" i="1" smtClean="0">
-                        <a:solidFill>
-                          <a:schemeClr val="tx1"/>
-                        </a:solidFill>
-                        <a:latin typeface="Cambria Math" panose="02040503050406030204" pitchFamily="18" charset="0"/>
-                      </a:rPr>
-                      <m:t>𝐿</m:t>
-                    </m:r>
-                    <m:d>
-                      <m:dPr>
-                        <m:begChr m:val="["/>
-                        <m:endChr m:val="]"/>
-                        <m:ctrlPr>
-                          <a:rPr lang="en-US" sz="2300" b="0" i="1" smtClean="0">
-                            <a:solidFill>
-                              <a:schemeClr val="tx1"/>
-                            </a:solidFill>
-                            <a:latin typeface="Cambria Math" panose="02040503050406030204" pitchFamily="18" charset="0"/>
-                          </a:rPr>
-                        </m:ctrlPr>
-                      </m:dPr>
-                      <m:e>
-                        <m:sSup>
-                          <m:sSupPr>
-                            <m:ctrlPr>
-                              <a:rPr lang="en-US" sz="2300" b="0" i="1" smtClean="0">
-                                <a:solidFill>
-                                  <a:schemeClr val="tx1"/>
-                                </a:solidFill>
-                                <a:latin typeface="Cambria Math" panose="02040503050406030204" pitchFamily="18" charset="0"/>
-                              </a:rPr>
-                            </m:ctrlPr>
-                          </m:sSupPr>
-                          <m:e>
-                            <m:r>
-                              <a:rPr lang="en-US" sz="2300" b="0" i="1" smtClean="0">
-                                <a:solidFill>
-                                  <a:schemeClr val="tx1"/>
-                                </a:solidFill>
-                                <a:latin typeface="Cambria Math" panose="02040503050406030204" pitchFamily="18" charset="0"/>
-                              </a:rPr>
-                              <m:t>𝑖</m:t>
-                            </m:r>
-                          </m:e>
-                          <m:sup>
-                            <m:r>
-                              <a:rPr lang="en-US" sz="2300" b="0" i="1" smtClean="0">
-                                <a:solidFill>
-                                  <a:schemeClr val="tx1"/>
-                                </a:solidFill>
-                                <a:latin typeface="Cambria Math" panose="02040503050406030204" pitchFamily="18" charset="0"/>
-                              </a:rPr>
-                              <m:t>′</m:t>
-                            </m:r>
-                          </m:sup>
-                        </m:sSup>
-                      </m:e>
-                    </m:d>
-                  </m:oMath>
-                </a14:m>
-                <a:r>
-                  <a:rPr lang="en-US" sz="2300" dirty="0"/>
-                  <a:t> </a:t>
-                </a:r>
-                <a:r>
-                  <a:rPr lang="en-US" sz="2300" dirty="0">
-                    <a:solidFill>
-                      <a:schemeClr val="accent1"/>
-                    </a:solidFill>
-                  </a:rPr>
-                  <a:t>and</a:t>
-                </a:r>
-                <a:r>
-                  <a:rPr lang="en-US" sz="2300" dirty="0"/>
-                  <a:t> </a:t>
-                </a:r>
-                <a14:m>
-                  <m:oMath xmlns:m="http://schemas.openxmlformats.org/officeDocument/2006/math">
-                    <m:r>
-                      <a:rPr lang="en-US" sz="2300" i="1">
-                        <a:latin typeface="Cambria Math" panose="02040503050406030204" pitchFamily="18" charset="0"/>
-                      </a:rPr>
-                      <m:t>𝑅</m:t>
-                    </m:r>
-                    <m:d>
-                      <m:dPr>
-                        <m:begChr m:val="["/>
-                        <m:endChr m:val="]"/>
-                        <m:ctrlPr>
-                          <a:rPr lang="en-US" sz="2300" i="1">
-                            <a:latin typeface="Cambria Math" panose="02040503050406030204" pitchFamily="18" charset="0"/>
-                          </a:rPr>
-                        </m:ctrlPr>
-                      </m:dPr>
-                      <m:e>
-                        <m:sSup>
-                          <m:sSupPr>
-                            <m:ctrlPr>
-                              <a:rPr lang="en-US" sz="2300" i="1" smtClean="0">
-                                <a:latin typeface="Cambria Math" panose="02040503050406030204" pitchFamily="18" charset="0"/>
-                              </a:rPr>
-                            </m:ctrlPr>
-                          </m:sSupPr>
-                          <m:e>
-                            <m:r>
-                              <a:rPr lang="en-US" sz="2300" b="0" i="1" smtClean="0">
-                                <a:latin typeface="Cambria Math" panose="02040503050406030204" pitchFamily="18" charset="0"/>
-                              </a:rPr>
-                              <m:t>𝑗</m:t>
-                            </m:r>
-                          </m:e>
-                          <m:sup>
-                            <m:r>
-                              <a:rPr lang="en-US" sz="2300" b="0" i="1" smtClean="0">
-                                <a:latin typeface="Cambria Math" panose="02040503050406030204" pitchFamily="18" charset="0"/>
-                              </a:rPr>
-                              <m:t>′</m:t>
-                            </m:r>
-                          </m:sup>
-                        </m:sSup>
-                      </m:e>
-                    </m:d>
-                  </m:oMath>
-                </a14:m>
-                <a:r>
-                  <a:rPr lang="en-US" sz="2300" dirty="0">
-                    <a:solidFill>
-                      <a:schemeClr val="accent1"/>
-                    </a:solidFill>
-                  </a:rPr>
-                  <a:t> now contains the smallest elements of the two arrays that have not been copied back to </a:t>
-                </a:r>
-                <a14:m>
-                  <m:oMath xmlns:m="http://schemas.openxmlformats.org/officeDocument/2006/math">
-                    <m:r>
-                      <a:rPr lang="en-US" sz="2300" i="1">
-                        <a:latin typeface="Cambria Math" panose="02040503050406030204" pitchFamily="18" charset="0"/>
-                      </a:rPr>
-                      <m:t>𝐴</m:t>
-                    </m:r>
-                  </m:oMath>
-                </a14:m>
-                <a:r>
-                  <a:rPr lang="en-US" sz="2300" dirty="0">
-                    <a:solidFill>
-                      <a:schemeClr val="accent1"/>
-                    </a:solidFill>
-                  </a:rPr>
-                  <a:t>.</a:t>
-                </a:r>
-              </a:p>
-              <a:p>
-                <a:pPr marL="0" indent="0">
-                  <a:buNone/>
-                </a:pPr>
-                <a:endParaRPr lang="en-US" sz="2300" dirty="0">
-                  <a:solidFill>
-                    <a:schemeClr val="accent1"/>
-                  </a:solidFill>
-                </a:endParaRPr>
-              </a:p>
-              <a:p>
-                <a:pPr marL="0" indent="0">
-                  <a:buNone/>
-                </a:pPr>
-                <a:r>
-                  <a:rPr lang="en-US" sz="2300" dirty="0">
-                    <a:solidFill>
-                      <a:schemeClr val="accent1"/>
-                    </a:solidFill>
-                  </a:rPr>
-                  <a:t>This reestablishes the loop invariant at the start of the next iteration.</a:t>
-                </a:r>
-              </a:p>
-              <a:p>
-                <a:pPr marL="0" indent="0">
-                  <a:buNone/>
-                </a:pPr>
-                <a:endParaRPr lang="en-US" sz="2300" dirty="0">
-                  <a:solidFill>
-                    <a:schemeClr val="accent1"/>
-                  </a:solidFill>
-                </a:endParaRPr>
-              </a:p>
-              <a:p>
-                <a:pPr marL="0" indent="0">
-                  <a:buNone/>
-                </a:pPr>
-                <a:r>
-                  <a:rPr lang="en-US" sz="2300" b="1" i="1" dirty="0">
-                    <a:solidFill>
-                      <a:srgbClr val="FF0000"/>
-                    </a:solidFill>
-                  </a:rPr>
-                  <a:t>***</a:t>
-                </a:r>
-                <a:r>
-                  <a:rPr lang="en-US" sz="2300" dirty="0">
-                    <a:solidFill>
-                      <a:schemeClr val="accent1"/>
-                    </a:solidFill>
-                  </a:rPr>
-                  <a:t>The maintenance property for the other case </a:t>
+                  <a:t>the case </a:t>
                 </a:r>
                 <a14:m>
                   <m:oMath xmlns:m="http://schemas.openxmlformats.org/officeDocument/2006/math">
@@ -18130,7 +16547,7 @@
                         </a:solidFill>
                         <a:latin typeface="Cambria Math" panose="02040503050406030204" pitchFamily="18" charset="0"/>
                       </a:rPr>
-                      <m:t>&gt;</m:t>
+                      <m:t>≤</m:t>
                     </m:r>
                     <m:r>
                       <a:rPr lang="en-US" sz="2300" b="0" i="1" smtClean="0">
@@ -18176,7 +16593,777 @@
                       <a:schemeClr val="accent1"/>
                     </a:solidFill>
                   </a:rPr>
-                  <a:t> can be shown in a similar way.</a:t>
+                  <a:t>.</a:t>
+                </a:r>
+              </a:p>
+              <a:p>
+                <a:pPr marL="0" indent="0">
+                  <a:buNone/>
+                </a:pPr>
+                <a:endParaRPr lang="en-US" sz="2300" dirty="0">
+                  <a:solidFill>
+                    <a:schemeClr val="accent1"/>
+                  </a:solidFill>
+                </a:endParaRPr>
+              </a:p>
+              <a:p>
+                <a:pPr marL="0" indent="0">
+                  <a:buNone/>
+                </a:pPr>
+                <a:r>
+                  <a:rPr lang="en-US" sz="2300" dirty="0">
+                    <a:solidFill>
+                      <a:schemeClr val="accent1"/>
+                    </a:solidFill>
+                  </a:rPr>
+                  <a:t>By the loop invariant and the fact that </a:t>
+                </a:r>
+                <a14:m>
+                  <m:oMath xmlns:m="http://schemas.openxmlformats.org/officeDocument/2006/math">
+                    <m:r>
+                      <a:rPr lang="en-US" sz="2300" i="1">
+                        <a:latin typeface="Cambria Math" panose="02040503050406030204" pitchFamily="18" charset="0"/>
+                      </a:rPr>
+                      <m:t>𝐿</m:t>
+                    </m:r>
+                    <m:d>
+                      <m:dPr>
+                        <m:begChr m:val="["/>
+                        <m:endChr m:val="]"/>
+                        <m:ctrlPr>
+                          <a:rPr lang="en-US" sz="2300" i="1">
+                            <a:latin typeface="Cambria Math" panose="02040503050406030204" pitchFamily="18" charset="0"/>
+                          </a:rPr>
+                        </m:ctrlPr>
+                      </m:dPr>
+                      <m:e>
+                        <m:r>
+                          <a:rPr lang="en-US" sz="2300" i="1">
+                            <a:latin typeface="Cambria Math" panose="02040503050406030204" pitchFamily="18" charset="0"/>
+                          </a:rPr>
+                          <m:t>𝑖</m:t>
+                        </m:r>
+                      </m:e>
+                    </m:d>
+                    <m:r>
+                      <a:rPr lang="en-US" sz="2300" i="1">
+                        <a:latin typeface="Cambria Math" panose="02040503050406030204" pitchFamily="18" charset="0"/>
+                      </a:rPr>
+                      <m:t>≤</m:t>
+                    </m:r>
+                    <m:r>
+                      <a:rPr lang="en-US" sz="2300" i="1">
+                        <a:latin typeface="Cambria Math" panose="02040503050406030204" pitchFamily="18" charset="0"/>
+                      </a:rPr>
+                      <m:t>𝑅</m:t>
+                    </m:r>
+                    <m:r>
+                      <a:rPr lang="en-US" sz="2300" i="1">
+                        <a:latin typeface="Cambria Math" panose="02040503050406030204" pitchFamily="18" charset="0"/>
+                      </a:rPr>
+                      <m:t>[</m:t>
+                    </m:r>
+                    <m:r>
+                      <a:rPr lang="en-US" sz="2300" i="1">
+                        <a:latin typeface="Cambria Math" panose="02040503050406030204" pitchFamily="18" charset="0"/>
+                      </a:rPr>
+                      <m:t>𝑗</m:t>
+                    </m:r>
+                    <m:r>
+                      <a:rPr lang="en-US" sz="2300" i="1">
+                        <a:latin typeface="Cambria Math" panose="02040503050406030204" pitchFamily="18" charset="0"/>
+                      </a:rPr>
+                      <m:t>]</m:t>
+                    </m:r>
+                  </m:oMath>
+                </a14:m>
+                <a:r>
+                  <a:rPr lang="en-US" sz="2300" dirty="0">
+                    <a:solidFill>
+                      <a:schemeClr val="accent1"/>
+                    </a:solidFill>
+                  </a:rPr>
+                  <a:t>,   </a:t>
+                </a:r>
+                <a14:m>
+                  <m:oMath xmlns:m="http://schemas.openxmlformats.org/officeDocument/2006/math">
+                    <m:r>
+                      <a:rPr lang="en-US" sz="2300" b="0" i="1" smtClean="0">
+                        <a:solidFill>
+                          <a:schemeClr val="tx1"/>
+                        </a:solidFill>
+                        <a:latin typeface="Cambria Math" panose="02040503050406030204" pitchFamily="18" charset="0"/>
+                      </a:rPr>
+                      <m:t>𝐿</m:t>
+                    </m:r>
+                    <m:d>
+                      <m:dPr>
+                        <m:begChr m:val="["/>
+                        <m:endChr m:val="]"/>
+                        <m:ctrlPr>
+                          <a:rPr lang="en-US" sz="2300" b="0" i="1" smtClean="0">
+                            <a:solidFill>
+                              <a:schemeClr val="tx1"/>
+                            </a:solidFill>
+                            <a:latin typeface="Cambria Math" panose="02040503050406030204" pitchFamily="18" charset="0"/>
+                          </a:rPr>
+                        </m:ctrlPr>
+                      </m:dPr>
+                      <m:e>
+                        <m:r>
+                          <a:rPr lang="en-US" sz="2300" b="0" i="1" smtClean="0">
+                            <a:solidFill>
+                              <a:schemeClr val="tx1"/>
+                            </a:solidFill>
+                            <a:latin typeface="Cambria Math" panose="02040503050406030204" pitchFamily="18" charset="0"/>
+                          </a:rPr>
+                          <m:t>𝑖</m:t>
+                        </m:r>
+                      </m:e>
+                    </m:d>
+                  </m:oMath>
+                </a14:m>
+                <a:r>
+                  <a:rPr lang="en-US" sz="2300" dirty="0">
+                    <a:solidFill>
+                      <a:schemeClr val="accent1"/>
+                    </a:solidFill>
+                  </a:rPr>
+                  <a:t> is the smallest element not copied back to </a:t>
+                </a:r>
+                <a14:m>
+                  <m:oMath xmlns:m="http://schemas.openxmlformats.org/officeDocument/2006/math">
+                    <m:r>
+                      <a:rPr lang="en-US" sz="2300" b="0" i="1" smtClean="0">
+                        <a:solidFill>
+                          <a:schemeClr val="tx1"/>
+                        </a:solidFill>
+                        <a:latin typeface="Cambria Math" panose="02040503050406030204" pitchFamily="18" charset="0"/>
+                      </a:rPr>
+                      <m:t>𝐴</m:t>
+                    </m:r>
+                  </m:oMath>
+                </a14:m>
+                <a:r>
+                  <a:rPr lang="en-US" sz="2300" b="0" dirty="0">
+                    <a:solidFill>
+                      <a:schemeClr val="accent1"/>
+                    </a:solidFill>
+                  </a:rPr>
+                  <a:t>.</a:t>
+                </a:r>
+              </a:p>
+              <a:p>
+                <a:pPr marL="0" indent="0">
+                  <a:buNone/>
+                </a:pPr>
+                <a:endParaRPr lang="en-US" sz="2300" b="0" dirty="0">
+                  <a:solidFill>
+                    <a:schemeClr val="accent1"/>
+                  </a:solidFill>
+                </a:endParaRPr>
+              </a:p>
+              <a:p>
+                <a:pPr marL="0" indent="0">
+                  <a:buNone/>
+                </a:pPr>
+                <a:r>
+                  <a:rPr lang="en-US" sz="2300" dirty="0">
+                    <a:solidFill>
+                      <a:schemeClr val="accent1"/>
+                    </a:solidFill>
+                  </a:rPr>
+                  <a:t>By the loop invariant, </a:t>
+                </a:r>
+                <a14:m>
+                  <m:oMath xmlns:m="http://schemas.openxmlformats.org/officeDocument/2006/math">
+                    <m:r>
+                      <a:rPr lang="en-US" sz="2300" i="1" smtClean="0">
+                        <a:latin typeface="Cambria Math" panose="02040503050406030204" pitchFamily="18" charset="0"/>
+                      </a:rPr>
+                      <m:t>𝐴</m:t>
+                    </m:r>
+                    <m:d>
+                      <m:dPr>
+                        <m:begChr m:val="["/>
+                        <m:endChr m:val="]"/>
+                        <m:ctrlPr>
+                          <a:rPr lang="en-US" sz="2300" i="1">
+                            <a:latin typeface="Cambria Math" panose="02040503050406030204" pitchFamily="18" charset="0"/>
+                          </a:rPr>
+                        </m:ctrlPr>
+                      </m:dPr>
+                      <m:e>
+                        <m:r>
+                          <a:rPr lang="en-US" sz="2300" i="1">
+                            <a:latin typeface="Cambria Math" panose="02040503050406030204" pitchFamily="18" charset="0"/>
+                          </a:rPr>
+                          <m:t>𝑝</m:t>
+                        </m:r>
+                        <m:r>
+                          <a:rPr lang="en-US" sz="2300" i="1">
+                            <a:latin typeface="Cambria Math" panose="02040503050406030204" pitchFamily="18" charset="0"/>
+                          </a:rPr>
+                          <m:t>…</m:t>
+                        </m:r>
+                        <m:r>
+                          <a:rPr lang="en-US" sz="2300" b="0" i="1" smtClean="0">
+                            <a:latin typeface="Cambria Math" panose="02040503050406030204" pitchFamily="18" charset="0"/>
+                          </a:rPr>
+                          <m:t>𝑘</m:t>
+                        </m:r>
+                        <m:r>
+                          <a:rPr lang="en-US" sz="2300" i="1">
+                            <a:latin typeface="Cambria Math" panose="02040503050406030204" pitchFamily="18" charset="0"/>
+                          </a:rPr>
+                          <m:t>−1</m:t>
+                        </m:r>
+                      </m:e>
+                    </m:d>
+                  </m:oMath>
+                </a14:m>
+                <a:r>
+                  <a:rPr lang="en-US" sz="2300" dirty="0">
+                    <a:solidFill>
+                      <a:schemeClr val="accent1"/>
+                    </a:solidFill>
+                  </a:rPr>
+                  <a:t> contains the smallest </a:t>
+                </a:r>
+                <a14:m>
+                  <m:oMath xmlns:m="http://schemas.openxmlformats.org/officeDocument/2006/math">
+                    <m:r>
+                      <a:rPr lang="en-US" sz="2300" i="1">
+                        <a:latin typeface="Cambria Math" panose="02040503050406030204" pitchFamily="18" charset="0"/>
+                      </a:rPr>
+                      <m:t>𝑘</m:t>
+                    </m:r>
+                    <m:r>
+                      <a:rPr lang="en-US" sz="2300" i="1">
+                        <a:latin typeface="Cambria Math" panose="02040503050406030204" pitchFamily="18" charset="0"/>
+                      </a:rPr>
+                      <m:t>−</m:t>
+                    </m:r>
+                    <m:r>
+                      <a:rPr lang="en-US" sz="2300" i="1">
+                        <a:latin typeface="Cambria Math" panose="02040503050406030204" pitchFamily="18" charset="0"/>
+                      </a:rPr>
+                      <m:t>𝑝</m:t>
+                    </m:r>
+                  </m:oMath>
+                </a14:m>
+                <a:r>
+                  <a:rPr lang="en-US" sz="2300" dirty="0">
+                    <a:solidFill>
+                      <a:schemeClr val="accent1"/>
+                    </a:solidFill>
+                  </a:rPr>
+                  <a:t> elements.</a:t>
+                </a:r>
+              </a:p>
+              <a:p>
+                <a:pPr marL="0" indent="0">
+                  <a:buNone/>
+                </a:pPr>
+                <a:endParaRPr lang="en-US" sz="2300" dirty="0">
+                  <a:solidFill>
+                    <a:schemeClr val="accent1"/>
+                  </a:solidFill>
+                </a:endParaRPr>
+              </a:p>
+              <a:p>
+                <a:pPr marL="0" indent="0">
+                  <a:buNone/>
+                </a:pPr>
+                <a:r>
+                  <a:rPr lang="en-US" sz="2300" dirty="0">
+                    <a:solidFill>
+                      <a:schemeClr val="accent1"/>
+                    </a:solidFill>
+                  </a:rPr>
+                  <a:t>By inspection, </a:t>
+                </a:r>
+                <a14:m>
+                  <m:oMath xmlns:m="http://schemas.openxmlformats.org/officeDocument/2006/math">
+                    <m:r>
+                      <a:rPr lang="en-US" sz="2300" b="0" i="1" smtClean="0">
+                        <a:solidFill>
+                          <a:schemeClr val="tx1"/>
+                        </a:solidFill>
+                        <a:latin typeface="Cambria Math" panose="02040503050406030204" pitchFamily="18" charset="0"/>
+                      </a:rPr>
+                      <m:t>𝐴</m:t>
+                    </m:r>
+                    <m:d>
+                      <m:dPr>
+                        <m:begChr m:val="["/>
+                        <m:endChr m:val="]"/>
+                        <m:ctrlPr>
+                          <a:rPr lang="en-US" sz="2300" b="0" i="1" smtClean="0">
+                            <a:solidFill>
+                              <a:schemeClr val="tx1"/>
+                            </a:solidFill>
+                            <a:latin typeface="Cambria Math" panose="02040503050406030204" pitchFamily="18" charset="0"/>
+                          </a:rPr>
+                        </m:ctrlPr>
+                      </m:dPr>
+                      <m:e>
+                        <m:r>
+                          <a:rPr lang="en-US" sz="2300" b="0" i="1" smtClean="0">
+                            <a:solidFill>
+                              <a:schemeClr val="tx1"/>
+                            </a:solidFill>
+                            <a:latin typeface="Cambria Math" panose="02040503050406030204" pitchFamily="18" charset="0"/>
+                          </a:rPr>
+                          <m:t>𝑘</m:t>
+                        </m:r>
+                      </m:e>
+                    </m:d>
+                    <m:r>
+                      <a:rPr lang="en-US" sz="2300" b="0" i="1" smtClean="0">
+                        <a:solidFill>
+                          <a:schemeClr val="tx1"/>
+                        </a:solidFill>
+                        <a:latin typeface="Cambria Math" panose="02040503050406030204" pitchFamily="18" charset="0"/>
+                      </a:rPr>
+                      <m:t>= </m:t>
+                    </m:r>
+                    <m:r>
+                      <a:rPr lang="en-US" sz="2300" b="0" i="1" smtClean="0">
+                        <a:solidFill>
+                          <a:schemeClr val="tx1"/>
+                        </a:solidFill>
+                        <a:latin typeface="Cambria Math" panose="02040503050406030204" pitchFamily="18" charset="0"/>
+                      </a:rPr>
+                      <m:t>𝐿</m:t>
+                    </m:r>
+                    <m:d>
+                      <m:dPr>
+                        <m:begChr m:val="["/>
+                        <m:endChr m:val="]"/>
+                        <m:ctrlPr>
+                          <a:rPr lang="en-US" sz="2300" b="0" i="1" smtClean="0">
+                            <a:solidFill>
+                              <a:schemeClr val="tx1"/>
+                            </a:solidFill>
+                            <a:latin typeface="Cambria Math" panose="02040503050406030204" pitchFamily="18" charset="0"/>
+                          </a:rPr>
+                        </m:ctrlPr>
+                      </m:dPr>
+                      <m:e>
+                        <m:r>
+                          <a:rPr lang="en-US" sz="2300" b="0" i="1" smtClean="0">
+                            <a:solidFill>
+                              <a:schemeClr val="tx1"/>
+                            </a:solidFill>
+                            <a:latin typeface="Cambria Math" panose="02040503050406030204" pitchFamily="18" charset="0"/>
+                          </a:rPr>
+                          <m:t>𝑖</m:t>
+                        </m:r>
+                      </m:e>
+                    </m:d>
+                  </m:oMath>
+                </a14:m>
+                <a:r>
+                  <a:rPr lang="en-US" sz="2300" b="1" i="1" dirty="0">
+                    <a:solidFill>
+                      <a:schemeClr val="accent1"/>
+                    </a:solidFill>
+                  </a:rPr>
+                  <a:t> </a:t>
+                </a:r>
+                <a:r>
+                  <a:rPr lang="en-US" sz="2300" dirty="0">
+                    <a:solidFill>
+                      <a:schemeClr val="accent1"/>
+                    </a:solidFill>
+                  </a:rPr>
+                  <a:t>(</a:t>
+                </a:r>
+                <a:r>
+                  <a:rPr lang="en-US" sz="2300" b="1" i="1" dirty="0">
+                    <a:solidFill>
+                      <a:srgbClr val="FF0000"/>
+                    </a:solidFill>
+                  </a:rPr>
+                  <a:t>Line 16</a:t>
+                </a:r>
+                <a:r>
+                  <a:rPr lang="en-US" sz="2300" dirty="0">
+                    <a:solidFill>
+                      <a:schemeClr val="accent1"/>
+                    </a:solidFill>
+                  </a:rPr>
+                  <a:t>) </a:t>
+                </a:r>
+                <a:r>
+                  <a:rPr lang="en-US" sz="2300" b="1" i="1" dirty="0">
+                    <a:solidFill>
+                      <a:schemeClr val="accent1"/>
+                    </a:solidFill>
+                  </a:rPr>
+                  <a:t>.</a:t>
+                </a:r>
+              </a:p>
+              <a:p>
+                <a:pPr marL="0" indent="0">
+                  <a:buNone/>
+                </a:pPr>
+                <a:endParaRPr lang="en-US" sz="2300" b="1" i="1" dirty="0">
+                  <a:solidFill>
+                    <a:schemeClr val="accent1"/>
+                  </a:solidFill>
+                </a:endParaRPr>
+              </a:p>
+              <a:p>
+                <a:pPr marL="0" indent="0">
+                  <a:buNone/>
+                </a:pPr>
+                <a:r>
+                  <a:rPr lang="en-US" sz="2300" dirty="0">
+                    <a:solidFill>
+                      <a:srgbClr val="FF0000"/>
+                    </a:solidFill>
+                  </a:rPr>
+                  <a:t>(1) </a:t>
+                </a:r>
+                <a:r>
+                  <a:rPr lang="en-US" sz="2300" dirty="0">
+                    <a:solidFill>
+                      <a:schemeClr val="accent1"/>
+                    </a:solidFill>
+                  </a:rPr>
+                  <a:t>Therefore, </a:t>
+                </a:r>
+                <a14:m>
+                  <m:oMath xmlns:m="http://schemas.openxmlformats.org/officeDocument/2006/math">
+                    <m:r>
+                      <a:rPr lang="en-US" sz="2300" b="0" i="1" smtClean="0">
+                        <a:solidFill>
+                          <a:schemeClr val="tx1"/>
+                        </a:solidFill>
+                        <a:latin typeface="Cambria Math" panose="02040503050406030204" pitchFamily="18" charset="0"/>
+                      </a:rPr>
+                      <m:t>𝐴</m:t>
+                    </m:r>
+                    <m:r>
+                      <a:rPr lang="en-US" sz="2300" b="0" i="1" smtClean="0">
+                        <a:solidFill>
+                          <a:schemeClr val="tx1"/>
+                        </a:solidFill>
+                        <a:latin typeface="Cambria Math" panose="02040503050406030204" pitchFamily="18" charset="0"/>
+                      </a:rPr>
+                      <m:t>[</m:t>
+                    </m:r>
+                    <m:r>
+                      <a:rPr lang="en-US" sz="2300" b="0" i="1" smtClean="0">
+                        <a:solidFill>
+                          <a:schemeClr val="tx1"/>
+                        </a:solidFill>
+                        <a:latin typeface="Cambria Math" panose="02040503050406030204" pitchFamily="18" charset="0"/>
+                      </a:rPr>
+                      <m:t>𝑝</m:t>
+                    </m:r>
+                    <m:r>
+                      <a:rPr lang="en-US" sz="2300" b="0" i="1" smtClean="0">
+                        <a:solidFill>
+                          <a:schemeClr val="tx1"/>
+                        </a:solidFill>
+                        <a:latin typeface="Cambria Math" panose="02040503050406030204" pitchFamily="18" charset="0"/>
+                      </a:rPr>
+                      <m:t>…</m:t>
+                    </m:r>
+                    <m:r>
+                      <a:rPr lang="en-US" sz="2300" b="0" i="1" smtClean="0">
+                        <a:solidFill>
+                          <a:schemeClr val="tx1"/>
+                        </a:solidFill>
+                        <a:latin typeface="Cambria Math" panose="02040503050406030204" pitchFamily="18" charset="0"/>
+                      </a:rPr>
+                      <m:t>𝑘</m:t>
+                    </m:r>
+                    <m:r>
+                      <a:rPr lang="en-US" sz="2300" b="0" i="1" smtClean="0">
+                        <a:solidFill>
+                          <a:schemeClr val="tx1"/>
+                        </a:solidFill>
+                        <a:latin typeface="Cambria Math" panose="02040503050406030204" pitchFamily="18" charset="0"/>
+                      </a:rPr>
+                      <m:t>]</m:t>
+                    </m:r>
+                  </m:oMath>
+                </a14:m>
+                <a:r>
+                  <a:rPr lang="en-US" sz="2300" dirty="0">
+                    <a:solidFill>
+                      <a:srgbClr val="FF0000"/>
+                    </a:solidFill>
+                  </a:rPr>
+                  <a:t> now </a:t>
+                </a:r>
+                <a:r>
+                  <a:rPr lang="en-US" sz="2300" dirty="0">
+                    <a:solidFill>
+                      <a:schemeClr val="accent1"/>
+                    </a:solidFill>
+                  </a:rPr>
+                  <a:t>contains the smallest </a:t>
+                </a:r>
+                <a14:m>
+                  <m:oMath xmlns:m="http://schemas.openxmlformats.org/officeDocument/2006/math">
+                    <m:r>
+                      <a:rPr lang="en-US" sz="2300" i="1">
+                        <a:latin typeface="Cambria Math" panose="02040503050406030204" pitchFamily="18" charset="0"/>
+                      </a:rPr>
+                      <m:t>𝑘</m:t>
+                    </m:r>
+                    <m:r>
+                      <a:rPr lang="en-US" sz="2300" i="1">
+                        <a:latin typeface="Cambria Math" panose="02040503050406030204" pitchFamily="18" charset="0"/>
+                      </a:rPr>
+                      <m:t>−</m:t>
+                    </m:r>
+                    <m:r>
+                      <a:rPr lang="en-US" sz="2300" i="1">
+                        <a:latin typeface="Cambria Math" panose="02040503050406030204" pitchFamily="18" charset="0"/>
+                      </a:rPr>
+                      <m:t>𝑝</m:t>
+                    </m:r>
+                    <m:r>
+                      <a:rPr lang="en-US" sz="2300" b="0" i="0" smtClean="0">
+                        <a:latin typeface="Cambria Math" panose="02040503050406030204" pitchFamily="18" charset="0"/>
+                      </a:rPr>
+                      <m:t>+1</m:t>
+                    </m:r>
+                  </m:oMath>
+                </a14:m>
+                <a:r>
+                  <a:rPr lang="en-US" sz="2300" dirty="0">
+                    <a:solidFill>
+                      <a:schemeClr val="accent1"/>
+                    </a:solidFill>
+                  </a:rPr>
+                  <a:t> elements.</a:t>
+                </a:r>
+              </a:p>
+              <a:p>
+                <a:pPr marL="0" indent="0">
+                  <a:buNone/>
+                </a:pPr>
+                <a:endParaRPr lang="en-US" sz="2300" dirty="0">
+                  <a:solidFill>
+                    <a:schemeClr val="accent1"/>
+                  </a:solidFill>
+                </a:endParaRPr>
+              </a:p>
+              <a:p>
+                <a:pPr marL="0" indent="0">
+                  <a:buNone/>
+                </a:pPr>
+                <a:r>
+                  <a:rPr lang="en-US" sz="2300" b="0" dirty="0">
+                    <a:solidFill>
+                      <a:srgbClr val="FF0000"/>
+                    </a:solidFill>
+                  </a:rPr>
+                  <a:t>(2) </a:t>
+                </a:r>
+                <a:r>
+                  <a:rPr lang="en-US" sz="2300" b="0" dirty="0">
+                    <a:solidFill>
+                      <a:schemeClr val="accent1"/>
+                    </a:solidFill>
+                  </a:rPr>
+                  <a:t>Moreover,</a:t>
+                </a:r>
+                <a:r>
+                  <a:rPr lang="en-US" sz="2300" b="0" dirty="0">
+                    <a:solidFill>
+                      <a:schemeClr val="tx1"/>
+                    </a:solidFill>
+                  </a:rPr>
+                  <a:t> </a:t>
+                </a:r>
+                <a14:m>
+                  <m:oMath xmlns:m="http://schemas.openxmlformats.org/officeDocument/2006/math">
+                    <m:r>
+                      <a:rPr lang="en-US" sz="2300" b="0" i="1" smtClean="0">
+                        <a:solidFill>
+                          <a:schemeClr val="tx1"/>
+                        </a:solidFill>
+                        <a:latin typeface="Cambria Math" panose="02040503050406030204" pitchFamily="18" charset="0"/>
+                      </a:rPr>
+                      <m:t>𝐿</m:t>
+                    </m:r>
+                    <m:d>
+                      <m:dPr>
+                        <m:begChr m:val="["/>
+                        <m:endChr m:val="]"/>
+                        <m:ctrlPr>
+                          <a:rPr lang="en-US" sz="2300" b="0" i="1" smtClean="0">
+                            <a:solidFill>
+                              <a:schemeClr val="tx1"/>
+                            </a:solidFill>
+                            <a:latin typeface="Cambria Math" panose="02040503050406030204" pitchFamily="18" charset="0"/>
+                          </a:rPr>
+                        </m:ctrlPr>
+                      </m:dPr>
+                      <m:e>
+                        <m:r>
+                          <a:rPr lang="en-US" sz="2300" b="0" i="1" smtClean="0">
+                            <a:solidFill>
+                              <a:schemeClr val="tx1"/>
+                            </a:solidFill>
+                            <a:latin typeface="Cambria Math" panose="02040503050406030204" pitchFamily="18" charset="0"/>
+                          </a:rPr>
+                          <m:t>𝑖</m:t>
+                        </m:r>
+                        <m:r>
+                          <a:rPr lang="en-US" sz="2300" b="0" i="1" smtClean="0">
+                            <a:solidFill>
+                              <a:schemeClr val="tx1"/>
+                            </a:solidFill>
+                            <a:latin typeface="Cambria Math" panose="02040503050406030204" pitchFamily="18" charset="0"/>
+                          </a:rPr>
+                          <m:t>+1</m:t>
+                        </m:r>
+                      </m:e>
+                    </m:d>
+                  </m:oMath>
+                </a14:m>
+                <a:r>
+                  <a:rPr lang="en-US" sz="2300" dirty="0">
+                    <a:solidFill>
+                      <a:schemeClr val="accent1"/>
+                    </a:solidFill>
+                  </a:rPr>
+                  <a:t> (</a:t>
+                </a:r>
+                <a14:m>
+                  <m:oMath xmlns:m="http://schemas.openxmlformats.org/officeDocument/2006/math">
+                    <m:r>
+                      <a:rPr lang="en-US" sz="2300" i="1">
+                        <a:latin typeface="Cambria Math" panose="02040503050406030204" pitchFamily="18" charset="0"/>
+                      </a:rPr>
+                      <m:t>𝐿</m:t>
+                    </m:r>
+                    <m:d>
+                      <m:dPr>
+                        <m:begChr m:val="["/>
+                        <m:endChr m:val="]"/>
+                        <m:ctrlPr>
+                          <a:rPr lang="en-US" sz="2300" i="1">
+                            <a:latin typeface="Cambria Math" panose="02040503050406030204" pitchFamily="18" charset="0"/>
+                          </a:rPr>
+                        </m:ctrlPr>
+                      </m:dPr>
+                      <m:e>
+                        <m:r>
+                          <a:rPr lang="en-US" sz="2300" i="1">
+                            <a:latin typeface="Cambria Math" panose="02040503050406030204" pitchFamily="18" charset="0"/>
+                          </a:rPr>
+                          <m:t>𝑖</m:t>
+                        </m:r>
+                      </m:e>
+                    </m:d>
+                  </m:oMath>
+                </a14:m>
+                <a:r>
+                  <a:rPr lang="en-US" sz="2300" dirty="0">
+                    <a:solidFill>
+                      <a:schemeClr val="accent1"/>
+                    </a:solidFill>
+                  </a:rPr>
+                  <a:t> has just been copied back to </a:t>
+                </a:r>
+                <a14:m>
+                  <m:oMath xmlns:m="http://schemas.openxmlformats.org/officeDocument/2006/math">
+                    <m:r>
+                      <a:rPr lang="en-US" sz="2300" i="1">
+                        <a:latin typeface="Cambria Math" panose="02040503050406030204" pitchFamily="18" charset="0"/>
+                      </a:rPr>
+                      <m:t>𝐴</m:t>
+                    </m:r>
+                  </m:oMath>
+                </a14:m>
+                <a:r>
+                  <a:rPr lang="en-US" sz="2300" dirty="0">
+                    <a:solidFill>
+                      <a:schemeClr val="accent1"/>
+                    </a:solidFill>
+                  </a:rPr>
+                  <a:t> by </a:t>
+                </a:r>
+                <a:r>
+                  <a:rPr lang="en-US" sz="2300" b="1" i="1" dirty="0">
+                    <a:solidFill>
+                      <a:srgbClr val="FF0000"/>
+                    </a:solidFill>
+                  </a:rPr>
+                  <a:t>Line 16</a:t>
+                </a:r>
+                <a:r>
+                  <a:rPr lang="en-US" sz="2300" dirty="0">
+                    <a:solidFill>
+                      <a:schemeClr val="accent1"/>
+                    </a:solidFill>
+                  </a:rPr>
+                  <a:t> ) and </a:t>
+                </a:r>
+                <a14:m>
+                  <m:oMath xmlns:m="http://schemas.openxmlformats.org/officeDocument/2006/math">
+                    <m:r>
+                      <a:rPr lang="en-US" sz="2300" b="0" i="1" smtClean="0">
+                        <a:latin typeface="Cambria Math" panose="02040503050406030204" pitchFamily="18" charset="0"/>
+                      </a:rPr>
+                      <m:t>𝑅</m:t>
+                    </m:r>
+                    <m:d>
+                      <m:dPr>
+                        <m:begChr m:val="["/>
+                        <m:endChr m:val="]"/>
+                        <m:ctrlPr>
+                          <a:rPr lang="en-US" sz="2300" i="1">
+                            <a:latin typeface="Cambria Math" panose="02040503050406030204" pitchFamily="18" charset="0"/>
+                          </a:rPr>
+                        </m:ctrlPr>
+                      </m:dPr>
+                      <m:e>
+                        <m:r>
+                          <a:rPr lang="en-US" sz="2300" b="0" i="1" smtClean="0">
+                            <a:latin typeface="Cambria Math" panose="02040503050406030204" pitchFamily="18" charset="0"/>
+                          </a:rPr>
+                          <m:t>𝑗</m:t>
+                        </m:r>
+                      </m:e>
+                    </m:d>
+                  </m:oMath>
+                </a14:m>
+                <a:r>
+                  <a:rPr lang="en-US" sz="2300" dirty="0">
+                    <a:solidFill>
+                      <a:schemeClr val="accent1"/>
+                    </a:solidFill>
+                  </a:rPr>
+                  <a:t> contain the smallest elements of the two subarrays that have not been copied back to </a:t>
+                </a:r>
+                <a14:m>
+                  <m:oMath xmlns:m="http://schemas.openxmlformats.org/officeDocument/2006/math">
+                    <m:r>
+                      <a:rPr lang="en-US" sz="2300" i="1">
+                        <a:latin typeface="Cambria Math" panose="02040503050406030204" pitchFamily="18" charset="0"/>
+                      </a:rPr>
+                      <m:t>𝐴</m:t>
+                    </m:r>
+                  </m:oMath>
+                </a14:m>
+                <a:r>
+                  <a:rPr lang="en-US" sz="2300" dirty="0">
+                    <a:solidFill>
+                      <a:schemeClr val="accent1"/>
+                    </a:solidFill>
+                  </a:rPr>
+                  <a:t>.</a:t>
                 </a:r>
               </a:p>
             </p:txBody>
@@ -18203,7 +17390,7 @@
               <a:blipFill>
                 <a:blip r:embed="rId2"/>
                 <a:stretch>
-                  <a:fillRect l="-638" t="-2521" b="-700"/>
+                  <a:fillRect l="-754" t="-2801" r="-348"/>
                 </a:stretch>
               </a:blipFill>
             </p:spPr>
@@ -18225,7 +17412,7 @@
     </p:spTree>
     <p:extLst>
       <p:ext uri="{BB962C8B-B14F-4D97-AF65-F5344CB8AC3E}">
-        <p14:creationId xmlns:p14="http://schemas.microsoft.com/office/powerpoint/2010/main" val="843360119"/>
+        <p14:creationId xmlns:p14="http://schemas.microsoft.com/office/powerpoint/2010/main" val="4099742478"/>
       </p:ext>
     </p:extLst>
   </p:cSld>
@@ -18306,6 +17493,983 @@
             <p:spPr/>
             <p:txBody>
               <a:bodyPr>
+                <a:normAutofit fontScale="85000" lnSpcReduction="20000"/>
+              </a:bodyPr>
+              <a:lstStyle/>
+              <a:p>
+                <a:pPr marL="0" indent="0">
+                  <a:buNone/>
+                </a:pPr>
+                <a:r>
+                  <a:rPr lang="en-US" sz="2400" b="1" i="1" u="sng" dirty="0">
+                    <a:solidFill>
+                      <a:srgbClr val="FF0000"/>
+                    </a:solidFill>
+                  </a:rPr>
+                  <a:t>Maintenance</a:t>
+                </a:r>
+                <a:r>
+                  <a:rPr lang="en-US" sz="2400" b="1" i="1" dirty="0">
+                    <a:solidFill>
+                      <a:srgbClr val="FF0000"/>
+                    </a:solidFill>
+                  </a:rPr>
+                  <a:t>: (Continued)</a:t>
+                </a:r>
+              </a:p>
+              <a:p>
+                <a:pPr marL="0" indent="0">
+                  <a:buNone/>
+                </a:pPr>
+                <a:endParaRPr lang="en-US" sz="2300" dirty="0">
+                  <a:solidFill>
+                    <a:schemeClr val="accent1"/>
+                  </a:solidFill>
+                </a:endParaRPr>
+              </a:p>
+              <a:p>
+                <a:pPr marL="0" indent="0">
+                  <a:buNone/>
+                </a:pPr>
+                <a:r>
+                  <a:rPr lang="en-US" sz="2300" dirty="0">
+                    <a:solidFill>
+                      <a:schemeClr val="accent1"/>
+                    </a:solidFill>
+                  </a:rPr>
+                  <a:t>After </a:t>
+                </a:r>
+                <a:r>
+                  <a:rPr lang="en-US" sz="2300" b="1" i="1" dirty="0">
+                    <a:solidFill>
+                      <a:srgbClr val="FF0000"/>
+                    </a:solidFill>
+                  </a:rPr>
+                  <a:t>Line 17</a:t>
+                </a:r>
+                <a:r>
+                  <a:rPr lang="en-US" sz="2300" dirty="0">
+                    <a:solidFill>
+                      <a:schemeClr val="accent1"/>
+                    </a:solidFill>
+                  </a:rPr>
+                  <a:t>, </a:t>
+                </a:r>
+                <a14:m>
+                  <m:oMath xmlns:m="http://schemas.openxmlformats.org/officeDocument/2006/math">
+                    <m:r>
+                      <a:rPr lang="en-US" sz="2300" b="0" i="1" smtClean="0">
+                        <a:solidFill>
+                          <a:schemeClr val="tx1"/>
+                        </a:solidFill>
+                        <a:latin typeface="Cambria Math" panose="02040503050406030204" pitchFamily="18" charset="0"/>
+                      </a:rPr>
+                      <m:t>𝑖</m:t>
+                    </m:r>
+                    <m:r>
+                      <a:rPr lang="en-US" sz="2300" b="1" i="1" smtClean="0">
+                        <a:solidFill>
+                          <a:schemeClr val="tx1"/>
+                        </a:solidFill>
+                        <a:latin typeface="Cambria Math" panose="02040503050406030204" pitchFamily="18" charset="0"/>
+                      </a:rPr>
+                      <m:t> </m:t>
+                    </m:r>
+                  </m:oMath>
+                </a14:m>
+                <a:r>
+                  <a:rPr lang="en-US" sz="2300" b="1" i="1" dirty="0">
+                    <a:solidFill>
+                      <a:srgbClr val="FF0000"/>
+                    </a:solidFill>
+                  </a:rPr>
+                  <a:t> </a:t>
+                </a:r>
+                <a:r>
+                  <a:rPr lang="en-US" sz="2300" dirty="0">
+                    <a:solidFill>
+                      <a:schemeClr val="accent1"/>
+                    </a:solidFill>
+                  </a:rPr>
+                  <a:t>is incremented,</a:t>
+                </a:r>
+                <a:r>
+                  <a:rPr lang="en-US" sz="2300" dirty="0"/>
+                  <a:t> </a:t>
+                </a:r>
+                <a14:m>
+                  <m:oMath xmlns:m="http://schemas.openxmlformats.org/officeDocument/2006/math">
+                    <m:r>
+                      <a:rPr lang="en-US" sz="2300" b="0" i="1" smtClean="0">
+                        <a:latin typeface="Cambria Math" panose="02040503050406030204" pitchFamily="18" charset="0"/>
+                      </a:rPr>
+                      <m:t>𝑗</m:t>
+                    </m:r>
+                  </m:oMath>
+                </a14:m>
+                <a:r>
+                  <a:rPr lang="en-US" sz="2300" dirty="0">
+                    <a:solidFill>
+                      <a:schemeClr val="accent1"/>
+                    </a:solidFill>
+                  </a:rPr>
+                  <a:t> remains the same and </a:t>
+                </a:r>
+                <a14:m>
+                  <m:oMath xmlns:m="http://schemas.openxmlformats.org/officeDocument/2006/math">
+                    <m:r>
+                      <a:rPr lang="en-US" sz="2300" i="1">
+                        <a:latin typeface="Cambria Math" panose="02040503050406030204" pitchFamily="18" charset="0"/>
+                      </a:rPr>
+                      <m:t> </m:t>
+                    </m:r>
+                    <m:r>
+                      <a:rPr lang="en-US" sz="2300" b="0" i="1" smtClean="0">
+                        <a:solidFill>
+                          <a:schemeClr val="tx1"/>
+                        </a:solidFill>
+                        <a:latin typeface="Cambria Math" panose="02040503050406030204" pitchFamily="18" charset="0"/>
+                      </a:rPr>
+                      <m:t>𝑘</m:t>
+                    </m:r>
+                  </m:oMath>
+                </a14:m>
+                <a:r>
+                  <a:rPr lang="en-US" sz="2300" dirty="0">
+                    <a:solidFill>
+                      <a:srgbClr val="FF0000"/>
+                    </a:solidFill>
+                  </a:rPr>
+                  <a:t> </a:t>
+                </a:r>
+                <a:r>
+                  <a:rPr lang="en-US" sz="2300" dirty="0">
+                    <a:solidFill>
+                      <a:schemeClr val="accent1"/>
+                    </a:solidFill>
+                  </a:rPr>
+                  <a:t>is incremented:</a:t>
+                </a:r>
+              </a:p>
+              <a:p>
+                <a:pPr marL="0" indent="0">
+                  <a:buNone/>
+                </a:pPr>
+                <a:r>
+                  <a:rPr lang="en-US" sz="2300" dirty="0"/>
+                  <a:t>	</a:t>
+                </a:r>
+                <a14:m>
+                  <m:oMath xmlns:m="http://schemas.openxmlformats.org/officeDocument/2006/math">
+                    <m:sSup>
+                      <m:sSupPr>
+                        <m:ctrlPr>
+                          <a:rPr lang="en-US" sz="2300" i="1" smtClean="0">
+                            <a:latin typeface="Cambria Math" panose="02040503050406030204" pitchFamily="18" charset="0"/>
+                          </a:rPr>
+                        </m:ctrlPr>
+                      </m:sSupPr>
+                      <m:e>
+                        <m:r>
+                          <a:rPr lang="en-US" sz="2300" b="0" i="1" smtClean="0">
+                            <a:latin typeface="Cambria Math" panose="02040503050406030204" pitchFamily="18" charset="0"/>
+                          </a:rPr>
+                          <m:t>𝑖</m:t>
+                        </m:r>
+                      </m:e>
+                      <m:sup>
+                        <m:r>
+                          <a:rPr lang="en-US" sz="2300" b="0" i="1" smtClean="0">
+                            <a:latin typeface="Cambria Math" panose="02040503050406030204" pitchFamily="18" charset="0"/>
+                          </a:rPr>
+                          <m:t>′</m:t>
+                        </m:r>
+                      </m:sup>
+                    </m:sSup>
+                    <m:r>
+                      <a:rPr lang="en-US" sz="2300" i="1" smtClean="0">
+                        <a:latin typeface="Cambria Math" panose="02040503050406030204" pitchFamily="18" charset="0"/>
+                      </a:rPr>
+                      <m:t>=</m:t>
+                    </m:r>
+                    <m:r>
+                      <a:rPr lang="en-US" sz="2300" b="0" i="1" smtClean="0">
+                        <a:solidFill>
+                          <a:schemeClr val="tx1"/>
+                        </a:solidFill>
+                        <a:latin typeface="Cambria Math" panose="02040503050406030204" pitchFamily="18" charset="0"/>
+                      </a:rPr>
+                      <m:t>𝑖</m:t>
+                    </m:r>
+                    <m:r>
+                      <a:rPr lang="en-US" sz="2300" b="0" i="1" smtClean="0">
+                        <a:solidFill>
+                          <a:schemeClr val="tx1"/>
+                        </a:solidFill>
+                        <a:latin typeface="Cambria Math" panose="02040503050406030204" pitchFamily="18" charset="0"/>
+                      </a:rPr>
+                      <m:t>+1</m:t>
+                    </m:r>
+                  </m:oMath>
+                </a14:m>
+                <a:r>
+                  <a:rPr lang="en-US" sz="2300" dirty="0">
+                    <a:solidFill>
+                      <a:schemeClr val="accent1"/>
+                    </a:solidFill>
+                  </a:rPr>
+                  <a:t> , </a:t>
+                </a:r>
+                <a14:m>
+                  <m:oMath xmlns:m="http://schemas.openxmlformats.org/officeDocument/2006/math">
+                    <m:sSup>
+                      <m:sSupPr>
+                        <m:ctrlPr>
+                          <a:rPr lang="en-US" sz="2300" i="1" smtClean="0">
+                            <a:latin typeface="Cambria Math" panose="02040503050406030204" pitchFamily="18" charset="0"/>
+                          </a:rPr>
+                        </m:ctrlPr>
+                      </m:sSupPr>
+                      <m:e>
+                        <m:r>
+                          <a:rPr lang="en-US" sz="2300" b="0" i="1" smtClean="0">
+                            <a:latin typeface="Cambria Math" panose="02040503050406030204" pitchFamily="18" charset="0"/>
+                          </a:rPr>
+                          <m:t>𝑗</m:t>
+                        </m:r>
+                      </m:e>
+                      <m:sup>
+                        <m:r>
+                          <a:rPr lang="en-US" sz="2300" b="0" i="1" smtClean="0">
+                            <a:latin typeface="Cambria Math" panose="02040503050406030204" pitchFamily="18" charset="0"/>
+                          </a:rPr>
+                          <m:t>′</m:t>
+                        </m:r>
+                      </m:sup>
+                    </m:sSup>
+                    <m:r>
+                      <a:rPr lang="en-US" sz="2300" i="1">
+                        <a:latin typeface="Cambria Math" panose="02040503050406030204" pitchFamily="18" charset="0"/>
+                      </a:rPr>
+                      <m:t>=</m:t>
+                    </m:r>
+                    <m:r>
+                      <a:rPr lang="en-US" sz="2300" b="0" i="1" smtClean="0">
+                        <a:latin typeface="Cambria Math" panose="02040503050406030204" pitchFamily="18" charset="0"/>
+                      </a:rPr>
+                      <m:t>𝑗</m:t>
+                    </m:r>
+                  </m:oMath>
+                </a14:m>
+                <a:r>
+                  <a:rPr lang="en-US" sz="2300" dirty="0">
+                    <a:solidFill>
+                      <a:schemeClr val="accent1"/>
+                    </a:solidFill>
+                  </a:rPr>
+                  <a:t> and </a:t>
+                </a:r>
+                <a14:m>
+                  <m:oMath xmlns:m="http://schemas.openxmlformats.org/officeDocument/2006/math">
+                    <m:r>
+                      <a:rPr lang="en-US" sz="2300" i="1">
+                        <a:latin typeface="Cambria Math" panose="02040503050406030204" pitchFamily="18" charset="0"/>
+                      </a:rPr>
+                      <m:t>=</m:t>
+                    </m:r>
+                    <m:sSup>
+                      <m:sSupPr>
+                        <m:ctrlPr>
+                          <a:rPr lang="en-US" sz="2300" i="1" smtClean="0">
+                            <a:latin typeface="Cambria Math" panose="02040503050406030204" pitchFamily="18" charset="0"/>
+                          </a:rPr>
+                        </m:ctrlPr>
+                      </m:sSupPr>
+                      <m:e>
+                        <m:r>
+                          <a:rPr lang="en-US" sz="2300" b="0" i="1" smtClean="0">
+                            <a:latin typeface="Cambria Math" panose="02040503050406030204" pitchFamily="18" charset="0"/>
+                          </a:rPr>
+                          <m:t>𝑘</m:t>
+                        </m:r>
+                      </m:e>
+                      <m:sup>
+                        <m:r>
+                          <a:rPr lang="en-US" sz="2300" b="0" i="1" smtClean="0">
+                            <a:latin typeface="Cambria Math" panose="02040503050406030204" pitchFamily="18" charset="0"/>
+                          </a:rPr>
+                          <m:t>′</m:t>
+                        </m:r>
+                      </m:sup>
+                    </m:sSup>
+                    <m:r>
+                      <a:rPr lang="en-US" sz="2300" b="0" i="1" smtClean="0">
+                        <a:latin typeface="Cambria Math" panose="02040503050406030204" pitchFamily="18" charset="0"/>
+                      </a:rPr>
+                      <m:t>=</m:t>
+                    </m:r>
+                    <m:r>
+                      <a:rPr lang="en-US" sz="2300" b="0" i="1" smtClean="0">
+                        <a:latin typeface="Cambria Math" panose="02040503050406030204" pitchFamily="18" charset="0"/>
+                      </a:rPr>
+                      <m:t>𝑘</m:t>
+                    </m:r>
+                    <m:r>
+                      <a:rPr lang="en-US" sz="2300" i="1">
+                        <a:latin typeface="Cambria Math" panose="02040503050406030204" pitchFamily="18" charset="0"/>
+                      </a:rPr>
+                      <m:t>+1</m:t>
+                    </m:r>
+                  </m:oMath>
+                </a14:m>
+                <a:r>
+                  <a:rPr lang="en-US" sz="2300" dirty="0">
+                    <a:solidFill>
+                      <a:schemeClr val="accent1"/>
+                    </a:solidFill>
+                  </a:rPr>
+                  <a:t> </a:t>
+                </a:r>
+              </a:p>
+              <a:p>
+                <a:pPr marL="0" indent="0">
+                  <a:buNone/>
+                </a:pPr>
+                <a:endParaRPr lang="en-US" sz="2300" dirty="0">
+                  <a:solidFill>
+                    <a:schemeClr val="accent1"/>
+                  </a:solidFill>
+                </a:endParaRPr>
+              </a:p>
+              <a:p>
+                <a:pPr marL="0" indent="0">
+                  <a:buNone/>
+                </a:pPr>
+                <a:r>
+                  <a:rPr lang="en-US" sz="2300" b="0" dirty="0">
+                    <a:solidFill>
+                      <a:srgbClr val="FF0000"/>
+                    </a:solidFill>
+                  </a:rPr>
+                  <a:t>(1) </a:t>
+                </a:r>
+                <a:r>
+                  <a:rPr lang="en-US" sz="2300" b="0" dirty="0">
+                    <a:solidFill>
+                      <a:schemeClr val="accent1"/>
+                    </a:solidFill>
+                  </a:rPr>
+                  <a:t>Therefore, </a:t>
+                </a:r>
+                <a14:m>
+                  <m:oMath xmlns:m="http://schemas.openxmlformats.org/officeDocument/2006/math">
+                    <m:r>
+                      <a:rPr lang="en-US" sz="2300" b="0" i="1" smtClean="0">
+                        <a:solidFill>
+                          <a:schemeClr val="tx1"/>
+                        </a:solidFill>
+                        <a:latin typeface="Cambria Math" panose="02040503050406030204" pitchFamily="18" charset="0"/>
+                      </a:rPr>
+                      <m:t>𝐴</m:t>
+                    </m:r>
+                    <m:r>
+                      <a:rPr lang="en-US" sz="2300" b="0" i="1" smtClean="0">
+                        <a:solidFill>
+                          <a:schemeClr val="tx1"/>
+                        </a:solidFill>
+                        <a:latin typeface="Cambria Math" panose="02040503050406030204" pitchFamily="18" charset="0"/>
+                      </a:rPr>
+                      <m:t>[</m:t>
+                    </m:r>
+                    <m:r>
+                      <a:rPr lang="en-US" sz="2300" b="0" i="1" smtClean="0">
+                        <a:solidFill>
+                          <a:schemeClr val="tx1"/>
+                        </a:solidFill>
+                        <a:latin typeface="Cambria Math" panose="02040503050406030204" pitchFamily="18" charset="0"/>
+                      </a:rPr>
+                      <m:t>𝑝</m:t>
+                    </m:r>
+                    <m:r>
+                      <a:rPr lang="en-US" sz="2300" b="0" i="1" smtClean="0">
+                        <a:solidFill>
+                          <a:schemeClr val="tx1"/>
+                        </a:solidFill>
+                        <a:latin typeface="Cambria Math" panose="02040503050406030204" pitchFamily="18" charset="0"/>
+                      </a:rPr>
+                      <m:t>…</m:t>
+                    </m:r>
+                    <m:sSup>
+                      <m:sSupPr>
+                        <m:ctrlPr>
+                          <a:rPr lang="en-US" sz="2300" i="1">
+                            <a:latin typeface="Cambria Math" panose="02040503050406030204" pitchFamily="18" charset="0"/>
+                          </a:rPr>
+                        </m:ctrlPr>
+                      </m:sSupPr>
+                      <m:e>
+                        <m:r>
+                          <a:rPr lang="en-US" sz="2300" i="1">
+                            <a:latin typeface="Cambria Math" panose="02040503050406030204" pitchFamily="18" charset="0"/>
+                          </a:rPr>
+                          <m:t>𝑘</m:t>
+                        </m:r>
+                      </m:e>
+                      <m:sup>
+                        <m:r>
+                          <a:rPr lang="en-US" sz="2300" i="1">
+                            <a:latin typeface="Cambria Math" panose="02040503050406030204" pitchFamily="18" charset="0"/>
+                          </a:rPr>
+                          <m:t>′</m:t>
+                        </m:r>
+                      </m:sup>
+                    </m:sSup>
+                    <m:r>
+                      <a:rPr lang="en-US" sz="2300" b="0" i="1" smtClean="0">
+                        <a:latin typeface="Cambria Math" panose="02040503050406030204" pitchFamily="18" charset="0"/>
+                      </a:rPr>
+                      <m:t>−1</m:t>
+                    </m:r>
+                    <m:r>
+                      <a:rPr lang="en-US" sz="2300" b="0" i="1" smtClean="0">
+                        <a:solidFill>
+                          <a:schemeClr val="tx1"/>
+                        </a:solidFill>
+                        <a:latin typeface="Cambria Math" panose="02040503050406030204" pitchFamily="18" charset="0"/>
+                      </a:rPr>
+                      <m:t>]</m:t>
+                    </m:r>
+                  </m:oMath>
+                </a14:m>
+                <a:r>
+                  <a:rPr lang="en-US" sz="2300" dirty="0">
+                    <a:solidFill>
+                      <a:schemeClr val="accent1"/>
+                    </a:solidFill>
+                  </a:rPr>
+                  <a:t> contains the smallest </a:t>
+                </a:r>
+                <a14:m>
+                  <m:oMath xmlns:m="http://schemas.openxmlformats.org/officeDocument/2006/math">
+                    <m:sSup>
+                      <m:sSupPr>
+                        <m:ctrlPr>
+                          <a:rPr lang="en-US" sz="2300" i="1" smtClean="0">
+                            <a:solidFill>
+                              <a:schemeClr val="tx1"/>
+                            </a:solidFill>
+                            <a:latin typeface="Cambria Math" panose="02040503050406030204" pitchFamily="18" charset="0"/>
+                          </a:rPr>
+                        </m:ctrlPr>
+                      </m:sSupPr>
+                      <m:e>
+                        <m:r>
+                          <a:rPr lang="en-US" sz="2300" b="0" i="1" smtClean="0">
+                            <a:solidFill>
+                              <a:schemeClr val="tx1"/>
+                            </a:solidFill>
+                            <a:latin typeface="Cambria Math" panose="02040503050406030204" pitchFamily="18" charset="0"/>
+                          </a:rPr>
+                          <m:t>𝑘</m:t>
+                        </m:r>
+                      </m:e>
+                      <m:sup>
+                        <m:r>
+                          <a:rPr lang="en-US" sz="2300" b="0" i="1" smtClean="0">
+                            <a:solidFill>
+                              <a:schemeClr val="tx1"/>
+                            </a:solidFill>
+                            <a:latin typeface="Cambria Math" panose="02040503050406030204" pitchFamily="18" charset="0"/>
+                          </a:rPr>
+                          <m:t>′</m:t>
+                        </m:r>
+                      </m:sup>
+                    </m:sSup>
+                    <m:r>
+                      <a:rPr lang="en-US" sz="2300" b="0" i="1" smtClean="0">
+                        <a:solidFill>
+                          <a:schemeClr val="tx1"/>
+                        </a:solidFill>
+                        <a:latin typeface="Cambria Math" panose="02040503050406030204" pitchFamily="18" charset="0"/>
+                      </a:rPr>
+                      <m:t>−</m:t>
+                    </m:r>
+                    <m:r>
+                      <a:rPr lang="en-US" sz="2300" b="0" i="1" smtClean="0">
+                        <a:solidFill>
+                          <a:schemeClr val="tx1"/>
+                        </a:solidFill>
+                        <a:latin typeface="Cambria Math" panose="02040503050406030204" pitchFamily="18" charset="0"/>
+                      </a:rPr>
+                      <m:t>𝑝</m:t>
+                    </m:r>
+                  </m:oMath>
+                </a14:m>
+                <a:r>
+                  <a:rPr lang="en-US" sz="2300" dirty="0">
+                    <a:solidFill>
+                      <a:schemeClr val="tx1"/>
+                    </a:solidFill>
+                  </a:rPr>
+                  <a:t> </a:t>
+                </a:r>
+                <a:r>
+                  <a:rPr lang="en-US" sz="2300" dirty="0">
+                    <a:solidFill>
+                      <a:schemeClr val="accent1"/>
+                    </a:solidFill>
+                  </a:rPr>
+                  <a:t>elements.</a:t>
+                </a:r>
+              </a:p>
+              <a:p>
+                <a:pPr marL="0" indent="0">
+                  <a:buNone/>
+                </a:pPr>
+                <a:endParaRPr lang="en-US" sz="2300" dirty="0">
+                  <a:solidFill>
+                    <a:schemeClr val="accent1"/>
+                  </a:solidFill>
+                </a:endParaRPr>
+              </a:p>
+              <a:p>
+                <a:pPr marL="0" indent="0">
+                  <a:buNone/>
+                </a:pPr>
+                <a:r>
+                  <a:rPr lang="en-US" sz="2300" b="0" dirty="0">
+                    <a:solidFill>
+                      <a:srgbClr val="FF0000"/>
+                    </a:solidFill>
+                  </a:rPr>
+                  <a:t>(2) </a:t>
+                </a:r>
+                <a14:m>
+                  <m:oMath xmlns:m="http://schemas.openxmlformats.org/officeDocument/2006/math">
+                    <m:r>
+                      <a:rPr lang="en-US" sz="2300" b="0" i="1" smtClean="0">
+                        <a:solidFill>
+                          <a:schemeClr val="tx1"/>
+                        </a:solidFill>
+                        <a:latin typeface="Cambria Math" panose="02040503050406030204" pitchFamily="18" charset="0"/>
+                      </a:rPr>
+                      <m:t>𝐿</m:t>
+                    </m:r>
+                    <m:d>
+                      <m:dPr>
+                        <m:begChr m:val="["/>
+                        <m:endChr m:val="]"/>
+                        <m:ctrlPr>
+                          <a:rPr lang="en-US" sz="2300" b="0" i="1" smtClean="0">
+                            <a:solidFill>
+                              <a:schemeClr val="tx1"/>
+                            </a:solidFill>
+                            <a:latin typeface="Cambria Math" panose="02040503050406030204" pitchFamily="18" charset="0"/>
+                          </a:rPr>
+                        </m:ctrlPr>
+                      </m:dPr>
+                      <m:e>
+                        <m:sSup>
+                          <m:sSupPr>
+                            <m:ctrlPr>
+                              <a:rPr lang="en-US" sz="2300" b="0" i="1" smtClean="0">
+                                <a:solidFill>
+                                  <a:schemeClr val="tx1"/>
+                                </a:solidFill>
+                                <a:latin typeface="Cambria Math" panose="02040503050406030204" pitchFamily="18" charset="0"/>
+                              </a:rPr>
+                            </m:ctrlPr>
+                          </m:sSupPr>
+                          <m:e>
+                            <m:r>
+                              <a:rPr lang="en-US" sz="2300" b="0" i="1" smtClean="0">
+                                <a:solidFill>
+                                  <a:schemeClr val="tx1"/>
+                                </a:solidFill>
+                                <a:latin typeface="Cambria Math" panose="02040503050406030204" pitchFamily="18" charset="0"/>
+                              </a:rPr>
+                              <m:t>𝑖</m:t>
+                            </m:r>
+                          </m:e>
+                          <m:sup>
+                            <m:r>
+                              <a:rPr lang="en-US" sz="2300" b="0" i="1" smtClean="0">
+                                <a:solidFill>
+                                  <a:schemeClr val="tx1"/>
+                                </a:solidFill>
+                                <a:latin typeface="Cambria Math" panose="02040503050406030204" pitchFamily="18" charset="0"/>
+                              </a:rPr>
+                              <m:t>′</m:t>
+                            </m:r>
+                          </m:sup>
+                        </m:sSup>
+                      </m:e>
+                    </m:d>
+                  </m:oMath>
+                </a14:m>
+                <a:r>
+                  <a:rPr lang="en-US" sz="2300" dirty="0"/>
+                  <a:t> </a:t>
+                </a:r>
+                <a:r>
+                  <a:rPr lang="en-US" sz="2300" dirty="0">
+                    <a:solidFill>
+                      <a:schemeClr val="accent1"/>
+                    </a:solidFill>
+                  </a:rPr>
+                  <a:t>and</a:t>
+                </a:r>
+                <a:r>
+                  <a:rPr lang="en-US" sz="2300" dirty="0"/>
+                  <a:t> </a:t>
+                </a:r>
+                <a14:m>
+                  <m:oMath xmlns:m="http://schemas.openxmlformats.org/officeDocument/2006/math">
+                    <m:r>
+                      <a:rPr lang="en-US" sz="2300" i="1">
+                        <a:latin typeface="Cambria Math" panose="02040503050406030204" pitchFamily="18" charset="0"/>
+                      </a:rPr>
+                      <m:t>𝑅</m:t>
+                    </m:r>
+                    <m:d>
+                      <m:dPr>
+                        <m:begChr m:val="["/>
+                        <m:endChr m:val="]"/>
+                        <m:ctrlPr>
+                          <a:rPr lang="en-US" sz="2300" i="1">
+                            <a:latin typeface="Cambria Math" panose="02040503050406030204" pitchFamily="18" charset="0"/>
+                          </a:rPr>
+                        </m:ctrlPr>
+                      </m:dPr>
+                      <m:e>
+                        <m:sSup>
+                          <m:sSupPr>
+                            <m:ctrlPr>
+                              <a:rPr lang="en-US" sz="2300" i="1" smtClean="0">
+                                <a:latin typeface="Cambria Math" panose="02040503050406030204" pitchFamily="18" charset="0"/>
+                              </a:rPr>
+                            </m:ctrlPr>
+                          </m:sSupPr>
+                          <m:e>
+                            <m:r>
+                              <a:rPr lang="en-US" sz="2300" b="0" i="1" smtClean="0">
+                                <a:latin typeface="Cambria Math" panose="02040503050406030204" pitchFamily="18" charset="0"/>
+                              </a:rPr>
+                              <m:t>𝑗</m:t>
+                            </m:r>
+                          </m:e>
+                          <m:sup>
+                            <m:r>
+                              <a:rPr lang="en-US" sz="2300" b="0" i="1" smtClean="0">
+                                <a:latin typeface="Cambria Math" panose="02040503050406030204" pitchFamily="18" charset="0"/>
+                              </a:rPr>
+                              <m:t>′</m:t>
+                            </m:r>
+                          </m:sup>
+                        </m:sSup>
+                      </m:e>
+                    </m:d>
+                  </m:oMath>
+                </a14:m>
+                <a:r>
+                  <a:rPr lang="en-US" sz="2300" dirty="0">
+                    <a:solidFill>
+                      <a:schemeClr val="accent1"/>
+                    </a:solidFill>
+                  </a:rPr>
+                  <a:t> now contains the smallest elements of the two arrays that have not been copied back to </a:t>
+                </a:r>
+                <a14:m>
+                  <m:oMath xmlns:m="http://schemas.openxmlformats.org/officeDocument/2006/math">
+                    <m:r>
+                      <a:rPr lang="en-US" sz="2300" i="1">
+                        <a:latin typeface="Cambria Math" panose="02040503050406030204" pitchFamily="18" charset="0"/>
+                      </a:rPr>
+                      <m:t>𝐴</m:t>
+                    </m:r>
+                  </m:oMath>
+                </a14:m>
+                <a:r>
+                  <a:rPr lang="en-US" sz="2300" dirty="0">
+                    <a:solidFill>
+                      <a:schemeClr val="accent1"/>
+                    </a:solidFill>
+                  </a:rPr>
+                  <a:t>.</a:t>
+                </a:r>
+              </a:p>
+              <a:p>
+                <a:pPr marL="0" indent="0">
+                  <a:buNone/>
+                </a:pPr>
+                <a:endParaRPr lang="en-US" sz="2300" dirty="0">
+                  <a:solidFill>
+                    <a:schemeClr val="accent1"/>
+                  </a:solidFill>
+                </a:endParaRPr>
+              </a:p>
+              <a:p>
+                <a:pPr marL="0" indent="0">
+                  <a:buNone/>
+                </a:pPr>
+                <a:r>
+                  <a:rPr lang="en-US" sz="2300" dirty="0">
+                    <a:solidFill>
+                      <a:schemeClr val="accent1"/>
+                    </a:solidFill>
+                  </a:rPr>
+                  <a:t>This reestablishes the loop invariant at the start of the next iteration.</a:t>
+                </a:r>
+              </a:p>
+              <a:p>
+                <a:pPr marL="0" indent="0">
+                  <a:buNone/>
+                </a:pPr>
+                <a:endParaRPr lang="en-US" sz="2300" dirty="0">
+                  <a:solidFill>
+                    <a:schemeClr val="accent1"/>
+                  </a:solidFill>
+                </a:endParaRPr>
+              </a:p>
+              <a:p>
+                <a:pPr marL="0" indent="0">
+                  <a:buNone/>
+                </a:pPr>
+                <a:r>
+                  <a:rPr lang="en-US" sz="2300" b="1" i="1" dirty="0">
+                    <a:solidFill>
+                      <a:srgbClr val="FF0000"/>
+                    </a:solidFill>
+                  </a:rPr>
+                  <a:t>***</a:t>
+                </a:r>
+                <a:r>
+                  <a:rPr lang="en-US" sz="2300" dirty="0">
+                    <a:solidFill>
+                      <a:schemeClr val="accent1"/>
+                    </a:solidFill>
+                  </a:rPr>
+                  <a:t>The maintenance property for the other case </a:t>
+                </a:r>
+                <a14:m>
+                  <m:oMath xmlns:m="http://schemas.openxmlformats.org/officeDocument/2006/math">
+                    <m:r>
+                      <a:rPr lang="en-US" sz="2300" b="0" i="1" smtClean="0">
+                        <a:solidFill>
+                          <a:schemeClr val="tx1"/>
+                        </a:solidFill>
+                        <a:latin typeface="Cambria Math" panose="02040503050406030204" pitchFamily="18" charset="0"/>
+                      </a:rPr>
+                      <m:t>𝐿</m:t>
+                    </m:r>
+                    <m:d>
+                      <m:dPr>
+                        <m:begChr m:val="["/>
+                        <m:endChr m:val="]"/>
+                        <m:ctrlPr>
+                          <a:rPr lang="en-US" sz="2300" b="0" i="1" smtClean="0">
+                            <a:solidFill>
+                              <a:schemeClr val="tx1"/>
+                            </a:solidFill>
+                            <a:latin typeface="Cambria Math" panose="02040503050406030204" pitchFamily="18" charset="0"/>
+                          </a:rPr>
+                        </m:ctrlPr>
+                      </m:dPr>
+                      <m:e>
+                        <m:r>
+                          <a:rPr lang="en-US" sz="2300" b="0" i="1" smtClean="0">
+                            <a:solidFill>
+                              <a:schemeClr val="tx1"/>
+                            </a:solidFill>
+                            <a:latin typeface="Cambria Math" panose="02040503050406030204" pitchFamily="18" charset="0"/>
+                          </a:rPr>
+                          <m:t>𝑖</m:t>
+                        </m:r>
+                      </m:e>
+                    </m:d>
+                    <m:r>
+                      <a:rPr lang="en-US" sz="2300" b="0" i="1" smtClean="0">
+                        <a:solidFill>
+                          <a:schemeClr val="tx1"/>
+                        </a:solidFill>
+                        <a:latin typeface="Cambria Math" panose="02040503050406030204" pitchFamily="18" charset="0"/>
+                      </a:rPr>
+                      <m:t>&gt;</m:t>
+                    </m:r>
+                    <m:r>
+                      <a:rPr lang="en-US" sz="2300" b="0" i="1" smtClean="0">
+                        <a:solidFill>
+                          <a:schemeClr val="tx1"/>
+                        </a:solidFill>
+                        <a:latin typeface="Cambria Math" panose="02040503050406030204" pitchFamily="18" charset="0"/>
+                      </a:rPr>
+                      <m:t>𝑅</m:t>
+                    </m:r>
+                    <m:r>
+                      <a:rPr lang="en-US" sz="2300" b="0" i="1" smtClean="0">
+                        <a:solidFill>
+                          <a:schemeClr val="tx1"/>
+                        </a:solidFill>
+                        <a:latin typeface="Cambria Math" panose="02040503050406030204" pitchFamily="18" charset="0"/>
+                      </a:rPr>
+                      <m:t>[</m:t>
+                    </m:r>
+                    <m:r>
+                      <a:rPr lang="en-US" sz="2300" b="0" i="1" smtClean="0">
+                        <a:solidFill>
+                          <a:schemeClr val="tx1"/>
+                        </a:solidFill>
+                        <a:latin typeface="Cambria Math" panose="02040503050406030204" pitchFamily="18" charset="0"/>
+                      </a:rPr>
+                      <m:t>𝑗</m:t>
+                    </m:r>
+                    <m:r>
+                      <a:rPr lang="en-US" sz="2300" b="0" i="1" smtClean="0">
+                        <a:solidFill>
+                          <a:schemeClr val="tx1"/>
+                        </a:solidFill>
+                        <a:latin typeface="Cambria Math" panose="02040503050406030204" pitchFamily="18" charset="0"/>
+                      </a:rPr>
+                      <m:t>]</m:t>
+                    </m:r>
+                  </m:oMath>
+                </a14:m>
+                <a:r>
+                  <a:rPr lang="en-US" sz="2300" dirty="0">
+                    <a:solidFill>
+                      <a:schemeClr val="accent1"/>
+                    </a:solidFill>
+                  </a:rPr>
+                  <a:t> can be shown in a similar way.</a:t>
+                </a:r>
+              </a:p>
+            </p:txBody>
+          </p:sp>
+        </mc:Choice>
+        <mc:Fallback>
+          <p:sp>
+            <p:nvSpPr>
+              <p:cNvPr id="3" name="Content Placeholder 2">
+                <a:extLst>
+                  <a:ext uri="{FF2B5EF4-FFF2-40B4-BE49-F238E27FC236}">
+                    <a16:creationId xmlns:a16="http://schemas.microsoft.com/office/drawing/2014/main" id="{7FE052B4-7439-4F16-899A-E83CFEA19E57}"/>
+                  </a:ext>
+                </a:extLst>
+              </p:cNvPr>
+              <p:cNvSpPr>
+                <a:spLocks noGrp="1" noRot="1" noChangeAspect="1" noMove="1" noResize="1" noEditPoints="1" noAdjustHandles="1" noChangeArrowheads="1" noChangeShapeType="1" noTextEdit="1"/>
+              </p:cNvSpPr>
+              <p:nvPr>
+                <p:ph idx="1"/>
+              </p:nvPr>
+            </p:nvSpPr>
+            <p:spPr>
+              <a:blipFill>
+                <a:blip r:embed="rId2"/>
+                <a:stretch>
+                  <a:fillRect l="-638" t="-2521" b="-700"/>
+                </a:stretch>
+              </a:blipFill>
+            </p:spPr>
+            <p:txBody>
+              <a:bodyPr/>
+              <a:lstStyle/>
+              <a:p>
+                <a:r>
+                  <a:rPr lang="en-US">
+                    <a:noFill/>
+                  </a:rPr>
+                  <a:t> </a:t>
+                </a:r>
+              </a:p>
+            </p:txBody>
+          </p:sp>
+        </mc:Fallback>
+      </mc:AlternateContent>
+    </p:spTree>
+    <p:extLst>
+      <p:ext uri="{BB962C8B-B14F-4D97-AF65-F5344CB8AC3E}">
+        <p14:creationId xmlns:p14="http://schemas.microsoft.com/office/powerpoint/2010/main" val="843360119"/>
+      </p:ext>
+    </p:extLst>
+  </p:cSld>
+  <p:clrMapOvr>
+    <a:masterClrMapping/>
+  </p:clrMapOvr>
+</p:sld>
+</file>
+
+<file path=ppt/slides/slide35.xml><?xml version="1.0" encoding="utf-8"?>
+<p:sld xmlns:a="http://schemas.openxmlformats.org/drawingml/2006/main" xmlns:r="http://schemas.openxmlformats.org/officeDocument/2006/relationships" xmlns:p="http://schemas.openxmlformats.org/presentationml/2006/main">
+  <p:cSld>
+    <p:spTree>
+      <p:nvGrpSpPr>
+        <p:cNvPr id="1" name=""/>
+        <p:cNvGrpSpPr/>
+        <p:nvPr/>
+      </p:nvGrpSpPr>
+      <p:grpSpPr>
+        <a:xfrm>
+          <a:off x="0" y="0"/>
+          <a:ext cx="0" cy="0"/>
+          <a:chOff x="0" y="0"/>
+          <a:chExt cx="0" cy="0"/>
+        </a:xfrm>
+      </p:grpSpPr>
+      <p:sp>
+        <p:nvSpPr>
+          <p:cNvPr id="2" name="Title 1">
+            <a:extLst>
+              <a:ext uri="{FF2B5EF4-FFF2-40B4-BE49-F238E27FC236}">
+                <a16:creationId xmlns:a16="http://schemas.microsoft.com/office/drawing/2014/main" id="{E5DA7BEB-5D48-4B40-B602-3CAA44838340}"/>
+              </a:ext>
+            </a:extLst>
+          </p:cNvPr>
+          <p:cNvSpPr>
+            <a:spLocks noGrp="1"/>
+          </p:cNvSpPr>
+          <p:nvPr>
+            <p:ph type="title"/>
+          </p:nvPr>
+        </p:nvSpPr>
+        <p:spPr/>
+        <p:txBody>
+          <a:bodyPr/>
+          <a:lstStyle/>
+          <a:p>
+            <a:r>
+              <a:rPr lang="en-US" dirty="0">
+                <a:solidFill>
+                  <a:schemeClr val="accent1"/>
+                </a:solidFill>
+              </a:rPr>
+              <a:t>Merge Sort: Proof of Correctness</a:t>
+            </a:r>
+            <a:endParaRPr lang="en-US" dirty="0"/>
+          </a:p>
+        </p:txBody>
+      </p:sp>
+      <mc:AlternateContent xmlns:mc="http://schemas.openxmlformats.org/markup-compatibility/2006">
+        <mc:Choice xmlns:a14="http://schemas.microsoft.com/office/drawing/2010/main" Requires="a14">
+          <p:sp>
+            <p:nvSpPr>
+              <p:cNvPr id="3" name="Content Placeholder 2">
+                <a:extLst>
+                  <a:ext uri="{FF2B5EF4-FFF2-40B4-BE49-F238E27FC236}">
+                    <a16:creationId xmlns:a16="http://schemas.microsoft.com/office/drawing/2014/main" id="{7FE052B4-7439-4F16-899A-E83CFEA19E57}"/>
+                  </a:ext>
+                </a:extLst>
+              </p:cNvPr>
+              <p:cNvSpPr>
+                <a:spLocks noGrp="1"/>
+              </p:cNvSpPr>
+              <p:nvPr>
+                <p:ph idx="1"/>
+              </p:nvPr>
+            </p:nvSpPr>
+            <p:spPr/>
+            <p:txBody>
+              <a:bodyPr>
                 <a:normAutofit/>
               </a:bodyPr>
               <a:lstStyle/>
@@ -18858,7 +19022,7 @@
 </p:sld>
 </file>
 
-<file path=ppt/slides/slide35.xml><?xml version="1.0" encoding="utf-8"?>
+<file path=ppt/slides/slide36.xml><?xml version="1.0" encoding="utf-8"?>
 <p:sld xmlns:a="http://schemas.openxmlformats.org/drawingml/2006/main" xmlns:r="http://schemas.openxmlformats.org/officeDocument/2006/relationships" xmlns:p="http://schemas.openxmlformats.org/presentationml/2006/main">
   <p:cSld>
     <p:spTree>
@@ -19853,7 +20017,7 @@
 </p:sld>
 </file>
 
-<file path=ppt/slides/slide36.xml><?xml version="1.0" encoding="utf-8"?>
+<file path=ppt/slides/slide37.xml><?xml version="1.0" encoding="utf-8"?>
 <p:sld xmlns:a="http://schemas.openxmlformats.org/drawingml/2006/main" xmlns:r="http://schemas.openxmlformats.org/officeDocument/2006/relationships" xmlns:p="http://schemas.openxmlformats.org/presentationml/2006/main">
   <p:cSld>
     <p:spTree>
@@ -20217,7 +20381,7 @@
 </p:sld>
 </file>
 
-<file path=ppt/slides/slide37.xml><?xml version="1.0" encoding="utf-8"?>
+<file path=ppt/slides/slide38.xml><?xml version="1.0" encoding="utf-8"?>
 <p:sld xmlns:a="http://schemas.openxmlformats.org/drawingml/2006/main" xmlns:r="http://schemas.openxmlformats.org/officeDocument/2006/relationships" xmlns:p="http://schemas.openxmlformats.org/presentationml/2006/main">
   <p:cSld>
     <p:spTree>
@@ -20467,7 +20631,7 @@
 </p:sld>
 </file>
 
-<file path=ppt/slides/slide38.xml><?xml version="1.0" encoding="utf-8"?>
+<file path=ppt/slides/slide39.xml><?xml version="1.0" encoding="utf-8"?>
 <p:sld xmlns:a="http://schemas.openxmlformats.org/drawingml/2006/main" xmlns:r="http://schemas.openxmlformats.org/officeDocument/2006/relationships" xmlns:p="http://schemas.openxmlformats.org/presentationml/2006/main">
   <p:cSld>
     <p:spTree>
@@ -20546,8 +20710,34 @@
                   <a:schemeClr val="accent1"/>
                 </a:solidFill>
               </a:rPr>
-              <a:t>We have covered the following topics:</a:t>
+              <a:t>We </a:t>
             </a:r>
+            <a:r>
+              <a:rPr lang="en-US">
+                <a:solidFill>
+                  <a:schemeClr val="accent1"/>
+                </a:solidFill>
+              </a:rPr>
+              <a:t>have covered </a:t>
+            </a:r>
+            <a:r>
+              <a:rPr lang="en-US" dirty="0">
+                <a:solidFill>
+                  <a:schemeClr val="accent1"/>
+                </a:solidFill>
+              </a:rPr>
+              <a:t>the following topics:</a:t>
+            </a:r>
+          </a:p>
+          <a:p>
+            <a:pPr marL="0" indent="0">
+              <a:buNone/>
+            </a:pPr>
+            <a:endParaRPr lang="en-US" dirty="0">
+              <a:solidFill>
+                <a:schemeClr val="accent1"/>
+              </a:solidFill>
+            </a:endParaRPr>
           </a:p>
           <a:p>
             <a:pPr lvl="1"/>
@@ -20613,7 +20803,7 @@
                   <a:schemeClr val="accent1"/>
                 </a:solidFill>
               </a:rPr>
-              <a:t>Next time, we will cover </a:t>
+              <a:t>In the next lecture, we will cover </a:t>
             </a:r>
             <a:r>
               <a:rPr lang="en-US" b="1" i="1" dirty="0">
@@ -21584,187 +21774,278 @@
           </a:p>
         </p:txBody>
       </p:sp>
-      <p:sp>
-        <p:nvSpPr>
-          <p:cNvPr id="3" name="Content Placeholder 2">
-            <a:extLst>
-              <a:ext uri="{FF2B5EF4-FFF2-40B4-BE49-F238E27FC236}">
-                <a16:creationId xmlns:a16="http://schemas.microsoft.com/office/drawing/2014/main" id="{26DFCC8E-9C79-467E-82FF-0E4E5929E4DD}"/>
-              </a:ext>
-            </a:extLst>
-          </p:cNvPr>
-          <p:cNvSpPr>
-            <a:spLocks noGrp="1"/>
-          </p:cNvSpPr>
-          <p:nvPr>
-            <p:ph idx="1"/>
-          </p:nvPr>
-        </p:nvSpPr>
-        <p:spPr/>
-        <p:txBody>
-          <a:bodyPr/>
-          <a:lstStyle/>
-          <a:p>
-            <a:pPr marL="0" indent="0">
-              <a:buNone/>
-            </a:pPr>
-            <a:r>
-              <a:rPr lang="en-US" dirty="0">
-                <a:solidFill>
-                  <a:schemeClr val="accent1"/>
-                </a:solidFill>
-              </a:rPr>
-              <a:t>To find </a:t>
-            </a:r>
-            <a:r>
-              <a:rPr lang="en-US" b="1" i="1" dirty="0">
-                <a:solidFill>
-                  <a:srgbClr val="FF0000"/>
-                </a:solidFill>
-              </a:rPr>
-              <a:t>min</a:t>
-            </a:r>
-            <a:r>
-              <a:rPr lang="en-US" dirty="0">
-                <a:solidFill>
-                  <a:schemeClr val="accent1"/>
-                </a:solidFill>
-              </a:rPr>
-              <a:t>,</a:t>
-            </a:r>
-          </a:p>
-          <a:p>
-            <a:pPr marL="0" indent="0">
-              <a:buNone/>
-            </a:pPr>
-            <a:r>
-              <a:rPr lang="en-US" dirty="0">
-                <a:solidFill>
-                  <a:schemeClr val="accent1"/>
-                </a:solidFill>
-              </a:rPr>
-              <a:t>	keep going </a:t>
-            </a:r>
-            <a:r>
-              <a:rPr lang="en-US" b="1" i="1" dirty="0">
-                <a:solidFill>
-                  <a:srgbClr val="FF0000"/>
-                </a:solidFill>
-              </a:rPr>
-              <a:t>left</a:t>
-            </a:r>
-            <a:r>
-              <a:rPr lang="en-US" dirty="0">
-                <a:solidFill>
-                  <a:schemeClr val="accent1"/>
-                </a:solidFill>
-              </a:rPr>
-              <a:t>.</a:t>
-            </a:r>
-          </a:p>
-          <a:p>
-            <a:pPr marL="0" indent="0">
-              <a:buNone/>
-            </a:pPr>
-            <a:endParaRPr lang="en-US" dirty="0">
-              <a:solidFill>
-                <a:schemeClr val="accent1"/>
-              </a:solidFill>
-            </a:endParaRPr>
-          </a:p>
-          <a:p>
-            <a:pPr marL="0" indent="0">
-              <a:buNone/>
-            </a:pPr>
-            <a:r>
-              <a:rPr lang="en-US" dirty="0">
-                <a:solidFill>
-                  <a:schemeClr val="accent1"/>
-                </a:solidFill>
-              </a:rPr>
-              <a:t>To find </a:t>
-            </a:r>
-            <a:r>
-              <a:rPr lang="en-US" b="1" dirty="0">
-                <a:solidFill>
-                  <a:srgbClr val="FF0000"/>
-                </a:solidFill>
-              </a:rPr>
-              <a:t>max</a:t>
-            </a:r>
-            <a:r>
-              <a:rPr lang="en-US" dirty="0">
-                <a:solidFill>
-                  <a:schemeClr val="accent1"/>
-                </a:solidFill>
-              </a:rPr>
-              <a:t>,</a:t>
-            </a:r>
-          </a:p>
-          <a:p>
-            <a:pPr marL="0" indent="0">
-              <a:buNone/>
-            </a:pPr>
-            <a:r>
-              <a:rPr lang="en-US" dirty="0">
-                <a:solidFill>
-                  <a:schemeClr val="accent1"/>
-                </a:solidFill>
-              </a:rPr>
-              <a:t>	keep going </a:t>
-            </a:r>
-            <a:r>
-              <a:rPr lang="en-US" b="1" i="1" dirty="0">
-                <a:solidFill>
-                  <a:srgbClr val="FF0000"/>
-                </a:solidFill>
-              </a:rPr>
-              <a:t>right</a:t>
-            </a:r>
-            <a:r>
-              <a:rPr lang="en-US" dirty="0">
-                <a:solidFill>
-                  <a:schemeClr val="accent1"/>
-                </a:solidFill>
-              </a:rPr>
-              <a:t>.</a:t>
-            </a:r>
-          </a:p>
-          <a:p>
-            <a:pPr marL="0" indent="0">
-              <a:buNone/>
-            </a:pPr>
-            <a:endParaRPr lang="en-US" dirty="0">
-              <a:solidFill>
-                <a:schemeClr val="accent1"/>
-              </a:solidFill>
-            </a:endParaRPr>
-          </a:p>
-          <a:p>
-            <a:pPr marL="0" indent="0">
-              <a:buNone/>
-            </a:pPr>
-            <a:r>
-              <a:rPr lang="en-US" dirty="0">
-                <a:solidFill>
-                  <a:schemeClr val="accent1"/>
-                </a:solidFill>
-              </a:rPr>
-              <a:t>The running time of the min and max is the length of the downward path from root to the leftmost leaf and rightmost leaf, respectively.</a:t>
-            </a:r>
-          </a:p>
-          <a:p>
-            <a:pPr marL="0" indent="0">
-              <a:buNone/>
-            </a:pPr>
-            <a:endParaRPr lang="en-US" dirty="0">
-              <a:solidFill>
-                <a:schemeClr val="accent1"/>
-              </a:solidFill>
-            </a:endParaRPr>
-          </a:p>
-        </p:txBody>
-      </p:sp>
+      <mc:AlternateContent xmlns:mc="http://schemas.openxmlformats.org/markup-compatibility/2006">
+        <mc:Choice xmlns:a14="http://schemas.microsoft.com/office/drawing/2010/main" Requires="a14">
+          <p:sp>
+            <p:nvSpPr>
+              <p:cNvPr id="3" name="Content Placeholder 2">
+                <a:extLst>
+                  <a:ext uri="{FF2B5EF4-FFF2-40B4-BE49-F238E27FC236}">
+                    <a16:creationId xmlns:a16="http://schemas.microsoft.com/office/drawing/2014/main" id="{26DFCC8E-9C79-467E-82FF-0E4E5929E4DD}"/>
+                  </a:ext>
+                </a:extLst>
+              </p:cNvPr>
+              <p:cNvSpPr>
+                <a:spLocks noGrp="1"/>
+              </p:cNvSpPr>
+              <p:nvPr>
+                <p:ph idx="1"/>
+              </p:nvPr>
+            </p:nvSpPr>
+            <p:spPr/>
+            <p:txBody>
+              <a:bodyPr/>
+              <a:lstStyle/>
+              <a:p>
+                <a:pPr marL="0" indent="0">
+                  <a:buNone/>
+                </a:pPr>
+                <a:r>
+                  <a:rPr lang="en-US" dirty="0">
+                    <a:solidFill>
+                      <a:schemeClr val="accent1"/>
+                    </a:solidFill>
+                  </a:rPr>
+                  <a:t>To find a </a:t>
+                </a:r>
+                <a:r>
+                  <a:rPr lang="en-US" b="1" i="1" dirty="0">
+                    <a:solidFill>
+                      <a:srgbClr val="FF0000"/>
+                    </a:solidFill>
+                  </a:rPr>
+                  <a:t>minimum key</a:t>
+                </a:r>
+                <a:r>
+                  <a:rPr lang="en-US" dirty="0">
+                    <a:solidFill>
+                      <a:schemeClr val="accent1"/>
+                    </a:solidFill>
+                  </a:rPr>
+                  <a:t>,</a:t>
+                </a:r>
+              </a:p>
+              <a:p>
+                <a:pPr marL="0" indent="0">
+                  <a:buNone/>
+                </a:pPr>
+                <a:r>
+                  <a:rPr lang="en-US" dirty="0">
+                    <a:solidFill>
+                      <a:schemeClr val="accent1"/>
+                    </a:solidFill>
+                  </a:rPr>
+                  <a:t>	keep going </a:t>
+                </a:r>
+                <a:r>
+                  <a:rPr lang="en-US" b="1" i="1" dirty="0">
+                    <a:solidFill>
+                      <a:srgbClr val="FF0000"/>
+                    </a:solidFill>
+                  </a:rPr>
+                  <a:t>left</a:t>
+                </a:r>
+                <a:r>
+                  <a:rPr lang="en-US" dirty="0">
+                    <a:solidFill>
+                      <a:schemeClr val="accent1"/>
+                    </a:solidFill>
+                  </a:rPr>
+                  <a:t>.</a:t>
+                </a:r>
+              </a:p>
+              <a:p>
+                <a:pPr marL="0" indent="0">
+                  <a:buNone/>
+                </a:pPr>
+                <a:endParaRPr lang="en-US" dirty="0">
+                  <a:solidFill>
+                    <a:schemeClr val="accent1"/>
+                  </a:solidFill>
+                </a:endParaRPr>
+              </a:p>
+              <a:p>
+                <a:pPr marL="0" indent="0">
+                  <a:buNone/>
+                </a:pPr>
+                <a:r>
+                  <a:rPr lang="en-US" dirty="0">
+                    <a:solidFill>
+                      <a:schemeClr val="accent1"/>
+                    </a:solidFill>
+                  </a:rPr>
+                  <a:t>To find a </a:t>
+                </a:r>
+                <a:r>
+                  <a:rPr lang="en-US" b="1" dirty="0">
+                    <a:solidFill>
+                      <a:srgbClr val="FF0000"/>
+                    </a:solidFill>
+                  </a:rPr>
+                  <a:t>maximum key</a:t>
+                </a:r>
+                <a:r>
+                  <a:rPr lang="en-US" dirty="0">
+                    <a:solidFill>
+                      <a:schemeClr val="accent1"/>
+                    </a:solidFill>
+                  </a:rPr>
+                  <a:t>,</a:t>
+                </a:r>
+              </a:p>
+              <a:p>
+                <a:pPr marL="0" indent="0">
+                  <a:buNone/>
+                </a:pPr>
+                <a:r>
+                  <a:rPr lang="en-US" dirty="0">
+                    <a:solidFill>
+                      <a:schemeClr val="accent1"/>
+                    </a:solidFill>
+                  </a:rPr>
+                  <a:t>	keep going </a:t>
+                </a:r>
+                <a:r>
+                  <a:rPr lang="en-US" b="1" i="1" dirty="0">
+                    <a:solidFill>
+                      <a:srgbClr val="FF0000"/>
+                    </a:solidFill>
+                  </a:rPr>
+                  <a:t>right</a:t>
+                </a:r>
+                <a:r>
+                  <a:rPr lang="en-US" dirty="0">
+                    <a:solidFill>
+                      <a:schemeClr val="accent1"/>
+                    </a:solidFill>
+                  </a:rPr>
+                  <a:t>.</a:t>
+                </a:r>
+              </a:p>
+              <a:p>
+                <a:pPr marL="0" indent="0">
+                  <a:buNone/>
+                </a:pPr>
+                <a:endParaRPr lang="en-US" dirty="0">
+                  <a:solidFill>
+                    <a:schemeClr val="accent1"/>
+                  </a:solidFill>
+                </a:endParaRPr>
+              </a:p>
+              <a:p>
+                <a:pPr marL="0" indent="0">
+                  <a:buNone/>
+                </a:pPr>
+                <a:r>
+                  <a:rPr lang="en-US" dirty="0">
+                    <a:solidFill>
+                      <a:schemeClr val="accent1"/>
+                    </a:solidFill>
+                  </a:rPr>
+                  <a:t>The running time of the </a:t>
+                </a:r>
+                <a14:m>
+                  <m:oMath xmlns:m="http://schemas.openxmlformats.org/officeDocument/2006/math">
+                    <m:r>
+                      <a:rPr lang="en-US" i="1" dirty="0" smtClean="0">
+                        <a:latin typeface="Cambria Math" panose="02040503050406030204" pitchFamily="18" charset="0"/>
+                      </a:rPr>
+                      <m:t>𝑀𝑖𝑛</m:t>
+                    </m:r>
+                  </m:oMath>
+                </a14:m>
+                <a:r>
+                  <a:rPr lang="en-US" dirty="0">
+                    <a:solidFill>
+                      <a:schemeClr val="accent1"/>
+                    </a:solidFill>
+                  </a:rPr>
+                  <a:t> and </a:t>
+                </a:r>
+                <a14:m>
+                  <m:oMath xmlns:m="http://schemas.openxmlformats.org/officeDocument/2006/math">
+                    <m:r>
+                      <a:rPr lang="en-US" i="1" dirty="0" smtClean="0">
+                        <a:solidFill>
+                          <a:schemeClr val="tx1"/>
+                        </a:solidFill>
+                        <a:latin typeface="Cambria Math" panose="02040503050406030204" pitchFamily="18" charset="0"/>
+                      </a:rPr>
+                      <m:t>𝑀𝑎𝑥</m:t>
+                    </m:r>
+                    <m:r>
+                      <a:rPr lang="en-US" i="1" dirty="0" smtClean="0">
+                        <a:solidFill>
+                          <a:schemeClr val="accent1"/>
+                        </a:solidFill>
+                        <a:latin typeface="Cambria Math" panose="02040503050406030204" pitchFamily="18" charset="0"/>
+                      </a:rPr>
+                      <m:t> </m:t>
+                    </m:r>
+                  </m:oMath>
+                </a14:m>
+                <a:r>
+                  <a:rPr lang="en-US" dirty="0">
+                    <a:solidFill>
+                      <a:schemeClr val="accent1"/>
+                    </a:solidFill>
+                  </a:rPr>
+                  <a:t>operations is the length of the downward path from root to the leftmost leaf and rightmost leaf, respectively.</a:t>
+                </a:r>
+              </a:p>
+              <a:p>
+                <a:pPr marL="0" indent="0">
+                  <a:buNone/>
+                </a:pPr>
+                <a:endParaRPr lang="en-US" dirty="0">
+                  <a:solidFill>
+                    <a:schemeClr val="accent1"/>
+                  </a:solidFill>
+                </a:endParaRPr>
+              </a:p>
+            </p:txBody>
+          </p:sp>
+        </mc:Choice>
+        <mc:Fallback>
+          <p:sp>
+            <p:nvSpPr>
+              <p:cNvPr id="3" name="Content Placeholder 2">
+                <a:extLst>
+                  <a:ext uri="{FF2B5EF4-FFF2-40B4-BE49-F238E27FC236}">
+                    <a16:creationId xmlns:a16="http://schemas.microsoft.com/office/drawing/2014/main" id="{26DFCC8E-9C79-467E-82FF-0E4E5929E4DD}"/>
+                  </a:ext>
+                </a:extLst>
+              </p:cNvPr>
+              <p:cNvSpPr>
+                <a:spLocks noGrp="1" noRot="1" noChangeAspect="1" noMove="1" noResize="1" noEditPoints="1" noAdjustHandles="1" noChangeArrowheads="1" noChangeShapeType="1" noTextEdit="1"/>
+              </p:cNvSpPr>
+              <p:nvPr>
+                <p:ph idx="1"/>
+              </p:nvPr>
+            </p:nvSpPr>
+            <p:spPr>
+              <a:blipFill>
+                <a:blip r:embed="rId2"/>
+                <a:stretch>
+                  <a:fillRect l="-1217" t="-2241" b="-3081"/>
+                </a:stretch>
+              </a:blipFill>
+            </p:spPr>
+            <p:txBody>
+              <a:bodyPr/>
+              <a:lstStyle/>
+              <a:p>
+                <a:r>
+                  <a:rPr lang="en-US">
+                    <a:noFill/>
+                  </a:rPr>
+                  <a:t> </a:t>
+                </a:r>
+              </a:p>
+            </p:txBody>
+          </p:sp>
+        </mc:Fallback>
+      </mc:AlternateContent>
     </p:spTree>
     <p:extLst>
       <p:ext uri="{BB962C8B-B14F-4D97-AF65-F5344CB8AC3E}">

--- a/Lectures/Lecture 5.pptx
+++ b/Lectures/Lecture 5.pptx
@@ -19071,8 +19071,8 @@
           </a:p>
         </p:txBody>
       </p:sp>
-      <mc:AlternateContent xmlns:mc="http://schemas.openxmlformats.org/markup-compatibility/2006" xmlns:a14="http://schemas.microsoft.com/office/drawing/2010/main">
-        <mc:Choice Requires="a14">
+      <mc:AlternateContent xmlns:mc="http://schemas.openxmlformats.org/markup-compatibility/2006">
+        <mc:Choice xmlns:a14="http://schemas.microsoft.com/office/drawing/2010/main" Requires="a14">
           <p:sp>
             <p:nvSpPr>
               <p:cNvPr id="3" name="Content Placeholder 2">
@@ -19092,7 +19092,7 @@
             <p:spPr/>
             <p:txBody>
               <a:bodyPr>
-                <a:normAutofit fontScale="77500" lnSpcReduction="20000"/>
+                <a:normAutofit fontScale="70000" lnSpcReduction="20000"/>
               </a:bodyPr>
               <a:lstStyle/>
               <a:p>
@@ -19768,12 +19768,15 @@
                     </m:d>
                   </m:oMath>
                 </a14:m>
-                <a:endParaRPr lang="en-US" b="0" i="1" dirty="0">
-                  <a:solidFill>
-                    <a:schemeClr val="tx1"/>
-                  </a:solidFill>
-                  <a:latin typeface="Cambria Math" panose="02040503050406030204" pitchFamily="18" charset="0"/>
-                </a:endParaRPr>
+                <a:r>
+                  <a:rPr lang="en-US" b="0" i="1" dirty="0">
+                    <a:solidFill>
+                      <a:schemeClr val="tx1"/>
+                    </a:solidFill>
+                    <a:latin typeface="Cambria Math" panose="02040503050406030204" pitchFamily="18" charset="0"/>
+                  </a:rPr>
+                  <a:t> </a:t>
+                </a:r>
               </a:p>
               <a:p>
                 <a:pPr marL="0" indent="0">
@@ -19793,10 +19796,18 @@
                 <a:r>
                   <a:rPr lang="en-US" b="0" dirty="0">
                     <a:solidFill>
+                      <a:schemeClr val="accent1"/>
+                    </a:solidFill>
+                  </a:rPr>
+                  <a:t>Allowing the asymptotically smaller term</a:t>
+                </a:r>
+                <a:r>
+                  <a:rPr lang="en-US" b="0" dirty="0">
+                    <a:solidFill>
                       <a:schemeClr val="tx1"/>
                     </a:solidFill>
                   </a:rPr>
-                  <a:t>                              </a:t>
+                  <a:t> </a:t>
                 </a:r>
                 <a14:m>
                   <m:oMath xmlns:m="http://schemas.openxmlformats.org/officeDocument/2006/math">
@@ -19807,13 +19818,141 @@
                         </a:solidFill>
                         <a:latin typeface="Cambria Math" panose="02040503050406030204" pitchFamily="18" charset="0"/>
                       </a:rPr>
+                      <m:t>𝑂</m:t>
+                    </m:r>
+                    <m:d>
+                      <m:dPr>
+                        <m:ctrlPr>
+                          <a:rPr lang="en-US" b="0" i="1" smtClean="0">
+                            <a:solidFill>
+                              <a:schemeClr val="tx1"/>
+                            </a:solidFill>
+                            <a:latin typeface="Cambria Math" panose="02040503050406030204" pitchFamily="18" charset="0"/>
+                          </a:rPr>
+                        </m:ctrlPr>
+                      </m:dPr>
+                      <m:e>
+                        <m:r>
+                          <a:rPr lang="en-US" b="0" i="1" smtClean="0">
+                            <a:solidFill>
+                              <a:schemeClr val="tx1"/>
+                            </a:solidFill>
+                            <a:latin typeface="Cambria Math" panose="02040503050406030204" pitchFamily="18" charset="0"/>
+                          </a:rPr>
+                          <m:t>1</m:t>
+                        </m:r>
+                      </m:e>
+                    </m:d>
+                  </m:oMath>
+                </a14:m>
+                <a:r>
+                  <a:rPr lang="en-US" b="0" i="1" dirty="0">
+                    <a:solidFill>
+                      <a:schemeClr val="tx1"/>
+                    </a:solidFill>
+                    <a:latin typeface="Cambria Math" panose="02040503050406030204" pitchFamily="18" charset="0"/>
+                  </a:rPr>
+                  <a:t>  </a:t>
+                </a:r>
+                <a:r>
+                  <a:rPr lang="en-US" b="0" dirty="0">
+                    <a:solidFill>
+                      <a:schemeClr val="accent1"/>
+                    </a:solidFill>
+                    <a:latin typeface="Cambria Math" panose="02040503050406030204" pitchFamily="18" charset="0"/>
+                  </a:rPr>
+                  <a:t>to </a:t>
+                </a:r>
+                <a:r>
+                  <a:rPr lang="en-US" dirty="0">
+                    <a:solidFill>
+                      <a:schemeClr val="accent1"/>
+                    </a:solidFill>
+                    <a:latin typeface="Cambria Math" panose="02040503050406030204" pitchFamily="18" charset="0"/>
+                  </a:rPr>
+                  <a:t>be absorbed into the asymptotically larger term </a:t>
+                </a:r>
+                <a14:m>
+                  <m:oMath xmlns:m="http://schemas.openxmlformats.org/officeDocument/2006/math">
+                    <m:r>
+                      <a:rPr lang="en-US" i="1">
+                        <a:latin typeface="Cambria Math" panose="02040503050406030204" pitchFamily="18" charset="0"/>
+                      </a:rPr>
+                      <m:t>𝑂</m:t>
+                    </m:r>
+                    <m:d>
+                      <m:dPr>
+                        <m:ctrlPr>
+                          <a:rPr lang="en-US" i="1">
+                            <a:latin typeface="Cambria Math" panose="02040503050406030204" pitchFamily="18" charset="0"/>
+                          </a:rPr>
+                        </m:ctrlPr>
+                      </m:dPr>
+                      <m:e>
+                        <m:r>
+                          <a:rPr lang="en-US" i="1">
+                            <a:latin typeface="Cambria Math" panose="02040503050406030204" pitchFamily="18" charset="0"/>
+                          </a:rPr>
+                          <m:t>𝑛</m:t>
+                        </m:r>
+                      </m:e>
+                    </m:d>
+                  </m:oMath>
+                </a14:m>
+                <a:r>
+                  <a:rPr lang="en-US" b="0" dirty="0">
+                    <a:solidFill>
+                      <a:schemeClr val="accent1"/>
+                    </a:solidFill>
+                    <a:latin typeface="Cambria Math" panose="02040503050406030204" pitchFamily="18" charset="0"/>
+                  </a:rPr>
+                  <a:t>, we have</a:t>
+                </a:r>
+                <a:endParaRPr lang="en-US" i="1" dirty="0">
+                  <a:latin typeface="Cambria Math" panose="02040503050406030204" pitchFamily="18" charset="0"/>
+                </a:endParaRPr>
+              </a:p>
+              <a:p>
+                <a:pPr marL="0" indent="0">
+                  <a:buNone/>
+                </a:pPr>
+                <a:r>
+                  <a:rPr lang="en-US" dirty="0"/>
+                  <a:t>                    </a:t>
+                </a:r>
+                <a14:m>
+                  <m:oMath xmlns:m="http://schemas.openxmlformats.org/officeDocument/2006/math">
+                    <m:r>
+                      <a:rPr lang="en-US" i="1">
+                        <a:latin typeface="Cambria Math" panose="02040503050406030204" pitchFamily="18" charset="0"/>
+                      </a:rPr>
+                      <m:t>𝑇</m:t>
+                    </m:r>
+                    <m:d>
+                      <m:dPr>
+                        <m:ctrlPr>
+                          <a:rPr lang="en-US" i="1">
+                            <a:latin typeface="Cambria Math" panose="02040503050406030204" pitchFamily="18" charset="0"/>
+                          </a:rPr>
+                        </m:ctrlPr>
+                      </m:dPr>
+                      <m:e>
+                        <m:r>
+                          <a:rPr lang="en-US" i="1">
+                            <a:latin typeface="Cambria Math" panose="02040503050406030204" pitchFamily="18" charset="0"/>
+                          </a:rPr>
+                          <m:t>𝑛</m:t>
+                        </m:r>
+                      </m:e>
+                    </m:d>
+                    <m:r>
+                      <a:rPr lang="en-US" i="1">
+                        <a:latin typeface="Cambria Math" panose="02040503050406030204" pitchFamily="18" charset="0"/>
+                      </a:rPr>
                       <m:t>=2</m:t>
                     </m:r>
                     <m:r>
-                      <a:rPr lang="en-US" b="0" i="1" smtClean="0">
-                        <a:solidFill>
-                          <a:schemeClr val="tx1"/>
-                        </a:solidFill>
+                      <a:rPr lang="en-US" i="1">
                         <a:latin typeface="Cambria Math" panose="02040503050406030204" pitchFamily="18" charset="0"/>
                       </a:rPr>
                       <m:t>𝑇</m:t>
@@ -19964,7 +20103,7 @@
             </p:txBody>
           </p:sp>
         </mc:Choice>
-        <mc:Fallback xmlns="">
+        <mc:Fallback>
           <p:sp>
             <p:nvSpPr>
               <p:cNvPr id="3" name="Content Placeholder 2">
@@ -19985,7 +20124,7 @@
               <a:blipFill>
                 <a:blip r:embed="rId2"/>
                 <a:stretch>
-                  <a:fillRect l="-754" t="-2801"/>
+                  <a:fillRect l="-638" t="-2521" b="-280"/>
                 </a:stretch>
               </a:blipFill>
             </p:spPr>
@@ -20710,23 +20849,7 @@
                   <a:schemeClr val="accent1"/>
                 </a:solidFill>
               </a:rPr>
-              <a:t>We </a:t>
-            </a:r>
-            <a:r>
-              <a:rPr lang="en-US">
-                <a:solidFill>
-                  <a:schemeClr val="accent1"/>
-                </a:solidFill>
-              </a:rPr>
-              <a:t>have covered </a:t>
-            </a:r>
-            <a:r>
-              <a:rPr lang="en-US" dirty="0">
-                <a:solidFill>
-                  <a:schemeClr val="accent1"/>
-                </a:solidFill>
-              </a:rPr>
-              <a:t>the following topics:</a:t>
+              <a:t>We have covered the following topics:</a:t>
             </a:r>
           </a:p>
           <a:p>

--- a/Lectures/Lecture 5.pptx
+++ b/Lectures/Lecture 5.pptx
@@ -247,7 +247,7 @@
           <a:p>
             <a:fld id="{1CB48AD5-CDAE-4B7B-B49D-6DB81FF5A179}" type="datetimeFigureOut">
               <a:rPr lang="en-US" smtClean="0"/>
-              <a:t>9/4/2020</a:t>
+              <a:t>10/17/2020</a:t>
             </a:fld>
             <a:endParaRPr lang="en-US"/>
           </a:p>
@@ -661,7 +661,7 @@
           <a:p>
             <a:fld id="{C4959B56-7D6D-462F-B061-93C9E323EE8A}" type="datetimeFigureOut">
               <a:rPr lang="en-US" smtClean="0"/>
-              <a:t>9/4/2020</a:t>
+              <a:t>10/17/2020</a:t>
             </a:fld>
             <a:endParaRPr lang="en-US"/>
           </a:p>
@@ -859,7 +859,7 @@
           <a:p>
             <a:fld id="{C4959B56-7D6D-462F-B061-93C9E323EE8A}" type="datetimeFigureOut">
               <a:rPr lang="en-US" smtClean="0"/>
-              <a:t>9/4/2020</a:t>
+              <a:t>10/17/2020</a:t>
             </a:fld>
             <a:endParaRPr lang="en-US"/>
           </a:p>
@@ -1067,7 +1067,7 @@
           <a:p>
             <a:fld id="{C4959B56-7D6D-462F-B061-93C9E323EE8A}" type="datetimeFigureOut">
               <a:rPr lang="en-US" smtClean="0"/>
-              <a:t>9/4/2020</a:t>
+              <a:t>10/17/2020</a:t>
             </a:fld>
             <a:endParaRPr lang="en-US"/>
           </a:p>
@@ -1265,7 +1265,7 @@
           <a:p>
             <a:fld id="{C4959B56-7D6D-462F-B061-93C9E323EE8A}" type="datetimeFigureOut">
               <a:rPr lang="en-US" smtClean="0"/>
-              <a:t>9/4/2020</a:t>
+              <a:t>10/17/2020</a:t>
             </a:fld>
             <a:endParaRPr lang="en-US"/>
           </a:p>
@@ -1540,7 +1540,7 @@
           <a:p>
             <a:fld id="{C4959B56-7D6D-462F-B061-93C9E323EE8A}" type="datetimeFigureOut">
               <a:rPr lang="en-US" smtClean="0"/>
-              <a:t>9/4/2020</a:t>
+              <a:t>10/17/2020</a:t>
             </a:fld>
             <a:endParaRPr lang="en-US"/>
           </a:p>
@@ -1805,7 +1805,7 @@
           <a:p>
             <a:fld id="{C4959B56-7D6D-462F-B061-93C9E323EE8A}" type="datetimeFigureOut">
               <a:rPr lang="en-US" smtClean="0"/>
-              <a:t>9/4/2020</a:t>
+              <a:t>10/17/2020</a:t>
             </a:fld>
             <a:endParaRPr lang="en-US"/>
           </a:p>
@@ -2217,7 +2217,7 @@
           <a:p>
             <a:fld id="{C4959B56-7D6D-462F-B061-93C9E323EE8A}" type="datetimeFigureOut">
               <a:rPr lang="en-US" smtClean="0"/>
-              <a:t>9/4/2020</a:t>
+              <a:t>10/17/2020</a:t>
             </a:fld>
             <a:endParaRPr lang="en-US"/>
           </a:p>
@@ -2358,7 +2358,7 @@
           <a:p>
             <a:fld id="{C4959B56-7D6D-462F-B061-93C9E323EE8A}" type="datetimeFigureOut">
               <a:rPr lang="en-US" smtClean="0"/>
-              <a:t>9/4/2020</a:t>
+              <a:t>10/17/2020</a:t>
             </a:fld>
             <a:endParaRPr lang="en-US"/>
           </a:p>
@@ -2471,7 +2471,7 @@
           <a:p>
             <a:fld id="{C4959B56-7D6D-462F-B061-93C9E323EE8A}" type="datetimeFigureOut">
               <a:rPr lang="en-US" smtClean="0"/>
-              <a:t>9/4/2020</a:t>
+              <a:t>10/17/2020</a:t>
             </a:fld>
             <a:endParaRPr lang="en-US"/>
           </a:p>
@@ -2782,7 +2782,7 @@
           <a:p>
             <a:fld id="{C4959B56-7D6D-462F-B061-93C9E323EE8A}" type="datetimeFigureOut">
               <a:rPr lang="en-US" smtClean="0"/>
-              <a:t>9/4/2020</a:t>
+              <a:t>10/17/2020</a:t>
             </a:fld>
             <a:endParaRPr lang="en-US"/>
           </a:p>
@@ -3070,7 +3070,7 @@
           <a:p>
             <a:fld id="{C4959B56-7D6D-462F-B061-93C9E323EE8A}" type="datetimeFigureOut">
               <a:rPr lang="en-US" smtClean="0"/>
-              <a:t>9/4/2020</a:t>
+              <a:t>10/17/2020</a:t>
             </a:fld>
             <a:endParaRPr lang="en-US"/>
           </a:p>
@@ -3311,7 +3311,7 @@
           <a:p>
             <a:fld id="{C4959B56-7D6D-462F-B061-93C9E323EE8A}" type="datetimeFigureOut">
               <a:rPr lang="en-US" smtClean="0"/>
-              <a:t>9/4/2020</a:t>
+              <a:t>10/17/2020</a:t>
             </a:fld>
             <a:endParaRPr lang="en-US"/>
           </a:p>
@@ -5277,47 +5277,21 @@
           </a:p>
         </p:txBody>
       </p:sp>
-      <p:sp>
-        <p:nvSpPr>
-          <p:cNvPr id="3" name="Content Placeholder 2">
+      <p:pic>
+        <p:nvPicPr>
+          <p:cNvPr id="5" name="Content Placeholder 4">
             <a:extLst>
               <a:ext uri="{FF2B5EF4-FFF2-40B4-BE49-F238E27FC236}">
-                <a16:creationId xmlns:a16="http://schemas.microsoft.com/office/drawing/2014/main" id="{13B25C37-026E-4915-BCAC-CBFA5A128F58}"/>
-              </a:ext>
-            </a:extLst>
-          </p:cNvPr>
-          <p:cNvSpPr>
-            <a:spLocks noGrp="1"/>
-          </p:cNvSpPr>
-          <p:nvPr>
-            <p:ph idx="1"/>
-          </p:nvPr>
-        </p:nvSpPr>
-        <p:spPr/>
-        <p:txBody>
-          <a:bodyPr/>
-          <a:lstStyle/>
-          <a:p>
-            <a:pPr marL="0" indent="0">
-              <a:buNone/>
-            </a:pPr>
-            <a:endParaRPr lang="en-US" dirty="0"/>
-          </a:p>
-        </p:txBody>
-      </p:sp>
-      <p:pic>
-        <p:nvPicPr>
-          <p:cNvPr id="12" name="Picture 11">
-            <a:extLst>
-              <a:ext uri="{FF2B5EF4-FFF2-40B4-BE49-F238E27FC236}">
-                <a16:creationId xmlns:a16="http://schemas.microsoft.com/office/drawing/2014/main" id="{67C1F79C-0BFF-4B4D-85CE-5C23BE4281E2}"/>
+                <a16:creationId xmlns:a16="http://schemas.microsoft.com/office/drawing/2014/main" id="{E131A4CB-B779-4BF0-9564-D61402204766}"/>
               </a:ext>
             </a:extLst>
           </p:cNvPr>
           <p:cNvPicPr>
-            <a:picLocks noChangeAspect="1"/>
+            <a:picLocks noGrp="1" noChangeAspect="1"/>
           </p:cNvPicPr>
-          <p:nvPr/>
+          <p:nvPr>
+            <p:ph idx="1"/>
+          </p:nvPr>
         </p:nvPicPr>
         <p:blipFill>
           <a:blip r:embed="rId2">
@@ -5333,12 +5307,9 @@
         </p:blipFill>
         <p:spPr>
           <a:xfrm>
-            <a:off x="5569043" y="2465399"/>
-            <a:ext cx="5155579" cy="2872666"/>
+            <a:off x="5253251" y="2130821"/>
+            <a:ext cx="5567281" cy="3261519"/>
           </a:xfrm>
-          <a:prstGeom prst="rect">
-            <a:avLst/>
-          </a:prstGeom>
         </p:spPr>
       </p:pic>
       <p:pic>
@@ -8301,10 +8272,10 @@
       </p:sp>
       <p:pic>
         <p:nvPicPr>
-          <p:cNvPr id="7" name="Picture 6">
+          <p:cNvPr id="5" name="Content Placeholder 4">
             <a:extLst>
               <a:ext uri="{FF2B5EF4-FFF2-40B4-BE49-F238E27FC236}">
-                <a16:creationId xmlns:a16="http://schemas.microsoft.com/office/drawing/2014/main" id="{BFD619B7-1901-44CF-884E-BBF4F6CF103E}"/>
+                <a16:creationId xmlns:a16="http://schemas.microsoft.com/office/drawing/2014/main" id="{D3855DF8-8C05-4A34-A0E5-85487D8D6283}"/>
               </a:ext>
             </a:extLst>
           </p:cNvPr>
@@ -8327,8 +8298,8 @@
         </p:blipFill>
         <p:spPr>
           <a:xfrm>
-            <a:off x="2818307" y="3336925"/>
-            <a:ext cx="4792168" cy="2670175"/>
+            <a:off x="2300501" y="3429000"/>
+            <a:ext cx="5567281" cy="3261519"/>
           </a:xfrm>
           <a:prstGeom prst="rect">
             <a:avLst/>
@@ -8397,8 +8368,8 @@
           </a:p>
         </p:txBody>
       </p:sp>
-      <mc:AlternateContent xmlns:mc="http://schemas.openxmlformats.org/markup-compatibility/2006">
-        <mc:Choice xmlns:a14="http://schemas.microsoft.com/office/drawing/2010/main" Requires="a14">
+      <mc:AlternateContent xmlns:mc="http://schemas.openxmlformats.org/markup-compatibility/2006" xmlns:a14="http://schemas.microsoft.com/office/drawing/2010/main">
+        <mc:Choice Requires="a14">
           <p:sp>
             <p:nvSpPr>
               <p:cNvPr id="3" name="Content Placeholder 2">
@@ -9041,7 +9012,7 @@
             </p:txBody>
           </p:sp>
         </mc:Choice>
-        <mc:Fallback>
+        <mc:Fallback xmlns="">
           <p:sp>
             <p:nvSpPr>
               <p:cNvPr id="3" name="Content Placeholder 2">
@@ -9083,10 +9054,10 @@
       </mc:AlternateContent>
       <p:pic>
         <p:nvPicPr>
-          <p:cNvPr id="4" name="Picture 3">
+          <p:cNvPr id="5" name="Content Placeholder 4">
             <a:extLst>
               <a:ext uri="{FF2B5EF4-FFF2-40B4-BE49-F238E27FC236}">
-                <a16:creationId xmlns:a16="http://schemas.microsoft.com/office/drawing/2014/main" id="{C790AB4E-A635-4976-9DAC-D600E60EE957}"/>
+                <a16:creationId xmlns:a16="http://schemas.microsoft.com/office/drawing/2014/main" id="{D8B3A504-7BF3-4954-9464-506B4DED8AE3}"/>
               </a:ext>
             </a:extLst>
           </p:cNvPr>
@@ -9109,8 +9080,8 @@
         </p:blipFill>
         <p:spPr>
           <a:xfrm>
-            <a:off x="6409232" y="4108450"/>
-            <a:ext cx="4792168" cy="2670175"/>
+            <a:off x="6613530" y="4001294"/>
+            <a:ext cx="4606920" cy="2698904"/>
           </a:xfrm>
           <a:prstGeom prst="rect">
             <a:avLst/>
@@ -12554,8 +12525,8 @@
           </a:p>
         </p:txBody>
       </p:sp>
-      <mc:AlternateContent xmlns:mc="http://schemas.openxmlformats.org/markup-compatibility/2006">
-        <mc:Choice xmlns:a14="http://schemas.microsoft.com/office/drawing/2010/main" Requires="a14">
+      <mc:AlternateContent xmlns:mc="http://schemas.openxmlformats.org/markup-compatibility/2006" xmlns:a14="http://schemas.microsoft.com/office/drawing/2010/main">
+        <mc:Choice Requires="a14">
           <p:sp>
             <p:nvSpPr>
               <p:cNvPr id="3" name="Content Placeholder 2">
@@ -12711,7 +12682,7 @@
             </p:txBody>
           </p:sp>
         </mc:Choice>
-        <mc:Fallback>
+        <mc:Fallback xmlns="">
           <p:sp>
             <p:nvSpPr>
               <p:cNvPr id="3" name="Content Placeholder 2">
@@ -12753,10 +12724,10 @@
       </mc:AlternateContent>
       <p:pic>
         <p:nvPicPr>
-          <p:cNvPr id="5" name="Picture 4">
+          <p:cNvPr id="6" name="Content Placeholder 4">
             <a:extLst>
               <a:ext uri="{FF2B5EF4-FFF2-40B4-BE49-F238E27FC236}">
-                <a16:creationId xmlns:a16="http://schemas.microsoft.com/office/drawing/2014/main" id="{07E08556-C3AA-4787-9832-002BF0893685}"/>
+                <a16:creationId xmlns:a16="http://schemas.microsoft.com/office/drawing/2014/main" id="{F3CEC347-0FA6-471E-B85E-9787F861CAD7}"/>
               </a:ext>
             </a:extLst>
           </p:cNvPr>
@@ -12779,8 +12750,8 @@
         </p:blipFill>
         <p:spPr>
           <a:xfrm>
-            <a:off x="3699916" y="3822700"/>
-            <a:ext cx="4792168" cy="2670175"/>
+            <a:off x="3881727" y="4019550"/>
+            <a:ext cx="4633755" cy="2714625"/>
           </a:xfrm>
           <a:prstGeom prst="rect">
             <a:avLst/>
@@ -13609,8 +13580,8 @@
           </a:p>
         </p:txBody>
       </p:sp>
-      <mc:AlternateContent xmlns:mc="http://schemas.openxmlformats.org/markup-compatibility/2006">
-        <mc:Choice xmlns:a14="http://schemas.microsoft.com/office/drawing/2010/main" Requires="a14">
+      <mc:AlternateContent xmlns:mc="http://schemas.openxmlformats.org/markup-compatibility/2006" xmlns:a14="http://schemas.microsoft.com/office/drawing/2010/main">
+        <mc:Choice Requires="a14">
           <p:sp>
             <p:nvSpPr>
               <p:cNvPr id="3" name="Content Placeholder 2">
@@ -14131,7 +14102,7 @@
             </p:txBody>
           </p:sp>
         </mc:Choice>
-        <mc:Fallback>
+        <mc:Fallback xmlns="">
           <p:sp>
             <p:nvSpPr>
               <p:cNvPr id="3" name="Content Placeholder 2">
@@ -14731,8 +14702,8 @@
           </a:p>
         </p:txBody>
       </p:sp>
-      <mc:AlternateContent xmlns:mc="http://schemas.openxmlformats.org/markup-compatibility/2006">
-        <mc:Choice xmlns:a14="http://schemas.microsoft.com/office/drawing/2010/main" Requires="a14">
+      <mc:AlternateContent xmlns:mc="http://schemas.openxmlformats.org/markup-compatibility/2006" xmlns:a14="http://schemas.microsoft.com/office/drawing/2010/main">
+        <mc:Choice Requires="a14">
           <p:sp>
             <p:nvSpPr>
               <p:cNvPr id="3" name="Content Placeholder 2">
@@ -15067,7 +15038,7 @@
             </p:txBody>
           </p:sp>
         </mc:Choice>
-        <mc:Fallback>
+        <mc:Fallback xmlns="">
           <p:sp>
             <p:nvSpPr>
               <p:cNvPr id="3" name="Content Placeholder 2">
@@ -16431,8 +16402,8 @@
           </a:p>
         </p:txBody>
       </p:sp>
-      <mc:AlternateContent xmlns:mc="http://schemas.openxmlformats.org/markup-compatibility/2006">
-        <mc:Choice xmlns:a14="http://schemas.microsoft.com/office/drawing/2010/main" Requires="a14">
+      <mc:AlternateContent xmlns:mc="http://schemas.openxmlformats.org/markup-compatibility/2006" xmlns:a14="http://schemas.microsoft.com/office/drawing/2010/main">
+        <mc:Choice Requires="a14">
           <p:sp>
             <p:nvSpPr>
               <p:cNvPr id="3" name="Content Placeholder 2">
@@ -17369,7 +17340,7 @@
             </p:txBody>
           </p:sp>
         </mc:Choice>
-        <mc:Fallback>
+        <mc:Fallback xmlns="">
           <p:sp>
             <p:nvSpPr>
               <p:cNvPr id="3" name="Content Placeholder 2">
@@ -17472,8 +17443,8 @@
           </a:p>
         </p:txBody>
       </p:sp>
-      <mc:AlternateContent xmlns:mc="http://schemas.openxmlformats.org/markup-compatibility/2006">
-        <mc:Choice xmlns:a14="http://schemas.microsoft.com/office/drawing/2010/main" Requires="a14">
+      <mc:AlternateContent xmlns:mc="http://schemas.openxmlformats.org/markup-compatibility/2006" xmlns:a14="http://schemas.microsoft.com/office/drawing/2010/main">
+        <mc:Choice Requires="a14">
           <p:sp>
             <p:nvSpPr>
               <p:cNvPr id="3" name="Content Placeholder 2">
@@ -18346,7 +18317,7 @@
             </p:txBody>
           </p:sp>
         </mc:Choice>
-        <mc:Fallback>
+        <mc:Fallback xmlns="">
           <p:sp>
             <p:nvSpPr>
               <p:cNvPr id="3" name="Content Placeholder 2">
@@ -18449,8 +18420,8 @@
           </a:p>
         </p:txBody>
       </p:sp>
-      <mc:AlternateContent xmlns:mc="http://schemas.openxmlformats.org/markup-compatibility/2006">
-        <mc:Choice xmlns:a14="http://schemas.microsoft.com/office/drawing/2010/main" Requires="a14">
+      <mc:AlternateContent xmlns:mc="http://schemas.openxmlformats.org/markup-compatibility/2006" xmlns:a14="http://schemas.microsoft.com/office/drawing/2010/main">
+        <mc:Choice Requires="a14">
           <p:sp>
             <p:nvSpPr>
               <p:cNvPr id="3" name="Content Placeholder 2">
@@ -18969,7 +18940,7 @@
             </p:txBody>
           </p:sp>
         </mc:Choice>
-        <mc:Fallback>
+        <mc:Fallback xmlns="">
           <p:sp>
             <p:nvSpPr>
               <p:cNvPr id="3" name="Content Placeholder 2">
@@ -19071,8 +19042,8 @@
           </a:p>
         </p:txBody>
       </p:sp>
-      <mc:AlternateContent xmlns:mc="http://schemas.openxmlformats.org/markup-compatibility/2006">
-        <mc:Choice xmlns:a14="http://schemas.microsoft.com/office/drawing/2010/main" Requires="a14">
+      <mc:AlternateContent xmlns:mc="http://schemas.openxmlformats.org/markup-compatibility/2006" xmlns:a14="http://schemas.microsoft.com/office/drawing/2010/main">
+        <mc:Choice Requires="a14">
           <p:sp>
             <p:nvSpPr>
               <p:cNvPr id="3" name="Content Placeholder 2">
@@ -20103,7 +20074,7 @@
             </p:txBody>
           </p:sp>
         </mc:Choice>
-        <mc:Fallback>
+        <mc:Fallback xmlns="">
           <p:sp>
             <p:nvSpPr>
               <p:cNvPr id="3" name="Content Placeholder 2">
@@ -20835,7 +20806,12 @@
             <p:ph idx="1"/>
           </p:nvPr>
         </p:nvSpPr>
-        <p:spPr/>
+        <p:spPr>
+          <a:xfrm>
+            <a:off x="914400" y="1690688"/>
+            <a:ext cx="10515600" cy="4351338"/>
+          </a:xfrm>
+        </p:spPr>
         <p:txBody>
           <a:bodyPr/>
           <a:lstStyle/>
@@ -21897,8 +21873,8 @@
           </a:p>
         </p:txBody>
       </p:sp>
-      <mc:AlternateContent xmlns:mc="http://schemas.openxmlformats.org/markup-compatibility/2006">
-        <mc:Choice xmlns:a14="http://schemas.microsoft.com/office/drawing/2010/main" Requires="a14">
+      <mc:AlternateContent xmlns:mc="http://schemas.openxmlformats.org/markup-compatibility/2006" xmlns:a14="http://schemas.microsoft.com/office/drawing/2010/main">
+        <mc:Choice Requires="a14">
           <p:sp>
             <p:nvSpPr>
               <p:cNvPr id="3" name="Content Placeholder 2">
@@ -22129,7 +22105,7 @@
             </p:txBody>
           </p:sp>
         </mc:Choice>
-        <mc:Fallback>
+        <mc:Fallback xmlns="">
           <p:sp>
             <p:nvSpPr>
               <p:cNvPr id="3" name="Content Placeholder 2">
